--- a/Day1/Day1.pptx
+++ b/Day1/Day1.pptx
@@ -201,7 +201,7 @@
           <a:p>
             <a:fld id="{E7B521F7-581E-8641-B778-640CBFB8EBD4}" type="datetimeFigureOut">
               <a:rPr lang="en-US" smtClean="0"/>
-              <a:t>10/17/22</a:t>
+              <a:t>10/21/22</a:t>
             </a:fld>
             <a:endParaRPr lang="en-US"/>
           </a:p>
@@ -618,7 +618,7 @@
           <a:p>
             <a:fld id="{F0278985-CC06-C542-9634-F6DC34655589}" type="datetime1">
               <a:rPr lang="en-GB" smtClean="0"/>
-              <a:t>17/10/2022</a:t>
+              <a:t>21/10/2022</a:t>
             </a:fld>
             <a:endParaRPr lang="en-US"/>
           </a:p>
@@ -818,7 +818,7 @@
           <a:p>
             <a:fld id="{F1496B09-20BC-454B-8402-56C4E1BC89E8}" type="datetime1">
               <a:rPr lang="en-GB" smtClean="0"/>
-              <a:t>17/10/2022</a:t>
+              <a:t>21/10/2022</a:t>
             </a:fld>
             <a:endParaRPr lang="en-US"/>
           </a:p>
@@ -1028,7 +1028,7 @@
           <a:p>
             <a:fld id="{6FFFBD04-9034-F348-86EE-12D81EB1AA27}" type="datetime1">
               <a:rPr lang="en-GB" smtClean="0"/>
-              <a:t>17/10/2022</a:t>
+              <a:t>21/10/2022</a:t>
             </a:fld>
             <a:endParaRPr lang="en-US"/>
           </a:p>
@@ -1228,7 +1228,7 @@
           <a:p>
             <a:fld id="{5DF5D028-8965-414D-A3D1-DA49A41F9242}" type="datetime1">
               <a:rPr lang="en-GB" smtClean="0"/>
-              <a:t>17/10/2022</a:t>
+              <a:t>21/10/2022</a:t>
             </a:fld>
             <a:endParaRPr lang="en-US"/>
           </a:p>
@@ -1504,7 +1504,7 @@
           <a:p>
             <a:fld id="{5D02947E-6D63-D444-8257-113DACD544ED}" type="datetime1">
               <a:rPr lang="en-GB" smtClean="0"/>
-              <a:t>17/10/2022</a:t>
+              <a:t>21/10/2022</a:t>
             </a:fld>
             <a:endParaRPr lang="en-US"/>
           </a:p>
@@ -1772,7 +1772,7 @@
           <a:p>
             <a:fld id="{87FB3589-07A8-CE4D-AE49-47E44B86ECB9}" type="datetime1">
               <a:rPr lang="en-GB" smtClean="0"/>
-              <a:t>17/10/2022</a:t>
+              <a:t>21/10/2022</a:t>
             </a:fld>
             <a:endParaRPr lang="en-US"/>
           </a:p>
@@ -2187,7 +2187,7 @@
           <a:p>
             <a:fld id="{5373EDCD-447B-6C44-BBAA-455EEC33C694}" type="datetime1">
               <a:rPr lang="en-GB" smtClean="0"/>
-              <a:t>17/10/2022</a:t>
+              <a:t>21/10/2022</a:t>
             </a:fld>
             <a:endParaRPr lang="en-US"/>
           </a:p>
@@ -2329,7 +2329,7 @@
           <a:p>
             <a:fld id="{E127DC52-20AF-4642-BFF8-5024E0109E5D}" type="datetime1">
               <a:rPr lang="en-GB" smtClean="0"/>
-              <a:t>17/10/2022</a:t>
+              <a:t>21/10/2022</a:t>
             </a:fld>
             <a:endParaRPr lang="en-US"/>
           </a:p>
@@ -2442,7 +2442,7 @@
           <a:p>
             <a:fld id="{3D63641E-2530-FE44-B2F3-A06F06BD1561}" type="datetime1">
               <a:rPr lang="en-GB" smtClean="0"/>
-              <a:t>17/10/2022</a:t>
+              <a:t>21/10/2022</a:t>
             </a:fld>
             <a:endParaRPr lang="en-US"/>
           </a:p>
@@ -2755,7 +2755,7 @@
           <a:p>
             <a:fld id="{2150E923-355F-6D44-8940-EA6F53203EEA}" type="datetime1">
               <a:rPr lang="en-GB" smtClean="0"/>
-              <a:t>17/10/2022</a:t>
+              <a:t>21/10/2022</a:t>
             </a:fld>
             <a:endParaRPr lang="en-US"/>
           </a:p>
@@ -3044,7 +3044,7 @@
           <a:p>
             <a:fld id="{388745A2-DBB8-4049-B279-CDBAF23676D8}" type="datetime1">
               <a:rPr lang="en-GB" smtClean="0"/>
-              <a:t>17/10/2022</a:t>
+              <a:t>21/10/2022</a:t>
             </a:fld>
             <a:endParaRPr lang="en-US"/>
           </a:p>
@@ -3287,7 +3287,7 @@
           <a:p>
             <a:fld id="{985BFEAE-9540-2B4B-AD98-BC79A929E085}" type="datetime1">
               <a:rPr lang="en-GB" smtClean="0"/>
-              <a:t>17/10/2022</a:t>
+              <a:t>21/10/2022</a:t>
             </a:fld>
             <a:endParaRPr lang="en-US"/>
           </a:p>
@@ -3762,15 +3762,7 @@
           <a:p>
             <a:r>
               <a:rPr lang="en-US" dirty="0"/>
-              <a:t>Valentina Giunchiglia and </a:t>
-            </a:r>
-            <a:r>
-              <a:rPr lang="en-US" dirty="0" err="1"/>
-              <a:t>Dragros</a:t>
-            </a:r>
-            <a:r>
-              <a:rPr lang="en-US" dirty="0"/>
-              <a:t> </a:t>
+              <a:t>Valentina Giunchiglia and Dragos </a:t>
             </a:r>
             <a:r>
               <a:rPr lang="en-US" dirty="0" err="1"/>
@@ -4672,7 +4664,7 @@
             <a:pPr lvl="1"/>
             <a:r>
               <a:rPr lang="en-US" dirty="0"/>
-              <a:t>10 exercises that review the material you completed in the primer</a:t>
+              <a:t>8 exercises that review the material you completed in the primer</a:t>
             </a:r>
           </a:p>
           <a:p>
@@ -4913,12 +4905,6 @@
               <a:buNone/>
             </a:pPr>
             <a:endParaRPr lang="en-US" dirty="0"/>
-          </a:p>
-          <a:p>
-            <a:r>
-              <a:rPr lang="en-US" dirty="0"/>
-              <a:t>“How to write a report?”</a:t>
-            </a:r>
           </a:p>
           <a:p>
             <a:pPr marL="0" indent="0">

--- a/Day1/Day1.pptx
+++ b/Day1/Day1.pptx
@@ -5,7 +5,7 @@
     <p:sldMasterId id="2147483648" r:id="rId1"/>
   </p:sldMasterIdLst>
   <p:notesMasterIdLst>
-    <p:notesMasterId r:id="rId7"/>
+    <p:notesMasterId r:id="rId9"/>
   </p:notesMasterIdLst>
   <p:sldIdLst>
     <p:sldId id="256" r:id="rId2"/>
@@ -13,6 +13,8 @@
     <p:sldId id="259" r:id="rId4"/>
     <p:sldId id="258" r:id="rId5"/>
     <p:sldId id="260" r:id="rId6"/>
+    <p:sldId id="261" r:id="rId7"/>
+    <p:sldId id="262" r:id="rId8"/>
   </p:sldIdLst>
   <p:sldSz cx="12192000" cy="6858000"/>
   <p:notesSz cx="6858000" cy="9144000"/>
@@ -5629,6 +5631,311 @@
     <p:extLst>
       <p:ext uri="{BB962C8B-B14F-4D97-AF65-F5344CB8AC3E}">
         <p14:creationId xmlns:p14="http://schemas.microsoft.com/office/powerpoint/2010/main" val="526413224"/>
+      </p:ext>
+    </p:extLst>
+  </p:cSld>
+  <p:clrMapOvr>
+    <a:masterClrMapping/>
+  </p:clrMapOvr>
+</p:sld>
+</file>
+
+<file path=ppt/slides/slide6.xml><?xml version="1.0" encoding="utf-8"?>
+<p:sld xmlns:a="http://schemas.openxmlformats.org/drawingml/2006/main" xmlns:r="http://schemas.openxmlformats.org/officeDocument/2006/relationships" xmlns:p="http://schemas.openxmlformats.org/presentationml/2006/main">
+  <p:cSld>
+    <p:spTree>
+      <p:nvGrpSpPr>
+        <p:cNvPr id="1" name=""/>
+        <p:cNvGrpSpPr/>
+        <p:nvPr/>
+      </p:nvGrpSpPr>
+      <p:grpSpPr>
+        <a:xfrm>
+          <a:off x="0" y="0"/>
+          <a:ext cx="0" cy="0"/>
+          <a:chOff x="0" y="0"/>
+          <a:chExt cx="0" cy="0"/>
+        </a:xfrm>
+      </p:grpSpPr>
+      <p:sp>
+        <p:nvSpPr>
+          <p:cNvPr id="2" name="Title 1">
+            <a:extLst>
+              <a:ext uri="{FF2B5EF4-FFF2-40B4-BE49-F238E27FC236}">
+                <a16:creationId xmlns:a16="http://schemas.microsoft.com/office/drawing/2014/main" id="{A3673D2B-380D-65F0-73A7-74D46FCC1281}"/>
+              </a:ext>
+            </a:extLst>
+          </p:cNvPr>
+          <p:cNvSpPr>
+            <a:spLocks noGrp="1"/>
+          </p:cNvSpPr>
+          <p:nvPr>
+            <p:ph type="title"/>
+          </p:nvPr>
+        </p:nvSpPr>
+        <p:spPr/>
+        <p:txBody>
+          <a:bodyPr/>
+          <a:lstStyle/>
+          <a:p>
+            <a:r>
+              <a:rPr lang="en-US" b="1" dirty="0">
+                <a:solidFill>
+                  <a:schemeClr val="accent1">
+                    <a:lumMod val="75000"/>
+                  </a:schemeClr>
+                </a:solidFill>
+              </a:rPr>
+              <a:t>Time to code!</a:t>
+            </a:r>
+          </a:p>
+        </p:txBody>
+      </p:sp>
+      <p:sp>
+        <p:nvSpPr>
+          <p:cNvPr id="3" name="Content Placeholder 2">
+            <a:extLst>
+              <a:ext uri="{FF2B5EF4-FFF2-40B4-BE49-F238E27FC236}">
+                <a16:creationId xmlns:a16="http://schemas.microsoft.com/office/drawing/2014/main" id="{95C69CE5-C076-F614-FBFA-1748AD4D97E1}"/>
+              </a:ext>
+            </a:extLst>
+          </p:cNvPr>
+          <p:cNvSpPr>
+            <a:spLocks noGrp="1"/>
+          </p:cNvSpPr>
+          <p:nvPr>
+            <p:ph idx="1"/>
+          </p:nvPr>
+        </p:nvSpPr>
+        <p:spPr/>
+        <p:txBody>
+          <a:bodyPr/>
+          <a:lstStyle/>
+          <a:p>
+            <a:r>
+              <a:rPr lang="en-US" dirty="0"/>
+              <a:t>8 exercises</a:t>
+            </a:r>
+          </a:p>
+          <a:p>
+            <a:r>
+              <a:rPr lang="en-US" dirty="0"/>
+              <a:t>3 levels of complexity </a:t>
+            </a:r>
+          </a:p>
+          <a:p>
+            <a:r>
+              <a:rPr lang="en-US" dirty="0"/>
+              <a:t>20 minutes per exercise</a:t>
+            </a:r>
+          </a:p>
+          <a:p>
+            <a:r>
+              <a:rPr lang="en-US" dirty="0"/>
+              <a:t>Work alone or in pairs (the more you code alone, the more you learn)</a:t>
+            </a:r>
+          </a:p>
+        </p:txBody>
+      </p:sp>
+      <p:sp>
+        <p:nvSpPr>
+          <p:cNvPr id="4" name="Slide Number Placeholder 3">
+            <a:extLst>
+              <a:ext uri="{FF2B5EF4-FFF2-40B4-BE49-F238E27FC236}">
+                <a16:creationId xmlns:a16="http://schemas.microsoft.com/office/drawing/2014/main" id="{796E84EE-4715-BA8E-5BF5-E4AD27B66BF1}"/>
+              </a:ext>
+            </a:extLst>
+          </p:cNvPr>
+          <p:cNvSpPr>
+            <a:spLocks noGrp="1"/>
+          </p:cNvSpPr>
+          <p:nvPr>
+            <p:ph type="sldNum" sz="quarter" idx="12"/>
+          </p:nvPr>
+        </p:nvSpPr>
+        <p:spPr/>
+        <p:txBody>
+          <a:bodyPr/>
+          <a:lstStyle/>
+          <a:p>
+            <a:fld id="{491CF4B3-B97C-1B49-985A-93725184CD23}" type="slidenum">
+              <a:rPr lang="en-US" smtClean="0"/>
+              <a:t>6</a:t>
+            </a:fld>
+            <a:endParaRPr lang="en-US"/>
+          </a:p>
+        </p:txBody>
+      </p:sp>
+      <p:sp>
+        <p:nvSpPr>
+          <p:cNvPr id="5" name="TextBox 4">
+            <a:extLst>
+              <a:ext uri="{FF2B5EF4-FFF2-40B4-BE49-F238E27FC236}">
+                <a16:creationId xmlns:a16="http://schemas.microsoft.com/office/drawing/2014/main" id="{BE95AECD-1487-57EB-E841-4EF81D373242}"/>
+              </a:ext>
+            </a:extLst>
+          </p:cNvPr>
+          <p:cNvSpPr txBox="1"/>
+          <p:nvPr/>
+        </p:nvSpPr>
+        <p:spPr>
+          <a:xfrm>
+            <a:off x="3920067" y="4515555"/>
+            <a:ext cx="6062133" cy="707886"/>
+          </a:xfrm>
+          <a:prstGeom prst="rect">
+            <a:avLst/>
+          </a:prstGeom>
+          <a:noFill/>
+        </p:spPr>
+        <p:txBody>
+          <a:bodyPr wrap="square" rtlCol="0">
+            <a:spAutoFit/>
+          </a:bodyPr>
+          <a:lstStyle/>
+          <a:p>
+            <a:r>
+              <a:rPr lang="en-US" sz="4000" i="1" dirty="0">
+                <a:solidFill>
+                  <a:schemeClr val="accent1">
+                    <a:lumMod val="75000"/>
+                  </a:schemeClr>
+                </a:solidFill>
+              </a:rPr>
+              <a:t>We are here to help!</a:t>
+            </a:r>
+          </a:p>
+        </p:txBody>
+      </p:sp>
+    </p:spTree>
+    <p:extLst>
+      <p:ext uri="{BB962C8B-B14F-4D97-AF65-F5344CB8AC3E}">
+        <p14:creationId xmlns:p14="http://schemas.microsoft.com/office/powerpoint/2010/main" val="81761691"/>
+      </p:ext>
+    </p:extLst>
+  </p:cSld>
+  <p:clrMapOvr>
+    <a:masterClrMapping/>
+  </p:clrMapOvr>
+</p:sld>
+</file>
+
+<file path=ppt/slides/slide7.xml><?xml version="1.0" encoding="utf-8"?>
+<p:sld xmlns:a="http://schemas.openxmlformats.org/drawingml/2006/main" xmlns:r="http://schemas.openxmlformats.org/officeDocument/2006/relationships" xmlns:p="http://schemas.openxmlformats.org/presentationml/2006/main">
+  <p:cSld>
+    <p:spTree>
+      <p:nvGrpSpPr>
+        <p:cNvPr id="1" name=""/>
+        <p:cNvGrpSpPr/>
+        <p:nvPr/>
+      </p:nvGrpSpPr>
+      <p:grpSpPr>
+        <a:xfrm>
+          <a:off x="0" y="0"/>
+          <a:ext cx="0" cy="0"/>
+          <a:chOff x="0" y="0"/>
+          <a:chExt cx="0" cy="0"/>
+        </a:xfrm>
+      </p:grpSpPr>
+      <p:sp>
+        <p:nvSpPr>
+          <p:cNvPr id="2" name="Title 1">
+            <a:extLst>
+              <a:ext uri="{FF2B5EF4-FFF2-40B4-BE49-F238E27FC236}">
+                <a16:creationId xmlns:a16="http://schemas.microsoft.com/office/drawing/2014/main" id="{C554AC7F-83F8-7014-61D3-A290E4AFB297}"/>
+              </a:ext>
+            </a:extLst>
+          </p:cNvPr>
+          <p:cNvSpPr>
+            <a:spLocks noGrp="1"/>
+          </p:cNvSpPr>
+          <p:nvPr>
+            <p:ph type="title"/>
+          </p:nvPr>
+        </p:nvSpPr>
+        <p:spPr/>
+        <p:txBody>
+          <a:bodyPr/>
+          <a:lstStyle/>
+          <a:p>
+            <a:r>
+              <a:rPr lang="en-US" b="1" dirty="0">
+                <a:solidFill>
+                  <a:schemeClr val="accent1">
+                    <a:lumMod val="75000"/>
+                  </a:schemeClr>
+                </a:solidFill>
+              </a:rPr>
+              <a:t>Exercise 1: the leap years </a:t>
+            </a:r>
+            <a:r>
+              <a:rPr lang="en-US" dirty="0"/>
+              <a:t>⭐️</a:t>
+            </a:r>
+          </a:p>
+        </p:txBody>
+      </p:sp>
+      <p:sp>
+        <p:nvSpPr>
+          <p:cNvPr id="3" name="Content Placeholder 2">
+            <a:extLst>
+              <a:ext uri="{FF2B5EF4-FFF2-40B4-BE49-F238E27FC236}">
+                <a16:creationId xmlns:a16="http://schemas.microsoft.com/office/drawing/2014/main" id="{C525A007-A8EE-CD6D-6800-C06E6CB49CB0}"/>
+              </a:ext>
+            </a:extLst>
+          </p:cNvPr>
+          <p:cNvSpPr>
+            <a:spLocks noGrp="1"/>
+          </p:cNvSpPr>
+          <p:nvPr>
+            <p:ph idx="1"/>
+          </p:nvPr>
+        </p:nvSpPr>
+        <p:spPr/>
+        <p:txBody>
+          <a:bodyPr/>
+          <a:lstStyle/>
+          <a:p>
+            <a:pPr marL="0" indent="0">
+              <a:buNone/>
+            </a:pPr>
+            <a:endParaRPr lang="en-US" dirty="0"/>
+          </a:p>
+        </p:txBody>
+      </p:sp>
+      <p:sp>
+        <p:nvSpPr>
+          <p:cNvPr id="4" name="Slide Number Placeholder 3">
+            <a:extLst>
+              <a:ext uri="{FF2B5EF4-FFF2-40B4-BE49-F238E27FC236}">
+                <a16:creationId xmlns:a16="http://schemas.microsoft.com/office/drawing/2014/main" id="{536DC667-8273-C810-1058-FB32AFE64120}"/>
+              </a:ext>
+            </a:extLst>
+          </p:cNvPr>
+          <p:cNvSpPr>
+            <a:spLocks noGrp="1"/>
+          </p:cNvSpPr>
+          <p:nvPr>
+            <p:ph type="sldNum" sz="quarter" idx="12"/>
+          </p:nvPr>
+        </p:nvSpPr>
+        <p:spPr/>
+        <p:txBody>
+          <a:bodyPr/>
+          <a:lstStyle/>
+          <a:p>
+            <a:fld id="{491CF4B3-B97C-1B49-985A-93725184CD23}" type="slidenum">
+              <a:rPr lang="en-US" smtClean="0"/>
+              <a:t>7</a:t>
+            </a:fld>
+            <a:endParaRPr lang="en-US"/>
+          </a:p>
+        </p:txBody>
+      </p:sp>
+    </p:spTree>
+    <p:extLst>
+      <p:ext uri="{BB962C8B-B14F-4D97-AF65-F5344CB8AC3E}">
+        <p14:creationId xmlns:p14="http://schemas.microsoft.com/office/powerpoint/2010/main" val="3864283043"/>
       </p:ext>
     </p:extLst>
   </p:cSld>

--- a/Day1/Day1.pptx
+++ b/Day1/Day1.pptx
@@ -5,7 +5,7 @@
     <p:sldMasterId id="2147483648" r:id="rId1"/>
   </p:sldMasterIdLst>
   <p:notesMasterIdLst>
-    <p:notesMasterId r:id="rId9"/>
+    <p:notesMasterId r:id="rId24"/>
   </p:notesMasterIdLst>
   <p:sldIdLst>
     <p:sldId id="256" r:id="rId2"/>
@@ -15,6 +15,21 @@
     <p:sldId id="260" r:id="rId6"/>
     <p:sldId id="261" r:id="rId7"/>
     <p:sldId id="262" r:id="rId8"/>
+    <p:sldId id="264" r:id="rId9"/>
+    <p:sldId id="263" r:id="rId10"/>
+    <p:sldId id="265" r:id="rId11"/>
+    <p:sldId id="267" r:id="rId12"/>
+    <p:sldId id="268" r:id="rId13"/>
+    <p:sldId id="269" r:id="rId14"/>
+    <p:sldId id="270" r:id="rId15"/>
+    <p:sldId id="271" r:id="rId16"/>
+    <p:sldId id="272" r:id="rId17"/>
+    <p:sldId id="273" r:id="rId18"/>
+    <p:sldId id="274" r:id="rId19"/>
+    <p:sldId id="275" r:id="rId20"/>
+    <p:sldId id="276" r:id="rId21"/>
+    <p:sldId id="277" r:id="rId22"/>
+    <p:sldId id="278" r:id="rId23"/>
   </p:sldIdLst>
   <p:sldSz cx="12192000" cy="6858000"/>
   <p:notesSz cx="6858000" cy="9144000"/>
@@ -3887,6 +3902,2032 @@
 </p:sld>
 </file>
 
+<file path=ppt/slides/slide10.xml><?xml version="1.0" encoding="utf-8"?>
+<p:sld xmlns:a="http://schemas.openxmlformats.org/drawingml/2006/main" xmlns:r="http://schemas.openxmlformats.org/officeDocument/2006/relationships" xmlns:p="http://schemas.openxmlformats.org/presentationml/2006/main">
+  <p:cSld>
+    <p:spTree>
+      <p:nvGrpSpPr>
+        <p:cNvPr id="1" name=""/>
+        <p:cNvGrpSpPr/>
+        <p:nvPr/>
+      </p:nvGrpSpPr>
+      <p:grpSpPr>
+        <a:xfrm>
+          <a:off x="0" y="0"/>
+          <a:ext cx="0" cy="0"/>
+          <a:chOff x="0" y="0"/>
+          <a:chExt cx="0" cy="0"/>
+        </a:xfrm>
+      </p:grpSpPr>
+      <p:sp>
+        <p:nvSpPr>
+          <p:cNvPr id="2" name="Title 1">
+            <a:extLst>
+              <a:ext uri="{FF2B5EF4-FFF2-40B4-BE49-F238E27FC236}">
+                <a16:creationId xmlns:a16="http://schemas.microsoft.com/office/drawing/2014/main" id="{C554AC7F-83F8-7014-61D3-A290E4AFB297}"/>
+              </a:ext>
+            </a:extLst>
+          </p:cNvPr>
+          <p:cNvSpPr>
+            <a:spLocks noGrp="1"/>
+          </p:cNvSpPr>
+          <p:nvPr>
+            <p:ph type="title"/>
+          </p:nvPr>
+        </p:nvSpPr>
+        <p:spPr/>
+        <p:txBody>
+          <a:bodyPr/>
+          <a:lstStyle/>
+          <a:p>
+            <a:r>
+              <a:rPr lang="en-US" b="1" dirty="0">
+                <a:solidFill>
+                  <a:schemeClr val="accent1">
+                    <a:lumMod val="75000"/>
+                  </a:schemeClr>
+                </a:solidFill>
+              </a:rPr>
+              <a:t>Exercise 2: Solution</a:t>
+            </a:r>
+            <a:endParaRPr lang="en-US" dirty="0"/>
+          </a:p>
+        </p:txBody>
+      </p:sp>
+      <p:sp>
+        <p:nvSpPr>
+          <p:cNvPr id="3" name="Content Placeholder 2">
+            <a:extLst>
+              <a:ext uri="{FF2B5EF4-FFF2-40B4-BE49-F238E27FC236}">
+                <a16:creationId xmlns:a16="http://schemas.microsoft.com/office/drawing/2014/main" id="{C525A007-A8EE-CD6D-6800-C06E6CB49CB0}"/>
+              </a:ext>
+            </a:extLst>
+          </p:cNvPr>
+          <p:cNvSpPr>
+            <a:spLocks noGrp="1"/>
+          </p:cNvSpPr>
+          <p:nvPr>
+            <p:ph idx="1"/>
+          </p:nvPr>
+        </p:nvSpPr>
+        <p:spPr/>
+        <p:txBody>
+          <a:bodyPr>
+            <a:normAutofit/>
+          </a:bodyPr>
+          <a:lstStyle/>
+          <a:p>
+            <a:pPr marL="0" indent="0">
+              <a:buNone/>
+            </a:pPr>
+            <a:endParaRPr lang="en-US" dirty="0"/>
+          </a:p>
+          <a:p>
+            <a:pPr marL="0" indent="0">
+              <a:buNone/>
+            </a:pPr>
+            <a:r>
+              <a:rPr lang="en-GB" dirty="0">
+                <a:effectLst/>
+                <a:latin typeface="Menlo" panose="020B0609030804020204" pitchFamily="49" charset="0"/>
+              </a:rPr>
+              <a:t>def </a:t>
+            </a:r>
+            <a:r>
+              <a:rPr lang="en-GB" dirty="0" err="1">
+                <a:effectLst/>
+                <a:latin typeface="Menlo" panose="020B0609030804020204" pitchFamily="49" charset="0"/>
+              </a:rPr>
+              <a:t>taylor_songs</a:t>
+            </a:r>
+            <a:r>
+              <a:rPr lang="en-GB" dirty="0">
+                <a:effectLst/>
+                <a:latin typeface="Menlo" panose="020B0609030804020204" pitchFamily="49" charset="0"/>
+              </a:rPr>
+              <a:t>(ser)</a:t>
+            </a:r>
+          </a:p>
+          <a:p>
+            <a:pPr marL="0" indent="0">
+              <a:buNone/>
+            </a:pPr>
+            <a:r>
+              <a:rPr lang="en-GB" dirty="0">
+                <a:effectLst/>
+                <a:latin typeface="Menlo" panose="020B0609030804020204" pitchFamily="49" charset="0"/>
+              </a:rPr>
+              <a:t>    </a:t>
+            </a:r>
+            <a:r>
+              <a:rPr lang="en-GB" dirty="0" err="1">
+                <a:effectLst/>
+                <a:latin typeface="Menlo" panose="020B0609030804020204" pitchFamily="49" charset="0"/>
+              </a:rPr>
+              <a:t>taylor_list</a:t>
+            </a:r>
+            <a:r>
+              <a:rPr lang="en-GB" dirty="0">
+                <a:effectLst/>
+                <a:latin typeface="Menlo" panose="020B0609030804020204" pitchFamily="49" charset="0"/>
+              </a:rPr>
+              <a:t> = []</a:t>
+            </a:r>
+          </a:p>
+          <a:p>
+            <a:pPr marL="0" indent="0">
+              <a:buNone/>
+            </a:pPr>
+            <a:r>
+              <a:rPr lang="en-GB" dirty="0">
+                <a:effectLst/>
+                <a:latin typeface="Menlo" panose="020B0609030804020204" pitchFamily="49" charset="0"/>
+              </a:rPr>
+              <a:t>    for x in ser:</a:t>
+            </a:r>
+          </a:p>
+          <a:p>
+            <a:pPr marL="0" indent="0">
+              <a:buNone/>
+            </a:pPr>
+            <a:r>
+              <a:rPr lang="en-GB" dirty="0">
+                <a:effectLst/>
+                <a:latin typeface="Menlo" panose="020B0609030804020204" pitchFamily="49" charset="0"/>
+              </a:rPr>
+              <a:t>        </a:t>
+            </a:r>
+            <a:r>
+              <a:rPr lang="en-GB" dirty="0" err="1">
+                <a:effectLst/>
+                <a:latin typeface="Menlo" panose="020B0609030804020204" pitchFamily="49" charset="0"/>
+              </a:rPr>
+              <a:t>taylor.append</a:t>
+            </a:r>
+            <a:r>
+              <a:rPr lang="en-GB" dirty="0">
+                <a:effectLst/>
+                <a:latin typeface="Menlo" panose="020B0609030804020204" pitchFamily="49" charset="0"/>
+              </a:rPr>
+              <a:t>(</a:t>
+            </a:r>
+            <a:r>
+              <a:rPr lang="en-GB" dirty="0" err="1">
+                <a:effectLst/>
+                <a:latin typeface="Menlo" panose="020B0609030804020204" pitchFamily="49" charset="0"/>
+              </a:rPr>
+              <a:t>len</a:t>
+            </a:r>
+            <a:r>
+              <a:rPr lang="en-GB" dirty="0">
+                <a:effectLst/>
+                <a:latin typeface="Menlo" panose="020B0609030804020204" pitchFamily="49" charset="0"/>
+              </a:rPr>
+              <a:t>(x))</a:t>
+            </a:r>
+          </a:p>
+          <a:p>
+            <a:pPr marL="0" indent="0">
+              <a:buNone/>
+            </a:pPr>
+            <a:r>
+              <a:rPr lang="en-GB" dirty="0">
+                <a:effectLst/>
+                <a:latin typeface="Menlo" panose="020B0609030804020204" pitchFamily="49" charset="0"/>
+              </a:rPr>
+              <a:t>    print(</a:t>
+            </a:r>
+            <a:r>
+              <a:rPr lang="en-GB" dirty="0" err="1">
+                <a:effectLst/>
+                <a:latin typeface="Menlo" panose="020B0609030804020204" pitchFamily="49" charset="0"/>
+              </a:rPr>
+              <a:t>pd.Series</a:t>
+            </a:r>
+            <a:r>
+              <a:rPr lang="en-GB" dirty="0">
+                <a:effectLst/>
+                <a:latin typeface="Menlo" panose="020B0609030804020204" pitchFamily="49" charset="0"/>
+              </a:rPr>
+              <a:t>(</a:t>
+            </a:r>
+            <a:r>
+              <a:rPr lang="en-GB" dirty="0" err="1">
+                <a:effectLst/>
+                <a:latin typeface="Menlo" panose="020B0609030804020204" pitchFamily="49" charset="0"/>
+              </a:rPr>
+              <a:t>taylor_list</a:t>
+            </a:r>
+            <a:r>
+              <a:rPr lang="en-GB" dirty="0">
+                <a:effectLst/>
+                <a:latin typeface="Menlo" panose="020B0609030804020204" pitchFamily="49" charset="0"/>
+              </a:rPr>
+              <a:t>))</a:t>
+            </a:r>
+          </a:p>
+          <a:p>
+            <a:pPr marL="0" indent="0">
+              <a:buNone/>
+            </a:pPr>
+            <a:r>
+              <a:rPr lang="en-US" dirty="0">
+                <a:effectLst/>
+                <a:latin typeface="Menlo" panose="020B0609030804020204" pitchFamily="49" charset="0"/>
+              </a:rPr>
+              <a:t>    </a:t>
+            </a:r>
+            <a:r>
+              <a:rPr lang="en-GB" dirty="0">
+                <a:effectLst/>
+                <a:latin typeface="Menlo" panose="020B0609030804020204" pitchFamily="49" charset="0"/>
+              </a:rPr>
+              <a:t>print(max(</a:t>
+            </a:r>
+            <a:r>
+              <a:rPr lang="en-GB" dirty="0" err="1">
+                <a:effectLst/>
+                <a:latin typeface="Menlo" panose="020B0609030804020204" pitchFamily="49" charset="0"/>
+              </a:rPr>
+              <a:t>taylor_list</a:t>
+            </a:r>
+            <a:r>
+              <a:rPr lang="en-GB" dirty="0">
+                <a:effectLst/>
+                <a:latin typeface="Menlo" panose="020B0609030804020204" pitchFamily="49" charset="0"/>
+              </a:rPr>
+              <a:t>))</a:t>
+            </a:r>
+            <a:endParaRPr lang="en-US" dirty="0"/>
+          </a:p>
+        </p:txBody>
+      </p:sp>
+      <p:sp>
+        <p:nvSpPr>
+          <p:cNvPr id="4" name="Slide Number Placeholder 3">
+            <a:extLst>
+              <a:ext uri="{FF2B5EF4-FFF2-40B4-BE49-F238E27FC236}">
+                <a16:creationId xmlns:a16="http://schemas.microsoft.com/office/drawing/2014/main" id="{536DC667-8273-C810-1058-FB32AFE64120}"/>
+              </a:ext>
+            </a:extLst>
+          </p:cNvPr>
+          <p:cNvSpPr>
+            <a:spLocks noGrp="1"/>
+          </p:cNvSpPr>
+          <p:nvPr>
+            <p:ph type="sldNum" sz="quarter" idx="12"/>
+          </p:nvPr>
+        </p:nvSpPr>
+        <p:spPr/>
+        <p:txBody>
+          <a:bodyPr/>
+          <a:lstStyle/>
+          <a:p>
+            <a:fld id="{491CF4B3-B97C-1B49-985A-93725184CD23}" type="slidenum">
+              <a:rPr lang="en-US" smtClean="0"/>
+              <a:t>10</a:t>
+            </a:fld>
+            <a:endParaRPr lang="en-US"/>
+          </a:p>
+        </p:txBody>
+      </p:sp>
+    </p:spTree>
+    <p:extLst>
+      <p:ext uri="{BB962C8B-B14F-4D97-AF65-F5344CB8AC3E}">
+        <p14:creationId xmlns:p14="http://schemas.microsoft.com/office/powerpoint/2010/main" val="385179709"/>
+      </p:ext>
+    </p:extLst>
+  </p:cSld>
+  <p:clrMapOvr>
+    <a:masterClrMapping/>
+  </p:clrMapOvr>
+</p:sld>
+</file>
+
+<file path=ppt/slides/slide11.xml><?xml version="1.0" encoding="utf-8"?>
+<p:sld xmlns:a="http://schemas.openxmlformats.org/drawingml/2006/main" xmlns:r="http://schemas.openxmlformats.org/officeDocument/2006/relationships" xmlns:p="http://schemas.openxmlformats.org/presentationml/2006/main">
+  <p:cSld>
+    <p:spTree>
+      <p:nvGrpSpPr>
+        <p:cNvPr id="1" name=""/>
+        <p:cNvGrpSpPr/>
+        <p:nvPr/>
+      </p:nvGrpSpPr>
+      <p:grpSpPr>
+        <a:xfrm>
+          <a:off x="0" y="0"/>
+          <a:ext cx="0" cy="0"/>
+          <a:chOff x="0" y="0"/>
+          <a:chExt cx="0" cy="0"/>
+        </a:xfrm>
+      </p:grpSpPr>
+      <p:sp>
+        <p:nvSpPr>
+          <p:cNvPr id="2" name="Title 1">
+            <a:extLst>
+              <a:ext uri="{FF2B5EF4-FFF2-40B4-BE49-F238E27FC236}">
+                <a16:creationId xmlns:a16="http://schemas.microsoft.com/office/drawing/2014/main" id="{77F1C72F-3D40-8EAD-F261-CFAB0E5611C1}"/>
+              </a:ext>
+            </a:extLst>
+          </p:cNvPr>
+          <p:cNvSpPr>
+            <a:spLocks noGrp="1"/>
+          </p:cNvSpPr>
+          <p:nvPr>
+            <p:ph type="title"/>
+          </p:nvPr>
+        </p:nvSpPr>
+        <p:spPr/>
+        <p:txBody>
+          <a:bodyPr/>
+          <a:lstStyle/>
+          <a:p>
+            <a:r>
+              <a:rPr lang="en-US" b="1" dirty="0">
+                <a:solidFill>
+                  <a:schemeClr val="accent1">
+                    <a:lumMod val="75000"/>
+                  </a:schemeClr>
+                </a:solidFill>
+              </a:rPr>
+              <a:t>Exercise 3: Taylor Swift Songs</a:t>
+            </a:r>
+            <a:r>
+              <a:rPr lang="en-US" dirty="0"/>
+              <a:t>⭐️ ⭐️</a:t>
+            </a:r>
+          </a:p>
+        </p:txBody>
+      </p:sp>
+      <p:sp>
+        <p:nvSpPr>
+          <p:cNvPr id="3" name="Content Placeholder 2">
+            <a:extLst>
+              <a:ext uri="{FF2B5EF4-FFF2-40B4-BE49-F238E27FC236}">
+                <a16:creationId xmlns:a16="http://schemas.microsoft.com/office/drawing/2014/main" id="{DD5FB579-A0E3-9131-FDE0-9923615C1FF9}"/>
+              </a:ext>
+            </a:extLst>
+          </p:cNvPr>
+          <p:cNvSpPr>
+            <a:spLocks noGrp="1"/>
+          </p:cNvSpPr>
+          <p:nvPr>
+            <p:ph idx="1"/>
+          </p:nvPr>
+        </p:nvSpPr>
+        <p:spPr/>
+        <p:txBody>
+          <a:bodyPr>
+            <a:normAutofit lnSpcReduction="10000"/>
+          </a:bodyPr>
+          <a:lstStyle/>
+          <a:p>
+            <a:pPr marL="0" indent="0">
+              <a:buNone/>
+            </a:pPr>
+            <a:r>
+              <a:rPr lang="en-US" dirty="0"/>
+              <a:t>Write a function that goes through each one of Taylor’s songs and prints the names of all the ones which have higher than average popularity.</a:t>
+            </a:r>
+          </a:p>
+          <a:p>
+            <a:pPr marL="0" indent="0">
+              <a:buNone/>
+            </a:pPr>
+            <a:endParaRPr lang="en-US" dirty="0"/>
+          </a:p>
+          <a:p>
+            <a:pPr marL="0" indent="0">
+              <a:buNone/>
+            </a:pPr>
+            <a:r>
+              <a:rPr lang="en-US" dirty="0"/>
+              <a:t>Input</a:t>
+            </a:r>
+          </a:p>
+          <a:p>
+            <a:pPr marL="0" indent="0">
+              <a:buNone/>
+            </a:pPr>
+            <a:r>
+              <a:rPr lang="en-US" dirty="0"/>
+              <a:t>ser = </a:t>
+            </a:r>
+            <a:r>
+              <a:rPr lang="en-US" dirty="0" err="1"/>
+              <a:t>pd.Series</a:t>
+            </a:r>
+            <a:r>
+              <a:rPr lang="en-US" dirty="0"/>
+              <a:t>(['Clean', 'All Too Well', 'Lover', 'Ivy’])</a:t>
+            </a:r>
+          </a:p>
+          <a:p>
+            <a:pPr marL="0" indent="0">
+              <a:buNone/>
+            </a:pPr>
+            <a:r>
+              <a:rPr lang="en-US" dirty="0"/>
+              <a:t>popularity = </a:t>
+            </a:r>
+            <a:r>
+              <a:rPr lang="en-US" dirty="0" err="1"/>
+              <a:t>pd.Series</a:t>
+            </a:r>
+            <a:r>
+              <a:rPr lang="en-US" dirty="0"/>
+              <a:t>([0.2, 0.6, 0.8, 0.4])</a:t>
+            </a:r>
+            <a:br>
+              <a:rPr lang="en-US" dirty="0"/>
+            </a:br>
+            <a:endParaRPr lang="en-US" dirty="0"/>
+          </a:p>
+          <a:p>
+            <a:pPr marL="0" indent="0">
+              <a:buNone/>
+            </a:pPr>
+            <a:r>
+              <a:rPr lang="en-US" dirty="0"/>
+              <a:t>Desired output</a:t>
+            </a:r>
+          </a:p>
+          <a:p>
+            <a:pPr marL="0" indent="0">
+              <a:buNone/>
+            </a:pPr>
+            <a:r>
+              <a:rPr lang="en-US" dirty="0"/>
+              <a:t>All Too Well, Lover</a:t>
+            </a:r>
+          </a:p>
+          <a:p>
+            <a:pPr marL="0" indent="0">
+              <a:buNone/>
+            </a:pPr>
+            <a:endParaRPr lang="en-US" dirty="0"/>
+          </a:p>
+          <a:p>
+            <a:endParaRPr lang="en-US" dirty="0"/>
+          </a:p>
+        </p:txBody>
+      </p:sp>
+      <p:sp>
+        <p:nvSpPr>
+          <p:cNvPr id="4" name="Slide Number Placeholder 3">
+            <a:extLst>
+              <a:ext uri="{FF2B5EF4-FFF2-40B4-BE49-F238E27FC236}">
+                <a16:creationId xmlns:a16="http://schemas.microsoft.com/office/drawing/2014/main" id="{AE79DCC1-E911-24A4-1197-782092FF1E2E}"/>
+              </a:ext>
+            </a:extLst>
+          </p:cNvPr>
+          <p:cNvSpPr>
+            <a:spLocks noGrp="1"/>
+          </p:cNvSpPr>
+          <p:nvPr>
+            <p:ph type="sldNum" sz="quarter" idx="12"/>
+          </p:nvPr>
+        </p:nvSpPr>
+        <p:spPr/>
+        <p:txBody>
+          <a:bodyPr/>
+          <a:lstStyle/>
+          <a:p>
+            <a:fld id="{491CF4B3-B97C-1B49-985A-93725184CD23}" type="slidenum">
+              <a:rPr lang="en-US" smtClean="0"/>
+              <a:t>11</a:t>
+            </a:fld>
+            <a:endParaRPr lang="en-US"/>
+          </a:p>
+        </p:txBody>
+      </p:sp>
+    </p:spTree>
+    <p:extLst>
+      <p:ext uri="{BB962C8B-B14F-4D97-AF65-F5344CB8AC3E}">
+        <p14:creationId xmlns:p14="http://schemas.microsoft.com/office/powerpoint/2010/main" val="4020040495"/>
+      </p:ext>
+    </p:extLst>
+  </p:cSld>
+  <p:clrMapOvr>
+    <a:masterClrMapping/>
+  </p:clrMapOvr>
+</p:sld>
+</file>
+
+<file path=ppt/slides/slide12.xml><?xml version="1.0" encoding="utf-8"?>
+<p:sld xmlns:a="http://schemas.openxmlformats.org/drawingml/2006/main" xmlns:r="http://schemas.openxmlformats.org/officeDocument/2006/relationships" xmlns:p="http://schemas.openxmlformats.org/presentationml/2006/main">
+  <p:cSld>
+    <p:spTree>
+      <p:nvGrpSpPr>
+        <p:cNvPr id="1" name=""/>
+        <p:cNvGrpSpPr/>
+        <p:nvPr/>
+      </p:nvGrpSpPr>
+      <p:grpSpPr>
+        <a:xfrm>
+          <a:off x="0" y="0"/>
+          <a:ext cx="0" cy="0"/>
+          <a:chOff x="0" y="0"/>
+          <a:chExt cx="0" cy="0"/>
+        </a:xfrm>
+      </p:grpSpPr>
+      <p:sp>
+        <p:nvSpPr>
+          <p:cNvPr id="2" name="Title 1">
+            <a:extLst>
+              <a:ext uri="{FF2B5EF4-FFF2-40B4-BE49-F238E27FC236}">
+                <a16:creationId xmlns:a16="http://schemas.microsoft.com/office/drawing/2014/main" id="{C554AC7F-83F8-7014-61D3-A290E4AFB297}"/>
+              </a:ext>
+            </a:extLst>
+          </p:cNvPr>
+          <p:cNvSpPr>
+            <a:spLocks noGrp="1"/>
+          </p:cNvSpPr>
+          <p:nvPr>
+            <p:ph type="title"/>
+          </p:nvPr>
+        </p:nvSpPr>
+        <p:spPr/>
+        <p:txBody>
+          <a:bodyPr/>
+          <a:lstStyle/>
+          <a:p>
+            <a:r>
+              <a:rPr lang="en-US" b="1" dirty="0">
+                <a:solidFill>
+                  <a:schemeClr val="accent1">
+                    <a:lumMod val="75000"/>
+                  </a:schemeClr>
+                </a:solidFill>
+              </a:rPr>
+              <a:t>Exercise 3: Solution</a:t>
+            </a:r>
+            <a:endParaRPr lang="en-US" dirty="0"/>
+          </a:p>
+        </p:txBody>
+      </p:sp>
+      <p:sp>
+        <p:nvSpPr>
+          <p:cNvPr id="3" name="Content Placeholder 2">
+            <a:extLst>
+              <a:ext uri="{FF2B5EF4-FFF2-40B4-BE49-F238E27FC236}">
+                <a16:creationId xmlns:a16="http://schemas.microsoft.com/office/drawing/2014/main" id="{C525A007-A8EE-CD6D-6800-C06E6CB49CB0}"/>
+              </a:ext>
+            </a:extLst>
+          </p:cNvPr>
+          <p:cNvSpPr>
+            <a:spLocks noGrp="1"/>
+          </p:cNvSpPr>
+          <p:nvPr>
+            <p:ph idx="1"/>
+          </p:nvPr>
+        </p:nvSpPr>
+        <p:spPr/>
+        <p:txBody>
+          <a:bodyPr>
+            <a:normAutofit/>
+          </a:bodyPr>
+          <a:lstStyle/>
+          <a:p>
+            <a:pPr marL="0" indent="0">
+              <a:buNone/>
+            </a:pPr>
+            <a:endParaRPr lang="en-US" dirty="0"/>
+          </a:p>
+        </p:txBody>
+      </p:sp>
+      <p:sp>
+        <p:nvSpPr>
+          <p:cNvPr id="4" name="Slide Number Placeholder 3">
+            <a:extLst>
+              <a:ext uri="{FF2B5EF4-FFF2-40B4-BE49-F238E27FC236}">
+                <a16:creationId xmlns:a16="http://schemas.microsoft.com/office/drawing/2014/main" id="{536DC667-8273-C810-1058-FB32AFE64120}"/>
+              </a:ext>
+            </a:extLst>
+          </p:cNvPr>
+          <p:cNvSpPr>
+            <a:spLocks noGrp="1"/>
+          </p:cNvSpPr>
+          <p:nvPr>
+            <p:ph type="sldNum" sz="quarter" idx="12"/>
+          </p:nvPr>
+        </p:nvSpPr>
+        <p:spPr/>
+        <p:txBody>
+          <a:bodyPr/>
+          <a:lstStyle/>
+          <a:p>
+            <a:fld id="{491CF4B3-B97C-1B49-985A-93725184CD23}" type="slidenum">
+              <a:rPr lang="en-US" smtClean="0"/>
+              <a:t>12</a:t>
+            </a:fld>
+            <a:endParaRPr lang="en-US"/>
+          </a:p>
+        </p:txBody>
+      </p:sp>
+    </p:spTree>
+    <p:extLst>
+      <p:ext uri="{BB962C8B-B14F-4D97-AF65-F5344CB8AC3E}">
+        <p14:creationId xmlns:p14="http://schemas.microsoft.com/office/powerpoint/2010/main" val="966384035"/>
+      </p:ext>
+    </p:extLst>
+  </p:cSld>
+  <p:clrMapOvr>
+    <a:masterClrMapping/>
+  </p:clrMapOvr>
+</p:sld>
+</file>
+
+<file path=ppt/slides/slide13.xml><?xml version="1.0" encoding="utf-8"?>
+<p:sld xmlns:a="http://schemas.openxmlformats.org/drawingml/2006/main" xmlns:r="http://schemas.openxmlformats.org/officeDocument/2006/relationships" xmlns:p="http://schemas.openxmlformats.org/presentationml/2006/main">
+  <p:cSld>
+    <p:spTree>
+      <p:nvGrpSpPr>
+        <p:cNvPr id="1" name=""/>
+        <p:cNvGrpSpPr/>
+        <p:nvPr/>
+      </p:nvGrpSpPr>
+      <p:grpSpPr>
+        <a:xfrm>
+          <a:off x="0" y="0"/>
+          <a:ext cx="0" cy="0"/>
+          <a:chOff x="0" y="0"/>
+          <a:chExt cx="0" cy="0"/>
+        </a:xfrm>
+      </p:grpSpPr>
+      <p:sp>
+        <p:nvSpPr>
+          <p:cNvPr id="2" name="Title 1">
+            <a:extLst>
+              <a:ext uri="{FF2B5EF4-FFF2-40B4-BE49-F238E27FC236}">
+                <a16:creationId xmlns:a16="http://schemas.microsoft.com/office/drawing/2014/main" id="{77F1C72F-3D40-8EAD-F261-CFAB0E5611C1}"/>
+              </a:ext>
+            </a:extLst>
+          </p:cNvPr>
+          <p:cNvSpPr>
+            <a:spLocks noGrp="1"/>
+          </p:cNvSpPr>
+          <p:nvPr>
+            <p:ph type="title"/>
+          </p:nvPr>
+        </p:nvSpPr>
+        <p:spPr/>
+        <p:txBody>
+          <a:bodyPr/>
+          <a:lstStyle/>
+          <a:p>
+            <a:r>
+              <a:rPr lang="en-US" b="1" dirty="0">
+                <a:solidFill>
+                  <a:schemeClr val="accent1">
+                    <a:lumMod val="75000"/>
+                  </a:schemeClr>
+                </a:solidFill>
+              </a:rPr>
+              <a:t>Exercise 4: Find the Vowels</a:t>
+            </a:r>
+            <a:r>
+              <a:rPr lang="en-US" dirty="0"/>
+              <a:t>⭐️ ⭐️</a:t>
+            </a:r>
+          </a:p>
+        </p:txBody>
+      </p:sp>
+      <p:sp>
+        <p:nvSpPr>
+          <p:cNvPr id="3" name="Content Placeholder 2">
+            <a:extLst>
+              <a:ext uri="{FF2B5EF4-FFF2-40B4-BE49-F238E27FC236}">
+                <a16:creationId xmlns:a16="http://schemas.microsoft.com/office/drawing/2014/main" id="{DD5FB579-A0E3-9131-FDE0-9923615C1FF9}"/>
+              </a:ext>
+            </a:extLst>
+          </p:cNvPr>
+          <p:cNvSpPr>
+            <a:spLocks noGrp="1"/>
+          </p:cNvSpPr>
+          <p:nvPr>
+            <p:ph idx="1"/>
+          </p:nvPr>
+        </p:nvSpPr>
+        <p:spPr/>
+        <p:txBody>
+          <a:bodyPr>
+            <a:normAutofit/>
+          </a:bodyPr>
+          <a:lstStyle/>
+          <a:p>
+            <a:pPr marL="0" indent="0">
+              <a:buNone/>
+            </a:pPr>
+            <a:r>
+              <a:rPr lang="en-US" dirty="0"/>
+              <a:t>Write a function that prints the words that contain at least 2 vowels from a series.</a:t>
+            </a:r>
+            <a:br>
+              <a:rPr lang="en-US" dirty="0"/>
+            </a:br>
+            <a:endParaRPr lang="en-US" dirty="0"/>
+          </a:p>
+          <a:p>
+            <a:pPr marL="0" indent="0">
+              <a:buNone/>
+            </a:pPr>
+            <a:r>
+              <a:rPr lang="en-US" dirty="0"/>
+              <a:t>ser = </a:t>
+            </a:r>
+            <a:r>
+              <a:rPr lang="en-US" dirty="0" err="1"/>
+              <a:t>pd.Series</a:t>
+            </a:r>
+            <a:r>
+              <a:rPr lang="en-US" dirty="0"/>
+              <a:t>(['Apple', 'Orange', 'Plan', 'Python', 'Money'])</a:t>
+            </a:r>
+            <a:br>
+              <a:rPr lang="en-US" dirty="0"/>
+            </a:br>
+            <a:endParaRPr lang="en-US" dirty="0"/>
+          </a:p>
+          <a:p>
+            <a:pPr marL="0" indent="0">
+              <a:buNone/>
+            </a:pPr>
+            <a:r>
+              <a:rPr lang="en-US" dirty="0"/>
+              <a:t>Desired output</a:t>
+            </a:r>
+          </a:p>
+          <a:p>
+            <a:pPr marL="0" indent="0">
+              <a:buNone/>
+            </a:pPr>
+            <a:endParaRPr lang="en-US" dirty="0"/>
+          </a:p>
+          <a:p>
+            <a:pPr marL="0" indent="0">
+              <a:buNone/>
+            </a:pPr>
+            <a:r>
+              <a:rPr lang="en-US" dirty="0"/>
+              <a:t>Apple, Orange, Money</a:t>
+            </a:r>
+          </a:p>
+          <a:p>
+            <a:endParaRPr lang="en-US" dirty="0"/>
+          </a:p>
+        </p:txBody>
+      </p:sp>
+      <p:sp>
+        <p:nvSpPr>
+          <p:cNvPr id="4" name="Slide Number Placeholder 3">
+            <a:extLst>
+              <a:ext uri="{FF2B5EF4-FFF2-40B4-BE49-F238E27FC236}">
+                <a16:creationId xmlns:a16="http://schemas.microsoft.com/office/drawing/2014/main" id="{AE79DCC1-E911-24A4-1197-782092FF1E2E}"/>
+              </a:ext>
+            </a:extLst>
+          </p:cNvPr>
+          <p:cNvSpPr>
+            <a:spLocks noGrp="1"/>
+          </p:cNvSpPr>
+          <p:nvPr>
+            <p:ph type="sldNum" sz="quarter" idx="12"/>
+          </p:nvPr>
+        </p:nvSpPr>
+        <p:spPr/>
+        <p:txBody>
+          <a:bodyPr/>
+          <a:lstStyle/>
+          <a:p>
+            <a:fld id="{491CF4B3-B97C-1B49-985A-93725184CD23}" type="slidenum">
+              <a:rPr lang="en-US" smtClean="0"/>
+              <a:t>13</a:t>
+            </a:fld>
+            <a:endParaRPr lang="en-US"/>
+          </a:p>
+        </p:txBody>
+      </p:sp>
+    </p:spTree>
+    <p:extLst>
+      <p:ext uri="{BB962C8B-B14F-4D97-AF65-F5344CB8AC3E}">
+        <p14:creationId xmlns:p14="http://schemas.microsoft.com/office/powerpoint/2010/main" val="3336692508"/>
+      </p:ext>
+    </p:extLst>
+  </p:cSld>
+  <p:clrMapOvr>
+    <a:masterClrMapping/>
+  </p:clrMapOvr>
+</p:sld>
+</file>
+
+<file path=ppt/slides/slide14.xml><?xml version="1.0" encoding="utf-8"?>
+<p:sld xmlns:a="http://schemas.openxmlformats.org/drawingml/2006/main" xmlns:r="http://schemas.openxmlformats.org/officeDocument/2006/relationships" xmlns:p="http://schemas.openxmlformats.org/presentationml/2006/main">
+  <p:cSld>
+    <p:spTree>
+      <p:nvGrpSpPr>
+        <p:cNvPr id="1" name=""/>
+        <p:cNvGrpSpPr/>
+        <p:nvPr/>
+      </p:nvGrpSpPr>
+      <p:grpSpPr>
+        <a:xfrm>
+          <a:off x="0" y="0"/>
+          <a:ext cx="0" cy="0"/>
+          <a:chOff x="0" y="0"/>
+          <a:chExt cx="0" cy="0"/>
+        </a:xfrm>
+      </p:grpSpPr>
+      <p:sp>
+        <p:nvSpPr>
+          <p:cNvPr id="2" name="Title 1">
+            <a:extLst>
+              <a:ext uri="{FF2B5EF4-FFF2-40B4-BE49-F238E27FC236}">
+                <a16:creationId xmlns:a16="http://schemas.microsoft.com/office/drawing/2014/main" id="{C554AC7F-83F8-7014-61D3-A290E4AFB297}"/>
+              </a:ext>
+            </a:extLst>
+          </p:cNvPr>
+          <p:cNvSpPr>
+            <a:spLocks noGrp="1"/>
+          </p:cNvSpPr>
+          <p:nvPr>
+            <p:ph type="title"/>
+          </p:nvPr>
+        </p:nvSpPr>
+        <p:spPr/>
+        <p:txBody>
+          <a:bodyPr/>
+          <a:lstStyle/>
+          <a:p>
+            <a:r>
+              <a:rPr lang="en-US" b="1" dirty="0">
+                <a:solidFill>
+                  <a:schemeClr val="accent1">
+                    <a:lumMod val="75000"/>
+                  </a:schemeClr>
+                </a:solidFill>
+              </a:rPr>
+              <a:t>Exercise 4: Solution</a:t>
+            </a:r>
+            <a:endParaRPr lang="en-US" dirty="0"/>
+          </a:p>
+        </p:txBody>
+      </p:sp>
+      <p:sp>
+        <p:nvSpPr>
+          <p:cNvPr id="3" name="Content Placeholder 2">
+            <a:extLst>
+              <a:ext uri="{FF2B5EF4-FFF2-40B4-BE49-F238E27FC236}">
+                <a16:creationId xmlns:a16="http://schemas.microsoft.com/office/drawing/2014/main" id="{C525A007-A8EE-CD6D-6800-C06E6CB49CB0}"/>
+              </a:ext>
+            </a:extLst>
+          </p:cNvPr>
+          <p:cNvSpPr>
+            <a:spLocks noGrp="1"/>
+          </p:cNvSpPr>
+          <p:nvPr>
+            <p:ph idx="1"/>
+          </p:nvPr>
+        </p:nvSpPr>
+        <p:spPr/>
+        <p:txBody>
+          <a:bodyPr>
+            <a:normAutofit lnSpcReduction="10000"/>
+          </a:bodyPr>
+          <a:lstStyle/>
+          <a:p>
+            <a:pPr marL="0" indent="0">
+              <a:buNone/>
+            </a:pPr>
+            <a:r>
+              <a:rPr lang="en-US" dirty="0"/>
+              <a:t>def </a:t>
+            </a:r>
+            <a:r>
+              <a:rPr lang="en-US" dirty="0" err="1"/>
+              <a:t>findVowels</a:t>
+            </a:r>
+            <a:r>
+              <a:rPr lang="en-US" dirty="0"/>
+              <a:t>(ser):</a:t>
+            </a:r>
+          </a:p>
+          <a:p>
+            <a:pPr marL="0" indent="0">
+              <a:buNone/>
+            </a:pPr>
+            <a:r>
+              <a:rPr lang="en-US" dirty="0"/>
+              <a:t>vowels = ["a", "e","</a:t>
+            </a:r>
+            <a:r>
+              <a:rPr lang="en-US" dirty="0" err="1"/>
+              <a:t>i</a:t>
+            </a:r>
+            <a:r>
+              <a:rPr lang="en-US" dirty="0"/>
+              <a:t>", "o", "u"]</a:t>
+            </a:r>
+          </a:p>
+          <a:p>
+            <a:pPr marL="0" indent="0">
+              <a:buNone/>
+            </a:pPr>
+            <a:r>
+              <a:rPr lang="en-US" dirty="0"/>
+              <a:t>for </a:t>
+            </a:r>
+            <a:r>
+              <a:rPr lang="en-US" dirty="0" err="1"/>
+              <a:t>ind</a:t>
+            </a:r>
+            <a:r>
+              <a:rPr lang="en-US" dirty="0"/>
+              <a:t>, word in enumerate(ser):</a:t>
+            </a:r>
+          </a:p>
+          <a:p>
+            <a:pPr marL="0" indent="0">
+              <a:buNone/>
+            </a:pPr>
+            <a:r>
+              <a:rPr lang="en-US" dirty="0"/>
+              <a:t>    </a:t>
+            </a:r>
+            <a:r>
+              <a:rPr lang="en-US" dirty="0" err="1"/>
+              <a:t>vow_counts</a:t>
+            </a:r>
+            <a:r>
+              <a:rPr lang="en-US" dirty="0"/>
+              <a:t> = 0</a:t>
+            </a:r>
+          </a:p>
+          <a:p>
+            <a:pPr marL="0" indent="0">
+              <a:buNone/>
+            </a:pPr>
+            <a:r>
+              <a:rPr lang="en-US" dirty="0"/>
+              <a:t>    for letter in word:</a:t>
+            </a:r>
+          </a:p>
+          <a:p>
+            <a:pPr marL="0" indent="0">
+              <a:buNone/>
+            </a:pPr>
+            <a:r>
+              <a:rPr lang="en-US" dirty="0"/>
+              <a:t>        if </a:t>
+            </a:r>
+            <a:r>
+              <a:rPr lang="en-US" dirty="0" err="1"/>
+              <a:t>letter.lower</a:t>
+            </a:r>
+            <a:r>
+              <a:rPr lang="en-US" dirty="0"/>
+              <a:t>() in vowels:</a:t>
+            </a:r>
+          </a:p>
+          <a:p>
+            <a:pPr marL="0" indent="0">
+              <a:buNone/>
+            </a:pPr>
+            <a:r>
+              <a:rPr lang="en-US" dirty="0"/>
+              <a:t>            </a:t>
+            </a:r>
+            <a:r>
+              <a:rPr lang="en-US" dirty="0" err="1"/>
+              <a:t>vow_counts</a:t>
+            </a:r>
+            <a:r>
+              <a:rPr lang="en-US" dirty="0"/>
+              <a:t> = </a:t>
+            </a:r>
+            <a:r>
+              <a:rPr lang="en-US" dirty="0" err="1"/>
+              <a:t>vow_counts</a:t>
+            </a:r>
+            <a:r>
+              <a:rPr lang="en-US" dirty="0"/>
+              <a:t> +1</a:t>
+            </a:r>
+          </a:p>
+          <a:p>
+            <a:pPr marL="0" indent="0">
+              <a:buNone/>
+            </a:pPr>
+            <a:r>
+              <a:rPr lang="en-US" dirty="0"/>
+              <a:t>    if </a:t>
+            </a:r>
+            <a:r>
+              <a:rPr lang="en-US" dirty="0" err="1"/>
+              <a:t>vow_counts</a:t>
+            </a:r>
+            <a:r>
+              <a:rPr lang="en-US" dirty="0"/>
+              <a:t> &gt;= 2:</a:t>
+            </a:r>
+          </a:p>
+          <a:p>
+            <a:pPr marL="0" indent="0">
+              <a:buNone/>
+            </a:pPr>
+            <a:r>
+              <a:rPr lang="en-US" dirty="0"/>
+              <a:t>        print(</a:t>
+            </a:r>
+            <a:r>
+              <a:rPr lang="en-US" dirty="0" err="1"/>
+              <a:t>ind</a:t>
+            </a:r>
+            <a:r>
+              <a:rPr lang="en-US" dirty="0"/>
+              <a:t>, " ", word)</a:t>
+            </a:r>
+          </a:p>
+          <a:p>
+            <a:pPr marL="0" indent="0">
+              <a:buNone/>
+            </a:pPr>
+            <a:endParaRPr lang="en-US" dirty="0"/>
+          </a:p>
+        </p:txBody>
+      </p:sp>
+      <p:sp>
+        <p:nvSpPr>
+          <p:cNvPr id="4" name="Slide Number Placeholder 3">
+            <a:extLst>
+              <a:ext uri="{FF2B5EF4-FFF2-40B4-BE49-F238E27FC236}">
+                <a16:creationId xmlns:a16="http://schemas.microsoft.com/office/drawing/2014/main" id="{536DC667-8273-C810-1058-FB32AFE64120}"/>
+              </a:ext>
+            </a:extLst>
+          </p:cNvPr>
+          <p:cNvSpPr>
+            <a:spLocks noGrp="1"/>
+          </p:cNvSpPr>
+          <p:nvPr>
+            <p:ph type="sldNum" sz="quarter" idx="12"/>
+          </p:nvPr>
+        </p:nvSpPr>
+        <p:spPr/>
+        <p:txBody>
+          <a:bodyPr/>
+          <a:lstStyle/>
+          <a:p>
+            <a:fld id="{491CF4B3-B97C-1B49-985A-93725184CD23}" type="slidenum">
+              <a:rPr lang="en-US" smtClean="0"/>
+              <a:t>14</a:t>
+            </a:fld>
+            <a:endParaRPr lang="en-US"/>
+          </a:p>
+        </p:txBody>
+      </p:sp>
+    </p:spTree>
+    <p:extLst>
+      <p:ext uri="{BB962C8B-B14F-4D97-AF65-F5344CB8AC3E}">
+        <p14:creationId xmlns:p14="http://schemas.microsoft.com/office/powerpoint/2010/main" val="2778431982"/>
+      </p:ext>
+    </p:extLst>
+  </p:cSld>
+  <p:clrMapOvr>
+    <a:masterClrMapping/>
+  </p:clrMapOvr>
+</p:sld>
+</file>
+
+<file path=ppt/slides/slide15.xml><?xml version="1.0" encoding="utf-8"?>
+<p:sld xmlns:a="http://schemas.openxmlformats.org/drawingml/2006/main" xmlns:r="http://schemas.openxmlformats.org/officeDocument/2006/relationships" xmlns:p="http://schemas.openxmlformats.org/presentationml/2006/main">
+  <p:cSld>
+    <p:spTree>
+      <p:nvGrpSpPr>
+        <p:cNvPr id="1" name=""/>
+        <p:cNvGrpSpPr/>
+        <p:nvPr/>
+      </p:nvGrpSpPr>
+      <p:grpSpPr>
+        <a:xfrm>
+          <a:off x="0" y="0"/>
+          <a:ext cx="0" cy="0"/>
+          <a:chOff x="0" y="0"/>
+          <a:chExt cx="0" cy="0"/>
+        </a:xfrm>
+      </p:grpSpPr>
+      <p:sp>
+        <p:nvSpPr>
+          <p:cNvPr id="2" name="Title 1">
+            <a:extLst>
+              <a:ext uri="{FF2B5EF4-FFF2-40B4-BE49-F238E27FC236}">
+                <a16:creationId xmlns:a16="http://schemas.microsoft.com/office/drawing/2014/main" id="{F09FF703-C6F3-15F9-1311-CDB4CCA1D90E}"/>
+              </a:ext>
+            </a:extLst>
+          </p:cNvPr>
+          <p:cNvSpPr>
+            <a:spLocks noGrp="1"/>
+          </p:cNvSpPr>
+          <p:nvPr>
+            <p:ph type="title"/>
+          </p:nvPr>
+        </p:nvSpPr>
+        <p:spPr/>
+        <p:txBody>
+          <a:bodyPr/>
+          <a:lstStyle/>
+          <a:p>
+            <a:r>
+              <a:rPr lang="en-US" b="1" dirty="0">
+                <a:solidFill>
+                  <a:schemeClr val="accent1">
+                    <a:lumMod val="75000"/>
+                  </a:schemeClr>
+                </a:solidFill>
+              </a:rPr>
+              <a:t>Exercise 5: Pig Latin</a:t>
+            </a:r>
+            <a:r>
+              <a:rPr lang="en-US" dirty="0"/>
+              <a:t>⭐️ ⭐️</a:t>
+            </a:r>
+          </a:p>
+        </p:txBody>
+      </p:sp>
+      <p:sp>
+        <p:nvSpPr>
+          <p:cNvPr id="3" name="Content Placeholder 2">
+            <a:extLst>
+              <a:ext uri="{FF2B5EF4-FFF2-40B4-BE49-F238E27FC236}">
+                <a16:creationId xmlns:a16="http://schemas.microsoft.com/office/drawing/2014/main" id="{AC57F3EF-4B4A-0279-F444-E5F08302E681}"/>
+              </a:ext>
+            </a:extLst>
+          </p:cNvPr>
+          <p:cNvSpPr>
+            <a:spLocks noGrp="1"/>
+          </p:cNvSpPr>
+          <p:nvPr>
+            <p:ph idx="1"/>
+          </p:nvPr>
+        </p:nvSpPr>
+        <p:spPr/>
+        <p:txBody>
+          <a:bodyPr>
+            <a:normAutofit fontScale="92500" lnSpcReduction="20000"/>
+          </a:bodyPr>
+          <a:lstStyle/>
+          <a:p>
+            <a:pPr marL="0" indent="0">
+              <a:buNone/>
+            </a:pPr>
+            <a:r>
+              <a:rPr lang="en-US" dirty="0"/>
+              <a:t>Write function that translates a text to Pig Latin and back. English is translated to Pig Latin by taking the first letter of every word, moving it to the end of the word and adding ‘ay’.</a:t>
+            </a:r>
+          </a:p>
+          <a:p>
+            <a:pPr marL="0" indent="0">
+              <a:buNone/>
+            </a:pPr>
+            <a:endParaRPr lang="en-US" dirty="0"/>
+          </a:p>
+          <a:p>
+            <a:pPr marL="0" indent="0">
+              <a:buNone/>
+            </a:pPr>
+            <a:r>
+              <a:rPr lang="en-US" dirty="0"/>
+              <a:t>Input</a:t>
+            </a:r>
+          </a:p>
+          <a:p>
+            <a:pPr marL="0" indent="0">
+              <a:buNone/>
+            </a:pPr>
+            <a:endParaRPr lang="en-US" dirty="0"/>
+          </a:p>
+          <a:p>
+            <a:pPr marL="0" indent="0">
+              <a:buNone/>
+            </a:pPr>
+            <a:r>
+              <a:rPr lang="en-US" dirty="0"/>
+              <a:t> “The quick brown fox” </a:t>
+            </a:r>
+          </a:p>
+          <a:p>
+            <a:pPr marL="0" indent="0">
+              <a:buNone/>
+            </a:pPr>
+            <a:endParaRPr lang="en-US" dirty="0"/>
+          </a:p>
+          <a:p>
+            <a:pPr marL="0" indent="0">
+              <a:buNone/>
+            </a:pPr>
+            <a:r>
+              <a:rPr lang="en-US" dirty="0"/>
+              <a:t>Desired output </a:t>
+            </a:r>
+          </a:p>
+          <a:p>
+            <a:pPr marL="0" indent="0">
+              <a:buNone/>
+            </a:pPr>
+            <a:endParaRPr lang="en-US" dirty="0"/>
+          </a:p>
+          <a:p>
+            <a:pPr marL="0" indent="0">
+              <a:buNone/>
+            </a:pPr>
+            <a:r>
+              <a:rPr lang="en-US" dirty="0"/>
+              <a:t>“</a:t>
+            </a:r>
+            <a:r>
+              <a:rPr lang="en-US" dirty="0" err="1"/>
+              <a:t>Hetay</a:t>
+            </a:r>
+            <a:r>
+              <a:rPr lang="en-US" dirty="0"/>
+              <a:t> </a:t>
+            </a:r>
+            <a:r>
+              <a:rPr lang="en-US" dirty="0" err="1"/>
+              <a:t>uickqay</a:t>
+            </a:r>
+            <a:r>
+              <a:rPr lang="en-US" dirty="0"/>
+              <a:t> </a:t>
+            </a:r>
+            <a:r>
+              <a:rPr lang="en-US" dirty="0" err="1"/>
+              <a:t>rownbay</a:t>
+            </a:r>
+            <a:r>
+              <a:rPr lang="en-US" dirty="0"/>
+              <a:t> </a:t>
+            </a:r>
+            <a:r>
+              <a:rPr lang="en-US" dirty="0" err="1"/>
+              <a:t>oxfay</a:t>
+            </a:r>
+            <a:r>
+              <a:rPr lang="en-US" dirty="0"/>
+              <a:t>”</a:t>
+            </a:r>
+          </a:p>
+          <a:p>
+            <a:pPr marL="0" indent="0">
+              <a:buNone/>
+            </a:pPr>
+            <a:endParaRPr lang="en-US" dirty="0"/>
+          </a:p>
+          <a:p>
+            <a:pPr marL="0" indent="0">
+              <a:buNone/>
+            </a:pPr>
+            <a:endParaRPr lang="en-US" dirty="0"/>
+          </a:p>
+        </p:txBody>
+      </p:sp>
+      <p:sp>
+        <p:nvSpPr>
+          <p:cNvPr id="4" name="Slide Number Placeholder 3">
+            <a:extLst>
+              <a:ext uri="{FF2B5EF4-FFF2-40B4-BE49-F238E27FC236}">
+                <a16:creationId xmlns:a16="http://schemas.microsoft.com/office/drawing/2014/main" id="{D86A482B-F7C0-CF99-A20E-51634A56B6EF}"/>
+              </a:ext>
+            </a:extLst>
+          </p:cNvPr>
+          <p:cNvSpPr>
+            <a:spLocks noGrp="1"/>
+          </p:cNvSpPr>
+          <p:nvPr>
+            <p:ph type="sldNum" sz="quarter" idx="12"/>
+          </p:nvPr>
+        </p:nvSpPr>
+        <p:spPr/>
+        <p:txBody>
+          <a:bodyPr/>
+          <a:lstStyle/>
+          <a:p>
+            <a:fld id="{491CF4B3-B97C-1B49-985A-93725184CD23}" type="slidenum">
+              <a:rPr lang="en-US" smtClean="0"/>
+              <a:t>15</a:t>
+            </a:fld>
+            <a:endParaRPr lang="en-US"/>
+          </a:p>
+        </p:txBody>
+      </p:sp>
+    </p:spTree>
+    <p:extLst>
+      <p:ext uri="{BB962C8B-B14F-4D97-AF65-F5344CB8AC3E}">
+        <p14:creationId xmlns:p14="http://schemas.microsoft.com/office/powerpoint/2010/main" val="666086485"/>
+      </p:ext>
+    </p:extLst>
+  </p:cSld>
+  <p:clrMapOvr>
+    <a:masterClrMapping/>
+  </p:clrMapOvr>
+</p:sld>
+</file>
+
+<file path=ppt/slides/slide16.xml><?xml version="1.0" encoding="utf-8"?>
+<p:sld xmlns:a="http://schemas.openxmlformats.org/drawingml/2006/main" xmlns:r="http://schemas.openxmlformats.org/officeDocument/2006/relationships" xmlns:p="http://schemas.openxmlformats.org/presentationml/2006/main">
+  <p:cSld>
+    <p:spTree>
+      <p:nvGrpSpPr>
+        <p:cNvPr id="1" name=""/>
+        <p:cNvGrpSpPr/>
+        <p:nvPr/>
+      </p:nvGrpSpPr>
+      <p:grpSpPr>
+        <a:xfrm>
+          <a:off x="0" y="0"/>
+          <a:ext cx="0" cy="0"/>
+          <a:chOff x="0" y="0"/>
+          <a:chExt cx="0" cy="0"/>
+        </a:xfrm>
+      </p:grpSpPr>
+      <p:sp>
+        <p:nvSpPr>
+          <p:cNvPr id="2" name="Title 1">
+            <a:extLst>
+              <a:ext uri="{FF2B5EF4-FFF2-40B4-BE49-F238E27FC236}">
+                <a16:creationId xmlns:a16="http://schemas.microsoft.com/office/drawing/2014/main" id="{C554AC7F-83F8-7014-61D3-A290E4AFB297}"/>
+              </a:ext>
+            </a:extLst>
+          </p:cNvPr>
+          <p:cNvSpPr>
+            <a:spLocks noGrp="1"/>
+          </p:cNvSpPr>
+          <p:nvPr>
+            <p:ph type="title"/>
+          </p:nvPr>
+        </p:nvSpPr>
+        <p:spPr/>
+        <p:txBody>
+          <a:bodyPr/>
+          <a:lstStyle/>
+          <a:p>
+            <a:r>
+              <a:rPr lang="en-US" b="1" dirty="0">
+                <a:solidFill>
+                  <a:schemeClr val="accent1">
+                    <a:lumMod val="75000"/>
+                  </a:schemeClr>
+                </a:solidFill>
+              </a:rPr>
+              <a:t>Exercise 5: Solution</a:t>
+            </a:r>
+            <a:endParaRPr lang="en-US" dirty="0"/>
+          </a:p>
+        </p:txBody>
+      </p:sp>
+      <p:sp>
+        <p:nvSpPr>
+          <p:cNvPr id="3" name="Content Placeholder 2">
+            <a:extLst>
+              <a:ext uri="{FF2B5EF4-FFF2-40B4-BE49-F238E27FC236}">
+                <a16:creationId xmlns:a16="http://schemas.microsoft.com/office/drawing/2014/main" id="{C525A007-A8EE-CD6D-6800-C06E6CB49CB0}"/>
+              </a:ext>
+            </a:extLst>
+          </p:cNvPr>
+          <p:cNvSpPr>
+            <a:spLocks noGrp="1"/>
+          </p:cNvSpPr>
+          <p:nvPr>
+            <p:ph idx="1"/>
+          </p:nvPr>
+        </p:nvSpPr>
+        <p:spPr/>
+        <p:txBody>
+          <a:bodyPr>
+            <a:normAutofit/>
+          </a:bodyPr>
+          <a:lstStyle/>
+          <a:p>
+            <a:pPr marL="0" indent="0">
+              <a:buNone/>
+            </a:pPr>
+            <a:r>
+              <a:rPr lang="en-US" dirty="0"/>
+              <a:t>def </a:t>
+            </a:r>
+            <a:r>
+              <a:rPr lang="en-US" dirty="0" err="1"/>
+              <a:t>piglatin</a:t>
+            </a:r>
+            <a:r>
+              <a:rPr lang="en-US" dirty="0"/>
+              <a:t>(sentence):</a:t>
+            </a:r>
+          </a:p>
+          <a:p>
+            <a:pPr marL="0" indent="0">
+              <a:buNone/>
+            </a:pPr>
+            <a:r>
+              <a:rPr lang="en-US" dirty="0"/>
+              <a:t>    </a:t>
+            </a:r>
+            <a:r>
+              <a:rPr lang="en-US" dirty="0" err="1"/>
+              <a:t>list_words</a:t>
+            </a:r>
+            <a:r>
+              <a:rPr lang="en-US" dirty="0"/>
+              <a:t> = </a:t>
+            </a:r>
+            <a:r>
+              <a:rPr lang="en-US" dirty="0" err="1"/>
+              <a:t>sentence.split</a:t>
+            </a:r>
+            <a:r>
+              <a:rPr lang="en-US" dirty="0"/>
+              <a:t>(" ")</a:t>
+            </a:r>
+          </a:p>
+          <a:p>
+            <a:pPr marL="0" indent="0">
+              <a:buNone/>
+            </a:pPr>
+            <a:r>
+              <a:rPr lang="en-US" dirty="0"/>
+              <a:t>    </a:t>
+            </a:r>
+            <a:r>
+              <a:rPr lang="en-US" dirty="0" err="1"/>
+              <a:t>new_sent</a:t>
+            </a:r>
+            <a:r>
+              <a:rPr lang="en-US" dirty="0"/>
+              <a:t> = ""</a:t>
+            </a:r>
+          </a:p>
+          <a:p>
+            <a:pPr marL="0" indent="0">
+              <a:buNone/>
+            </a:pPr>
+            <a:r>
+              <a:rPr lang="en-US" dirty="0"/>
+              <a:t>    for word in </a:t>
+            </a:r>
+            <a:r>
+              <a:rPr lang="en-US" dirty="0" err="1"/>
+              <a:t>list_words</a:t>
+            </a:r>
+            <a:r>
+              <a:rPr lang="en-US" dirty="0"/>
+              <a:t>:</a:t>
+            </a:r>
+          </a:p>
+          <a:p>
+            <a:pPr marL="0" indent="0">
+              <a:buNone/>
+            </a:pPr>
+            <a:r>
+              <a:rPr lang="en-US" dirty="0"/>
+              <a:t>        </a:t>
+            </a:r>
+            <a:r>
+              <a:rPr lang="en-US" dirty="0" err="1"/>
+              <a:t>new_word</a:t>
+            </a:r>
+            <a:r>
+              <a:rPr lang="en-US" dirty="0"/>
+              <a:t> = word[1:]+word[0]+"ay"</a:t>
+            </a:r>
+          </a:p>
+          <a:p>
+            <a:pPr marL="0" indent="0">
+              <a:buNone/>
+            </a:pPr>
+            <a:r>
+              <a:rPr lang="en-US" dirty="0"/>
+              <a:t>        </a:t>
+            </a:r>
+            <a:r>
+              <a:rPr lang="en-US" dirty="0" err="1"/>
+              <a:t>new_sent</a:t>
+            </a:r>
+            <a:r>
+              <a:rPr lang="en-US" dirty="0"/>
+              <a:t> = </a:t>
+            </a:r>
+            <a:r>
+              <a:rPr lang="en-US" dirty="0" err="1"/>
+              <a:t>new_sent</a:t>
+            </a:r>
+            <a:r>
+              <a:rPr lang="en-US" dirty="0"/>
+              <a:t> + </a:t>
+            </a:r>
+            <a:r>
+              <a:rPr lang="en-US" dirty="0" err="1"/>
+              <a:t>new_word</a:t>
+            </a:r>
+            <a:r>
+              <a:rPr lang="en-US" dirty="0"/>
+              <a:t> + " "</a:t>
+            </a:r>
+          </a:p>
+          <a:p>
+            <a:pPr marL="0" indent="0">
+              <a:buNone/>
+            </a:pPr>
+            <a:r>
+              <a:rPr lang="en-US" dirty="0"/>
+              <a:t>    return </a:t>
+            </a:r>
+            <a:r>
+              <a:rPr lang="en-US" dirty="0" err="1"/>
+              <a:t>new_sent</a:t>
+            </a:r>
+            <a:endParaRPr lang="en-US" dirty="0"/>
+          </a:p>
+          <a:p>
+            <a:pPr marL="0" indent="0">
+              <a:buNone/>
+            </a:pPr>
+            <a:endParaRPr lang="en-US" dirty="0"/>
+          </a:p>
+        </p:txBody>
+      </p:sp>
+      <p:sp>
+        <p:nvSpPr>
+          <p:cNvPr id="4" name="Slide Number Placeholder 3">
+            <a:extLst>
+              <a:ext uri="{FF2B5EF4-FFF2-40B4-BE49-F238E27FC236}">
+                <a16:creationId xmlns:a16="http://schemas.microsoft.com/office/drawing/2014/main" id="{536DC667-8273-C810-1058-FB32AFE64120}"/>
+              </a:ext>
+            </a:extLst>
+          </p:cNvPr>
+          <p:cNvSpPr>
+            <a:spLocks noGrp="1"/>
+          </p:cNvSpPr>
+          <p:nvPr>
+            <p:ph type="sldNum" sz="quarter" idx="12"/>
+          </p:nvPr>
+        </p:nvSpPr>
+        <p:spPr/>
+        <p:txBody>
+          <a:bodyPr/>
+          <a:lstStyle/>
+          <a:p>
+            <a:fld id="{491CF4B3-B97C-1B49-985A-93725184CD23}" type="slidenum">
+              <a:rPr lang="en-US" smtClean="0"/>
+              <a:t>16</a:t>
+            </a:fld>
+            <a:endParaRPr lang="en-US"/>
+          </a:p>
+        </p:txBody>
+      </p:sp>
+    </p:spTree>
+    <p:extLst>
+      <p:ext uri="{BB962C8B-B14F-4D97-AF65-F5344CB8AC3E}">
+        <p14:creationId xmlns:p14="http://schemas.microsoft.com/office/powerpoint/2010/main" val="753707124"/>
+      </p:ext>
+    </p:extLst>
+  </p:cSld>
+  <p:clrMapOvr>
+    <a:masterClrMapping/>
+  </p:clrMapOvr>
+</p:sld>
+</file>
+
+<file path=ppt/slides/slide17.xml><?xml version="1.0" encoding="utf-8"?>
+<p:sld xmlns:a="http://schemas.openxmlformats.org/drawingml/2006/main" xmlns:r="http://schemas.openxmlformats.org/officeDocument/2006/relationships" xmlns:p="http://schemas.openxmlformats.org/presentationml/2006/main">
+  <p:cSld>
+    <p:spTree>
+      <p:nvGrpSpPr>
+        <p:cNvPr id="1" name=""/>
+        <p:cNvGrpSpPr/>
+        <p:nvPr/>
+      </p:nvGrpSpPr>
+      <p:grpSpPr>
+        <a:xfrm>
+          <a:off x="0" y="0"/>
+          <a:ext cx="0" cy="0"/>
+          <a:chOff x="0" y="0"/>
+          <a:chExt cx="0" cy="0"/>
+        </a:xfrm>
+      </p:grpSpPr>
+      <p:sp>
+        <p:nvSpPr>
+          <p:cNvPr id="2" name="Title 1">
+            <a:extLst>
+              <a:ext uri="{FF2B5EF4-FFF2-40B4-BE49-F238E27FC236}">
+                <a16:creationId xmlns:a16="http://schemas.microsoft.com/office/drawing/2014/main" id="{5A0DC5C4-5BF0-1771-6E64-CE50F1A41C8A}"/>
+              </a:ext>
+            </a:extLst>
+          </p:cNvPr>
+          <p:cNvSpPr>
+            <a:spLocks noGrp="1"/>
+          </p:cNvSpPr>
+          <p:nvPr>
+            <p:ph type="title"/>
+          </p:nvPr>
+        </p:nvSpPr>
+        <p:spPr/>
+        <p:txBody>
+          <a:bodyPr/>
+          <a:lstStyle/>
+          <a:p>
+            <a:r>
+              <a:rPr lang="en-US" b="1" dirty="0">
+                <a:solidFill>
+                  <a:schemeClr val="accent1">
+                    <a:lumMod val="75000"/>
+                  </a:schemeClr>
+                </a:solidFill>
+              </a:rPr>
+              <a:t>Exercise 6: Taylor Swift Songs</a:t>
+            </a:r>
+            <a:r>
+              <a:rPr lang="en-US" dirty="0"/>
+              <a:t>⭐️ ⭐️</a:t>
+            </a:r>
+          </a:p>
+        </p:txBody>
+      </p:sp>
+      <p:sp>
+        <p:nvSpPr>
+          <p:cNvPr id="3" name="Content Placeholder 2">
+            <a:extLst>
+              <a:ext uri="{FF2B5EF4-FFF2-40B4-BE49-F238E27FC236}">
+                <a16:creationId xmlns:a16="http://schemas.microsoft.com/office/drawing/2014/main" id="{B0F97B5E-1DBA-C20C-66C2-FF0EEA6C8DE0}"/>
+              </a:ext>
+            </a:extLst>
+          </p:cNvPr>
+          <p:cNvSpPr>
+            <a:spLocks noGrp="1"/>
+          </p:cNvSpPr>
+          <p:nvPr>
+            <p:ph idx="1"/>
+          </p:nvPr>
+        </p:nvSpPr>
+        <p:spPr/>
+        <p:txBody>
+          <a:bodyPr/>
+          <a:lstStyle/>
+          <a:p>
+            <a:pPr marL="0" indent="0">
+              <a:buNone/>
+            </a:pPr>
+            <a:r>
+              <a:rPr lang="en-US" dirty="0"/>
+              <a:t>Write a function that finds the top 10 songs with the highest danceability and then prints the one with the highest popularity.</a:t>
+            </a:r>
+          </a:p>
+          <a:p>
+            <a:endParaRPr lang="en-US" dirty="0"/>
+          </a:p>
+        </p:txBody>
+      </p:sp>
+      <p:sp>
+        <p:nvSpPr>
+          <p:cNvPr id="4" name="Slide Number Placeholder 3">
+            <a:extLst>
+              <a:ext uri="{FF2B5EF4-FFF2-40B4-BE49-F238E27FC236}">
+                <a16:creationId xmlns:a16="http://schemas.microsoft.com/office/drawing/2014/main" id="{5069E6F0-D63E-3B8B-A559-19357FDC4823}"/>
+              </a:ext>
+            </a:extLst>
+          </p:cNvPr>
+          <p:cNvSpPr>
+            <a:spLocks noGrp="1"/>
+          </p:cNvSpPr>
+          <p:nvPr>
+            <p:ph type="sldNum" sz="quarter" idx="12"/>
+          </p:nvPr>
+        </p:nvSpPr>
+        <p:spPr/>
+        <p:txBody>
+          <a:bodyPr/>
+          <a:lstStyle/>
+          <a:p>
+            <a:fld id="{491CF4B3-B97C-1B49-985A-93725184CD23}" type="slidenum">
+              <a:rPr lang="en-US" smtClean="0"/>
+              <a:t>17</a:t>
+            </a:fld>
+            <a:endParaRPr lang="en-US"/>
+          </a:p>
+        </p:txBody>
+      </p:sp>
+    </p:spTree>
+    <p:extLst>
+      <p:ext uri="{BB962C8B-B14F-4D97-AF65-F5344CB8AC3E}">
+        <p14:creationId xmlns:p14="http://schemas.microsoft.com/office/powerpoint/2010/main" val="3359104509"/>
+      </p:ext>
+    </p:extLst>
+  </p:cSld>
+  <p:clrMapOvr>
+    <a:masterClrMapping/>
+  </p:clrMapOvr>
+</p:sld>
+</file>
+
+<file path=ppt/slides/slide18.xml><?xml version="1.0" encoding="utf-8"?>
+<p:sld xmlns:a="http://schemas.openxmlformats.org/drawingml/2006/main" xmlns:r="http://schemas.openxmlformats.org/officeDocument/2006/relationships" xmlns:p="http://schemas.openxmlformats.org/presentationml/2006/main">
+  <p:cSld>
+    <p:spTree>
+      <p:nvGrpSpPr>
+        <p:cNvPr id="1" name=""/>
+        <p:cNvGrpSpPr/>
+        <p:nvPr/>
+      </p:nvGrpSpPr>
+      <p:grpSpPr>
+        <a:xfrm>
+          <a:off x="0" y="0"/>
+          <a:ext cx="0" cy="0"/>
+          <a:chOff x="0" y="0"/>
+          <a:chExt cx="0" cy="0"/>
+        </a:xfrm>
+      </p:grpSpPr>
+      <p:sp>
+        <p:nvSpPr>
+          <p:cNvPr id="2" name="Title 1">
+            <a:extLst>
+              <a:ext uri="{FF2B5EF4-FFF2-40B4-BE49-F238E27FC236}">
+                <a16:creationId xmlns:a16="http://schemas.microsoft.com/office/drawing/2014/main" id="{C554AC7F-83F8-7014-61D3-A290E4AFB297}"/>
+              </a:ext>
+            </a:extLst>
+          </p:cNvPr>
+          <p:cNvSpPr>
+            <a:spLocks noGrp="1"/>
+          </p:cNvSpPr>
+          <p:nvPr>
+            <p:ph type="title"/>
+          </p:nvPr>
+        </p:nvSpPr>
+        <p:spPr/>
+        <p:txBody>
+          <a:bodyPr/>
+          <a:lstStyle/>
+          <a:p>
+            <a:r>
+              <a:rPr lang="en-US" b="1" dirty="0">
+                <a:solidFill>
+                  <a:schemeClr val="accent1">
+                    <a:lumMod val="75000"/>
+                  </a:schemeClr>
+                </a:solidFill>
+              </a:rPr>
+              <a:t>Exercise 6: Solution</a:t>
+            </a:r>
+            <a:endParaRPr lang="en-US" dirty="0"/>
+          </a:p>
+        </p:txBody>
+      </p:sp>
+      <p:sp>
+        <p:nvSpPr>
+          <p:cNvPr id="3" name="Content Placeholder 2">
+            <a:extLst>
+              <a:ext uri="{FF2B5EF4-FFF2-40B4-BE49-F238E27FC236}">
+                <a16:creationId xmlns:a16="http://schemas.microsoft.com/office/drawing/2014/main" id="{C525A007-A8EE-CD6D-6800-C06E6CB49CB0}"/>
+              </a:ext>
+            </a:extLst>
+          </p:cNvPr>
+          <p:cNvSpPr>
+            <a:spLocks noGrp="1"/>
+          </p:cNvSpPr>
+          <p:nvPr>
+            <p:ph idx="1"/>
+          </p:nvPr>
+        </p:nvSpPr>
+        <p:spPr/>
+        <p:txBody>
+          <a:bodyPr>
+            <a:normAutofit/>
+          </a:bodyPr>
+          <a:lstStyle/>
+          <a:p>
+            <a:pPr marL="0" indent="0">
+              <a:buNone/>
+            </a:pPr>
+            <a:endParaRPr lang="en-US" dirty="0"/>
+          </a:p>
+        </p:txBody>
+      </p:sp>
+      <p:sp>
+        <p:nvSpPr>
+          <p:cNvPr id="4" name="Slide Number Placeholder 3">
+            <a:extLst>
+              <a:ext uri="{FF2B5EF4-FFF2-40B4-BE49-F238E27FC236}">
+                <a16:creationId xmlns:a16="http://schemas.microsoft.com/office/drawing/2014/main" id="{536DC667-8273-C810-1058-FB32AFE64120}"/>
+              </a:ext>
+            </a:extLst>
+          </p:cNvPr>
+          <p:cNvSpPr>
+            <a:spLocks noGrp="1"/>
+          </p:cNvSpPr>
+          <p:nvPr>
+            <p:ph type="sldNum" sz="quarter" idx="12"/>
+          </p:nvPr>
+        </p:nvSpPr>
+        <p:spPr/>
+        <p:txBody>
+          <a:bodyPr/>
+          <a:lstStyle/>
+          <a:p>
+            <a:fld id="{491CF4B3-B97C-1B49-985A-93725184CD23}" type="slidenum">
+              <a:rPr lang="en-US" smtClean="0"/>
+              <a:t>18</a:t>
+            </a:fld>
+            <a:endParaRPr lang="en-US"/>
+          </a:p>
+        </p:txBody>
+      </p:sp>
+    </p:spTree>
+    <p:extLst>
+      <p:ext uri="{BB962C8B-B14F-4D97-AF65-F5344CB8AC3E}">
+        <p14:creationId xmlns:p14="http://schemas.microsoft.com/office/powerpoint/2010/main" val="2572373931"/>
+      </p:ext>
+    </p:extLst>
+  </p:cSld>
+  <p:clrMapOvr>
+    <a:masterClrMapping/>
+  </p:clrMapOvr>
+</p:sld>
+</file>
+
+<file path=ppt/slides/slide19.xml><?xml version="1.0" encoding="utf-8"?>
+<p:sld xmlns:a="http://schemas.openxmlformats.org/drawingml/2006/main" xmlns:r="http://schemas.openxmlformats.org/officeDocument/2006/relationships" xmlns:p="http://schemas.openxmlformats.org/presentationml/2006/main">
+  <p:cSld>
+    <p:spTree>
+      <p:nvGrpSpPr>
+        <p:cNvPr id="1" name=""/>
+        <p:cNvGrpSpPr/>
+        <p:nvPr/>
+      </p:nvGrpSpPr>
+      <p:grpSpPr>
+        <a:xfrm>
+          <a:off x="0" y="0"/>
+          <a:ext cx="0" cy="0"/>
+          <a:chOff x="0" y="0"/>
+          <a:chExt cx="0" cy="0"/>
+        </a:xfrm>
+      </p:grpSpPr>
+      <p:sp>
+        <p:nvSpPr>
+          <p:cNvPr id="2" name="Title 1">
+            <a:extLst>
+              <a:ext uri="{FF2B5EF4-FFF2-40B4-BE49-F238E27FC236}">
+                <a16:creationId xmlns:a16="http://schemas.microsoft.com/office/drawing/2014/main" id="{5A0DC5C4-5BF0-1771-6E64-CE50F1A41C8A}"/>
+              </a:ext>
+            </a:extLst>
+          </p:cNvPr>
+          <p:cNvSpPr>
+            <a:spLocks noGrp="1"/>
+          </p:cNvSpPr>
+          <p:nvPr>
+            <p:ph type="title"/>
+          </p:nvPr>
+        </p:nvSpPr>
+        <p:spPr/>
+        <p:txBody>
+          <a:bodyPr/>
+          <a:lstStyle/>
+          <a:p>
+            <a:r>
+              <a:rPr lang="en-US" b="1" dirty="0">
+                <a:solidFill>
+                  <a:schemeClr val="accent1">
+                    <a:lumMod val="75000"/>
+                  </a:schemeClr>
+                </a:solidFill>
+              </a:rPr>
+              <a:t>Exercise 7: Taylor Swift Songs</a:t>
+            </a:r>
+            <a:r>
+              <a:rPr lang="en-US" dirty="0"/>
+              <a:t>⭐️ ⭐️ ⭐️</a:t>
+            </a:r>
+          </a:p>
+        </p:txBody>
+      </p:sp>
+      <p:sp>
+        <p:nvSpPr>
+          <p:cNvPr id="3" name="Content Placeholder 2">
+            <a:extLst>
+              <a:ext uri="{FF2B5EF4-FFF2-40B4-BE49-F238E27FC236}">
+                <a16:creationId xmlns:a16="http://schemas.microsoft.com/office/drawing/2014/main" id="{B0F97B5E-1DBA-C20C-66C2-FF0EEA6C8DE0}"/>
+              </a:ext>
+            </a:extLst>
+          </p:cNvPr>
+          <p:cNvSpPr>
+            <a:spLocks noGrp="1"/>
+          </p:cNvSpPr>
+          <p:nvPr>
+            <p:ph idx="1"/>
+          </p:nvPr>
+        </p:nvSpPr>
+        <p:spPr/>
+        <p:txBody>
+          <a:bodyPr>
+            <a:normAutofit/>
+          </a:bodyPr>
+          <a:lstStyle/>
+          <a:p>
+            <a:pPr marL="0" indent="0">
+              <a:buNone/>
+            </a:pPr>
+            <a:r>
+              <a:rPr lang="en-US" dirty="0"/>
+              <a:t>Create a function that output the day of the week in which each of her songs were published.</a:t>
+            </a:r>
+          </a:p>
+          <a:p>
+            <a:pPr marL="0" indent="0">
+              <a:buNone/>
+            </a:pPr>
+            <a:endParaRPr lang="en-US" dirty="0"/>
+          </a:p>
+          <a:p>
+            <a:pPr marL="0" indent="0">
+              <a:buNone/>
+            </a:pPr>
+            <a:r>
+              <a:rPr lang="en-US" dirty="0"/>
+              <a:t>ser = </a:t>
+            </a:r>
+            <a:r>
+              <a:rPr lang="en-US" dirty="0" err="1"/>
+              <a:t>pd.Series</a:t>
+            </a:r>
+            <a:r>
+              <a:rPr lang="en-US" dirty="0"/>
+              <a:t>(['01 Jan 2010', '02-02-2011', '20120303', '2013/04/04', '2014-05-05'])</a:t>
+            </a:r>
+            <a:br>
+              <a:rPr lang="en-US" dirty="0"/>
+            </a:br>
+            <a:endParaRPr lang="en-US" dirty="0"/>
+          </a:p>
+          <a:p>
+            <a:pPr marL="0" indent="0">
+              <a:buNone/>
+            </a:pPr>
+            <a:r>
+              <a:rPr lang="en-US" dirty="0"/>
+              <a:t>Desired output</a:t>
+            </a:r>
+          </a:p>
+          <a:p>
+            <a:pPr marL="0" indent="0">
+              <a:buNone/>
+            </a:pPr>
+            <a:r>
+              <a:rPr lang="en-US" dirty="0"/>
+              <a:t>Day of week:  ['Friday', 'Wednesday', 'Saturday', 'Thursday', 'Monday']</a:t>
+            </a:r>
+          </a:p>
+          <a:p>
+            <a:endParaRPr lang="en-US" dirty="0"/>
+          </a:p>
+        </p:txBody>
+      </p:sp>
+      <p:sp>
+        <p:nvSpPr>
+          <p:cNvPr id="4" name="Slide Number Placeholder 3">
+            <a:extLst>
+              <a:ext uri="{FF2B5EF4-FFF2-40B4-BE49-F238E27FC236}">
+                <a16:creationId xmlns:a16="http://schemas.microsoft.com/office/drawing/2014/main" id="{5069E6F0-D63E-3B8B-A559-19357FDC4823}"/>
+              </a:ext>
+            </a:extLst>
+          </p:cNvPr>
+          <p:cNvSpPr>
+            <a:spLocks noGrp="1"/>
+          </p:cNvSpPr>
+          <p:nvPr>
+            <p:ph type="sldNum" sz="quarter" idx="12"/>
+          </p:nvPr>
+        </p:nvSpPr>
+        <p:spPr/>
+        <p:txBody>
+          <a:bodyPr/>
+          <a:lstStyle/>
+          <a:p>
+            <a:fld id="{491CF4B3-B97C-1B49-985A-93725184CD23}" type="slidenum">
+              <a:rPr lang="en-US" smtClean="0"/>
+              <a:t>19</a:t>
+            </a:fld>
+            <a:endParaRPr lang="en-US"/>
+          </a:p>
+        </p:txBody>
+      </p:sp>
+    </p:spTree>
+    <p:extLst>
+      <p:ext uri="{BB962C8B-B14F-4D97-AF65-F5344CB8AC3E}">
+        <p14:creationId xmlns:p14="http://schemas.microsoft.com/office/powerpoint/2010/main" val="1836167359"/>
+      </p:ext>
+    </p:extLst>
+  </p:cSld>
+  <p:clrMapOvr>
+    <a:masterClrMapping/>
+  </p:clrMapOvr>
+</p:sld>
+</file>
+
 <file path=ppt/slides/slide2.xml><?xml version="1.0" encoding="utf-8"?>
 <p:sld xmlns:a="http://schemas.openxmlformats.org/drawingml/2006/main" xmlns:r="http://schemas.openxmlformats.org/officeDocument/2006/relationships" xmlns:p="http://schemas.openxmlformats.org/presentationml/2006/main">
   <p:cSld>
@@ -4184,6 +6225,590 @@
     <p:extLst>
       <p:ext uri="{BB962C8B-B14F-4D97-AF65-F5344CB8AC3E}">
         <p14:creationId xmlns:p14="http://schemas.microsoft.com/office/powerpoint/2010/main" val="208479163"/>
+      </p:ext>
+    </p:extLst>
+  </p:cSld>
+  <p:clrMapOvr>
+    <a:masterClrMapping/>
+  </p:clrMapOvr>
+</p:sld>
+</file>
+
+<file path=ppt/slides/slide20.xml><?xml version="1.0" encoding="utf-8"?>
+<p:sld xmlns:a="http://schemas.openxmlformats.org/drawingml/2006/main" xmlns:r="http://schemas.openxmlformats.org/officeDocument/2006/relationships" xmlns:p="http://schemas.openxmlformats.org/presentationml/2006/main">
+  <p:cSld>
+    <p:spTree>
+      <p:nvGrpSpPr>
+        <p:cNvPr id="1" name=""/>
+        <p:cNvGrpSpPr/>
+        <p:nvPr/>
+      </p:nvGrpSpPr>
+      <p:grpSpPr>
+        <a:xfrm>
+          <a:off x="0" y="0"/>
+          <a:ext cx="0" cy="0"/>
+          <a:chOff x="0" y="0"/>
+          <a:chExt cx="0" cy="0"/>
+        </a:xfrm>
+      </p:grpSpPr>
+      <p:sp>
+        <p:nvSpPr>
+          <p:cNvPr id="2" name="Title 1">
+            <a:extLst>
+              <a:ext uri="{FF2B5EF4-FFF2-40B4-BE49-F238E27FC236}">
+                <a16:creationId xmlns:a16="http://schemas.microsoft.com/office/drawing/2014/main" id="{C554AC7F-83F8-7014-61D3-A290E4AFB297}"/>
+              </a:ext>
+            </a:extLst>
+          </p:cNvPr>
+          <p:cNvSpPr>
+            <a:spLocks noGrp="1"/>
+          </p:cNvSpPr>
+          <p:nvPr>
+            <p:ph type="title"/>
+          </p:nvPr>
+        </p:nvSpPr>
+        <p:spPr/>
+        <p:txBody>
+          <a:bodyPr/>
+          <a:lstStyle/>
+          <a:p>
+            <a:r>
+              <a:rPr lang="en-US" b="1" dirty="0">
+                <a:solidFill>
+                  <a:schemeClr val="accent1">
+                    <a:lumMod val="75000"/>
+                  </a:schemeClr>
+                </a:solidFill>
+              </a:rPr>
+              <a:t>Exercise 7: Solution</a:t>
+            </a:r>
+            <a:endParaRPr lang="en-US" dirty="0"/>
+          </a:p>
+        </p:txBody>
+      </p:sp>
+      <p:sp>
+        <p:nvSpPr>
+          <p:cNvPr id="3" name="Content Placeholder 2">
+            <a:extLst>
+              <a:ext uri="{FF2B5EF4-FFF2-40B4-BE49-F238E27FC236}">
+                <a16:creationId xmlns:a16="http://schemas.microsoft.com/office/drawing/2014/main" id="{C525A007-A8EE-CD6D-6800-C06E6CB49CB0}"/>
+              </a:ext>
+            </a:extLst>
+          </p:cNvPr>
+          <p:cNvSpPr>
+            <a:spLocks noGrp="1"/>
+          </p:cNvSpPr>
+          <p:nvPr>
+            <p:ph idx="1"/>
+          </p:nvPr>
+        </p:nvSpPr>
+        <p:spPr/>
+        <p:txBody>
+          <a:bodyPr>
+            <a:normAutofit/>
+          </a:bodyPr>
+          <a:lstStyle/>
+          <a:p>
+            <a:pPr marL="0" indent="0">
+              <a:buNone/>
+            </a:pPr>
+            <a:endParaRPr lang="en-US" dirty="0"/>
+          </a:p>
+        </p:txBody>
+      </p:sp>
+      <p:sp>
+        <p:nvSpPr>
+          <p:cNvPr id="4" name="Slide Number Placeholder 3">
+            <a:extLst>
+              <a:ext uri="{FF2B5EF4-FFF2-40B4-BE49-F238E27FC236}">
+                <a16:creationId xmlns:a16="http://schemas.microsoft.com/office/drawing/2014/main" id="{536DC667-8273-C810-1058-FB32AFE64120}"/>
+              </a:ext>
+            </a:extLst>
+          </p:cNvPr>
+          <p:cNvSpPr>
+            <a:spLocks noGrp="1"/>
+          </p:cNvSpPr>
+          <p:nvPr>
+            <p:ph type="sldNum" sz="quarter" idx="12"/>
+          </p:nvPr>
+        </p:nvSpPr>
+        <p:spPr/>
+        <p:txBody>
+          <a:bodyPr/>
+          <a:lstStyle/>
+          <a:p>
+            <a:fld id="{491CF4B3-B97C-1B49-985A-93725184CD23}" type="slidenum">
+              <a:rPr lang="en-US" smtClean="0"/>
+              <a:t>20</a:t>
+            </a:fld>
+            <a:endParaRPr lang="en-US"/>
+          </a:p>
+        </p:txBody>
+      </p:sp>
+    </p:spTree>
+    <p:extLst>
+      <p:ext uri="{BB962C8B-B14F-4D97-AF65-F5344CB8AC3E}">
+        <p14:creationId xmlns:p14="http://schemas.microsoft.com/office/powerpoint/2010/main" val="2114333812"/>
+      </p:ext>
+    </p:extLst>
+  </p:cSld>
+  <p:clrMapOvr>
+    <a:masterClrMapping/>
+  </p:clrMapOvr>
+</p:sld>
+</file>
+
+<file path=ppt/slides/slide21.xml><?xml version="1.0" encoding="utf-8"?>
+<p:sld xmlns:a="http://schemas.openxmlformats.org/drawingml/2006/main" xmlns:r="http://schemas.openxmlformats.org/officeDocument/2006/relationships" xmlns:p="http://schemas.openxmlformats.org/presentationml/2006/main">
+  <p:cSld>
+    <p:spTree>
+      <p:nvGrpSpPr>
+        <p:cNvPr id="1" name=""/>
+        <p:cNvGrpSpPr/>
+        <p:nvPr/>
+      </p:nvGrpSpPr>
+      <p:grpSpPr>
+        <a:xfrm>
+          <a:off x="0" y="0"/>
+          <a:ext cx="0" cy="0"/>
+          <a:chOff x="0" y="0"/>
+          <a:chExt cx="0" cy="0"/>
+        </a:xfrm>
+      </p:grpSpPr>
+      <p:sp>
+        <p:nvSpPr>
+          <p:cNvPr id="2" name="Title 1">
+            <a:extLst>
+              <a:ext uri="{FF2B5EF4-FFF2-40B4-BE49-F238E27FC236}">
+                <a16:creationId xmlns:a16="http://schemas.microsoft.com/office/drawing/2014/main" id="{5A0DC5C4-5BF0-1771-6E64-CE50F1A41C8A}"/>
+              </a:ext>
+            </a:extLst>
+          </p:cNvPr>
+          <p:cNvSpPr>
+            <a:spLocks noGrp="1"/>
+          </p:cNvSpPr>
+          <p:nvPr>
+            <p:ph type="title"/>
+          </p:nvPr>
+        </p:nvSpPr>
+        <p:spPr/>
+        <p:txBody>
+          <a:bodyPr/>
+          <a:lstStyle/>
+          <a:p>
+            <a:r>
+              <a:rPr lang="en-US" b="1" dirty="0">
+                <a:solidFill>
+                  <a:schemeClr val="accent1">
+                    <a:lumMod val="75000"/>
+                  </a:schemeClr>
+                </a:solidFill>
+              </a:rPr>
+              <a:t>Exercise 8: Building a pyramid</a:t>
+            </a:r>
+            <a:r>
+              <a:rPr lang="en-US" dirty="0"/>
+              <a:t>⭐️ ⭐️ ⭐️</a:t>
+            </a:r>
+          </a:p>
+        </p:txBody>
+      </p:sp>
+      <p:sp>
+        <p:nvSpPr>
+          <p:cNvPr id="3" name="Content Placeholder 2">
+            <a:extLst>
+              <a:ext uri="{FF2B5EF4-FFF2-40B4-BE49-F238E27FC236}">
+                <a16:creationId xmlns:a16="http://schemas.microsoft.com/office/drawing/2014/main" id="{B0F97B5E-1DBA-C20C-66C2-FF0EEA6C8DE0}"/>
+              </a:ext>
+            </a:extLst>
+          </p:cNvPr>
+          <p:cNvSpPr>
+            <a:spLocks noGrp="1"/>
+          </p:cNvSpPr>
+          <p:nvPr>
+            <p:ph idx="1"/>
+          </p:nvPr>
+        </p:nvSpPr>
+        <p:spPr/>
+        <p:txBody>
+          <a:bodyPr>
+            <a:normAutofit fontScale="92500" lnSpcReduction="10000"/>
+          </a:bodyPr>
+          <a:lstStyle/>
+          <a:p>
+            <a:pPr marL="0" indent="0">
+              <a:buNone/>
+            </a:pPr>
+            <a:r>
+              <a:rPr lang="en-GB" dirty="0">
+                <a:effectLst/>
+                <a:latin typeface="Menlo" panose="020B0609030804020204" pitchFamily="49" charset="0"/>
+              </a:rPr>
+              <a:t>Write a function that prints a pyramid-like pattern with numbers starting from 1 and increasing by one each time you go down the pyramid.</a:t>
+            </a:r>
+          </a:p>
+          <a:p>
+            <a:pPr marL="0" indent="0">
+              <a:buNone/>
+            </a:pPr>
+            <a:endParaRPr lang="en-GB" dirty="0">
+              <a:effectLst/>
+              <a:latin typeface="Menlo" panose="020B0609030804020204" pitchFamily="49" charset="0"/>
+            </a:endParaRPr>
+          </a:p>
+          <a:p>
+            <a:pPr marL="0" indent="0">
+              <a:buNone/>
+            </a:pPr>
+            <a:r>
+              <a:rPr lang="en-GB" dirty="0">
+                <a:effectLst/>
+                <a:latin typeface="Menlo" panose="020B0609030804020204" pitchFamily="49" charset="0"/>
+              </a:rPr>
+              <a:t>Desired output</a:t>
+            </a:r>
+            <a:br>
+              <a:rPr lang="en-GB" dirty="0">
+                <a:effectLst/>
+                <a:latin typeface="Menlo" panose="020B0609030804020204" pitchFamily="49" charset="0"/>
+              </a:rPr>
+            </a:br>
+            <a:endParaRPr lang="en-GB" dirty="0">
+              <a:effectLst/>
+              <a:latin typeface="Menlo" panose="020B0609030804020204" pitchFamily="49" charset="0"/>
+            </a:endParaRPr>
+          </a:p>
+          <a:p>
+            <a:pPr marL="0" indent="0">
+              <a:buNone/>
+            </a:pPr>
+            <a:r>
+              <a:rPr lang="en-GB" dirty="0">
+                <a:effectLst/>
+                <a:latin typeface="Menlo" panose="020B0609030804020204" pitchFamily="49" charset="0"/>
+              </a:rPr>
+              <a:t>   1</a:t>
+            </a:r>
+          </a:p>
+          <a:p>
+            <a:pPr marL="0" indent="0">
+              <a:buNone/>
+            </a:pPr>
+            <a:r>
+              <a:rPr lang="en-GB" dirty="0">
+                <a:effectLst/>
+                <a:latin typeface="Menlo" panose="020B0609030804020204" pitchFamily="49" charset="0"/>
+              </a:rPr>
+              <a:t>  2 2</a:t>
+            </a:r>
+          </a:p>
+          <a:p>
+            <a:pPr marL="0" indent="0">
+              <a:buNone/>
+            </a:pPr>
+            <a:r>
+              <a:rPr lang="en-GB" dirty="0">
+                <a:effectLst/>
+                <a:latin typeface="Menlo" panose="020B0609030804020204" pitchFamily="49" charset="0"/>
+              </a:rPr>
+              <a:t> 3 3 3</a:t>
+            </a:r>
+          </a:p>
+          <a:p>
+            <a:pPr marL="0" indent="0">
+              <a:buNone/>
+            </a:pPr>
+            <a:r>
+              <a:rPr lang="en-GB" dirty="0">
+                <a:effectLst/>
+                <a:latin typeface="Menlo" panose="020B0609030804020204" pitchFamily="49" charset="0"/>
+              </a:rPr>
+              <a:t>4 4 4 4</a:t>
+            </a:r>
+          </a:p>
+          <a:p>
+            <a:endParaRPr lang="en-US" dirty="0"/>
+          </a:p>
+        </p:txBody>
+      </p:sp>
+      <p:sp>
+        <p:nvSpPr>
+          <p:cNvPr id="4" name="Slide Number Placeholder 3">
+            <a:extLst>
+              <a:ext uri="{FF2B5EF4-FFF2-40B4-BE49-F238E27FC236}">
+                <a16:creationId xmlns:a16="http://schemas.microsoft.com/office/drawing/2014/main" id="{5069E6F0-D63E-3B8B-A559-19357FDC4823}"/>
+              </a:ext>
+            </a:extLst>
+          </p:cNvPr>
+          <p:cNvSpPr>
+            <a:spLocks noGrp="1"/>
+          </p:cNvSpPr>
+          <p:nvPr>
+            <p:ph type="sldNum" sz="quarter" idx="12"/>
+          </p:nvPr>
+        </p:nvSpPr>
+        <p:spPr/>
+        <p:txBody>
+          <a:bodyPr/>
+          <a:lstStyle/>
+          <a:p>
+            <a:fld id="{491CF4B3-B97C-1B49-985A-93725184CD23}" type="slidenum">
+              <a:rPr lang="en-US" smtClean="0"/>
+              <a:t>21</a:t>
+            </a:fld>
+            <a:endParaRPr lang="en-US"/>
+          </a:p>
+        </p:txBody>
+      </p:sp>
+    </p:spTree>
+    <p:extLst>
+      <p:ext uri="{BB962C8B-B14F-4D97-AF65-F5344CB8AC3E}">
+        <p14:creationId xmlns:p14="http://schemas.microsoft.com/office/powerpoint/2010/main" val="3608568842"/>
+      </p:ext>
+    </p:extLst>
+  </p:cSld>
+  <p:clrMapOvr>
+    <a:masterClrMapping/>
+  </p:clrMapOvr>
+</p:sld>
+</file>
+
+<file path=ppt/slides/slide22.xml><?xml version="1.0" encoding="utf-8"?>
+<p:sld xmlns:a="http://schemas.openxmlformats.org/drawingml/2006/main" xmlns:r="http://schemas.openxmlformats.org/officeDocument/2006/relationships" xmlns:p="http://schemas.openxmlformats.org/presentationml/2006/main">
+  <p:cSld>
+    <p:spTree>
+      <p:nvGrpSpPr>
+        <p:cNvPr id="1" name=""/>
+        <p:cNvGrpSpPr/>
+        <p:nvPr/>
+      </p:nvGrpSpPr>
+      <p:grpSpPr>
+        <a:xfrm>
+          <a:off x="0" y="0"/>
+          <a:ext cx="0" cy="0"/>
+          <a:chOff x="0" y="0"/>
+          <a:chExt cx="0" cy="0"/>
+        </a:xfrm>
+      </p:grpSpPr>
+      <p:sp>
+        <p:nvSpPr>
+          <p:cNvPr id="2" name="Title 1">
+            <a:extLst>
+              <a:ext uri="{FF2B5EF4-FFF2-40B4-BE49-F238E27FC236}">
+                <a16:creationId xmlns:a16="http://schemas.microsoft.com/office/drawing/2014/main" id="{C554AC7F-83F8-7014-61D3-A290E4AFB297}"/>
+              </a:ext>
+            </a:extLst>
+          </p:cNvPr>
+          <p:cNvSpPr>
+            <a:spLocks noGrp="1"/>
+          </p:cNvSpPr>
+          <p:nvPr>
+            <p:ph type="title"/>
+          </p:nvPr>
+        </p:nvSpPr>
+        <p:spPr/>
+        <p:txBody>
+          <a:bodyPr/>
+          <a:lstStyle/>
+          <a:p>
+            <a:r>
+              <a:rPr lang="en-US" b="1" dirty="0">
+                <a:solidFill>
+                  <a:schemeClr val="accent1">
+                    <a:lumMod val="75000"/>
+                  </a:schemeClr>
+                </a:solidFill>
+              </a:rPr>
+              <a:t>Exercise 8: Solution</a:t>
+            </a:r>
+            <a:endParaRPr lang="en-US" dirty="0"/>
+          </a:p>
+        </p:txBody>
+      </p:sp>
+      <p:sp>
+        <p:nvSpPr>
+          <p:cNvPr id="3" name="Content Placeholder 2">
+            <a:extLst>
+              <a:ext uri="{FF2B5EF4-FFF2-40B4-BE49-F238E27FC236}">
+                <a16:creationId xmlns:a16="http://schemas.microsoft.com/office/drawing/2014/main" id="{C525A007-A8EE-CD6D-6800-C06E6CB49CB0}"/>
+              </a:ext>
+            </a:extLst>
+          </p:cNvPr>
+          <p:cNvSpPr>
+            <a:spLocks noGrp="1"/>
+          </p:cNvSpPr>
+          <p:nvPr>
+            <p:ph idx="1"/>
+          </p:nvPr>
+        </p:nvSpPr>
+        <p:spPr/>
+        <p:txBody>
+          <a:bodyPr>
+            <a:normAutofit lnSpcReduction="10000"/>
+          </a:bodyPr>
+          <a:lstStyle/>
+          <a:p>
+            <a:pPr marL="0" indent="0">
+              <a:buNone/>
+            </a:pPr>
+            <a:r>
+              <a:rPr lang="en-US" dirty="0"/>
+              <a:t>def pyramid(</a:t>
+            </a:r>
+            <a:r>
+              <a:rPr lang="en-US" dirty="0" err="1"/>
+              <a:t>range_pyr</a:t>
+            </a:r>
+            <a:r>
+              <a:rPr lang="en-US" dirty="0"/>
+              <a:t>):</a:t>
+            </a:r>
+          </a:p>
+          <a:p>
+            <a:pPr marL="0" indent="0">
+              <a:buNone/>
+            </a:pPr>
+            <a:r>
+              <a:rPr lang="en-US" dirty="0"/>
+              <a:t>    k = </a:t>
+            </a:r>
+            <a:r>
+              <a:rPr lang="en-US" dirty="0" err="1"/>
+              <a:t>range_pyr</a:t>
+            </a:r>
+            <a:r>
+              <a:rPr lang="en-US" dirty="0"/>
+              <a:t> - 1</a:t>
+            </a:r>
+          </a:p>
+          <a:p>
+            <a:pPr marL="0" indent="0">
+              <a:buNone/>
+            </a:pPr>
+            <a:r>
+              <a:rPr lang="en-US" dirty="0"/>
+              <a:t>    for </a:t>
+            </a:r>
+            <a:r>
+              <a:rPr lang="en-US" dirty="0" err="1"/>
+              <a:t>i</a:t>
+            </a:r>
+            <a:r>
+              <a:rPr lang="en-US" dirty="0"/>
+              <a:t> in range(0, </a:t>
+            </a:r>
+            <a:r>
+              <a:rPr lang="en-US" dirty="0" err="1"/>
+              <a:t>range_pyr</a:t>
+            </a:r>
+            <a:r>
+              <a:rPr lang="en-US" dirty="0"/>
+              <a:t>):</a:t>
+            </a:r>
+          </a:p>
+          <a:p>
+            <a:pPr marL="0" indent="0">
+              <a:buNone/>
+            </a:pPr>
+            <a:r>
+              <a:rPr lang="en-US" dirty="0"/>
+              <a:t>        for j in range(0, k):</a:t>
+            </a:r>
+          </a:p>
+          <a:p>
+            <a:pPr marL="0" indent="0">
+              <a:buNone/>
+            </a:pPr>
+            <a:r>
+              <a:rPr lang="en-US" dirty="0"/>
+              <a:t>            print(end=" ")</a:t>
+            </a:r>
+          </a:p>
+          <a:p>
+            <a:pPr marL="0" indent="0">
+              <a:buNone/>
+            </a:pPr>
+            <a:r>
+              <a:rPr lang="en-US" dirty="0"/>
+              <a:t>        k = k - 1</a:t>
+            </a:r>
+          </a:p>
+          <a:p>
+            <a:pPr marL="0" indent="0">
+              <a:buNone/>
+            </a:pPr>
+            <a:r>
+              <a:rPr lang="en-US" dirty="0"/>
+              <a:t>        for j in range(0, i+1):</a:t>
+            </a:r>
+          </a:p>
+          <a:p>
+            <a:pPr marL="0" indent="0">
+              <a:buNone/>
+            </a:pPr>
+            <a:r>
+              <a:rPr lang="en-US" dirty="0"/>
+              <a:t>            print(</a:t>
+            </a:r>
+            <a:r>
+              <a:rPr lang="en-US" dirty="0" err="1"/>
+              <a:t>i</a:t>
+            </a:r>
+            <a:r>
+              <a:rPr lang="en-US" dirty="0"/>
+              <a:t>, end=" ")</a:t>
+            </a:r>
+          </a:p>
+          <a:p>
+            <a:pPr marL="0" indent="0">
+              <a:buNone/>
+            </a:pPr>
+            <a:r>
+              <a:rPr lang="en-US" dirty="0"/>
+              <a:t>        print("\r")</a:t>
+            </a:r>
+          </a:p>
+          <a:p>
+            <a:pPr marL="0" indent="0">
+              <a:buNone/>
+            </a:pPr>
+            <a:endParaRPr lang="en-US" dirty="0"/>
+          </a:p>
+        </p:txBody>
+      </p:sp>
+      <p:sp>
+        <p:nvSpPr>
+          <p:cNvPr id="4" name="Slide Number Placeholder 3">
+            <a:extLst>
+              <a:ext uri="{FF2B5EF4-FFF2-40B4-BE49-F238E27FC236}">
+                <a16:creationId xmlns:a16="http://schemas.microsoft.com/office/drawing/2014/main" id="{536DC667-8273-C810-1058-FB32AFE64120}"/>
+              </a:ext>
+            </a:extLst>
+          </p:cNvPr>
+          <p:cNvSpPr>
+            <a:spLocks noGrp="1"/>
+          </p:cNvSpPr>
+          <p:nvPr>
+            <p:ph type="sldNum" sz="quarter" idx="12"/>
+          </p:nvPr>
+        </p:nvSpPr>
+        <p:spPr/>
+        <p:txBody>
+          <a:bodyPr/>
+          <a:lstStyle/>
+          <a:p>
+            <a:fld id="{491CF4B3-B97C-1B49-985A-93725184CD23}" type="slidenum">
+              <a:rPr lang="en-US" smtClean="0"/>
+              <a:t>22</a:t>
+            </a:fld>
+            <a:endParaRPr lang="en-US"/>
+          </a:p>
+        </p:txBody>
+      </p:sp>
+    </p:spTree>
+    <p:extLst>
+      <p:ext uri="{BB962C8B-B14F-4D97-AF65-F5344CB8AC3E}">
+        <p14:creationId xmlns:p14="http://schemas.microsoft.com/office/powerpoint/2010/main" val="2522321794"/>
       </p:ext>
     </p:extLst>
   </p:cSld>
@@ -5726,7 +8351,15 @@
           <a:p>
             <a:r>
               <a:rPr lang="en-US" dirty="0"/>
-              <a:t>20 minutes per exercise</a:t>
+              <a:t>3</a:t>
+            </a:r>
+            <a:r>
+              <a:rPr lang="en-US"/>
+              <a:t>0 </a:t>
+            </a:r>
+            <a:r>
+              <a:rPr lang="en-US" dirty="0"/>
+              <a:t>minutes per exercise</a:t>
             </a:r>
           </a:p>
           <a:p>
@@ -5893,8 +8526,62 @@
         </p:nvSpPr>
         <p:spPr/>
         <p:txBody>
-          <a:bodyPr/>
-          <a:lstStyle/>
+          <a:bodyPr>
+            <a:normAutofit/>
+          </a:bodyPr>
+          <a:lstStyle/>
+          <a:p>
+            <a:pPr marL="0" indent="0">
+              <a:buNone/>
+            </a:pPr>
+            <a:r>
+              <a:rPr lang="en-US" dirty="0"/>
+              <a:t>Write a function that prints the next 20 leap years starting from 2022.</a:t>
+            </a:r>
+          </a:p>
+          <a:p>
+            <a:pPr marL="0" indent="0">
+              <a:buNone/>
+            </a:pPr>
+            <a:endParaRPr lang="en-US" dirty="0"/>
+          </a:p>
+          <a:p>
+            <a:pPr marL="0" indent="0">
+              <a:buNone/>
+            </a:pPr>
+            <a:r>
+              <a:rPr lang="en-US" dirty="0"/>
+              <a:t>Function Input: 2022</a:t>
+            </a:r>
+          </a:p>
+          <a:p>
+            <a:pPr marL="0" indent="0">
+              <a:buNone/>
+            </a:pPr>
+            <a:endParaRPr lang="en-US" dirty="0"/>
+          </a:p>
+          <a:p>
+            <a:pPr marL="0" indent="0">
+              <a:buNone/>
+            </a:pPr>
+            <a:r>
+              <a:rPr lang="en-US" dirty="0"/>
+              <a:t>Desired output</a:t>
+            </a:r>
+            <a:br>
+              <a:rPr lang="en-US" dirty="0"/>
+            </a:br>
+            <a:endParaRPr lang="en-US" dirty="0"/>
+          </a:p>
+          <a:p>
+            <a:pPr marL="0" indent="0">
+              <a:buNone/>
+            </a:pPr>
+            <a:r>
+              <a:rPr lang="en-US" dirty="0"/>
+              <a:t>2024, 2028, 2032, 2036, 2040, 2044, 2048 ….</a:t>
+            </a:r>
+          </a:p>
           <a:p>
             <a:pPr marL="0" indent="0">
               <a:buNone/>
@@ -5936,6 +8623,401 @@
     <p:extLst>
       <p:ext uri="{BB962C8B-B14F-4D97-AF65-F5344CB8AC3E}">
         <p14:creationId xmlns:p14="http://schemas.microsoft.com/office/powerpoint/2010/main" val="3864283043"/>
+      </p:ext>
+    </p:extLst>
+  </p:cSld>
+  <p:clrMapOvr>
+    <a:masterClrMapping/>
+  </p:clrMapOvr>
+</p:sld>
+</file>
+
+<file path=ppt/slides/slide8.xml><?xml version="1.0" encoding="utf-8"?>
+<p:sld xmlns:a="http://schemas.openxmlformats.org/drawingml/2006/main" xmlns:r="http://schemas.openxmlformats.org/officeDocument/2006/relationships" xmlns:p="http://schemas.openxmlformats.org/presentationml/2006/main">
+  <p:cSld>
+    <p:spTree>
+      <p:nvGrpSpPr>
+        <p:cNvPr id="1" name=""/>
+        <p:cNvGrpSpPr/>
+        <p:nvPr/>
+      </p:nvGrpSpPr>
+      <p:grpSpPr>
+        <a:xfrm>
+          <a:off x="0" y="0"/>
+          <a:ext cx="0" cy="0"/>
+          <a:chOff x="0" y="0"/>
+          <a:chExt cx="0" cy="0"/>
+        </a:xfrm>
+      </p:grpSpPr>
+      <p:sp>
+        <p:nvSpPr>
+          <p:cNvPr id="2" name="Title 1">
+            <a:extLst>
+              <a:ext uri="{FF2B5EF4-FFF2-40B4-BE49-F238E27FC236}">
+                <a16:creationId xmlns:a16="http://schemas.microsoft.com/office/drawing/2014/main" id="{C554AC7F-83F8-7014-61D3-A290E4AFB297}"/>
+              </a:ext>
+            </a:extLst>
+          </p:cNvPr>
+          <p:cNvSpPr>
+            <a:spLocks noGrp="1"/>
+          </p:cNvSpPr>
+          <p:nvPr>
+            <p:ph type="title"/>
+          </p:nvPr>
+        </p:nvSpPr>
+        <p:spPr/>
+        <p:txBody>
+          <a:bodyPr/>
+          <a:lstStyle/>
+          <a:p>
+            <a:r>
+              <a:rPr lang="en-US" b="1" dirty="0">
+                <a:solidFill>
+                  <a:schemeClr val="accent1">
+                    <a:lumMod val="75000"/>
+                  </a:schemeClr>
+                </a:solidFill>
+              </a:rPr>
+              <a:t>Exercise 1: Solution</a:t>
+            </a:r>
+            <a:endParaRPr lang="en-US" dirty="0"/>
+          </a:p>
+        </p:txBody>
+      </p:sp>
+      <p:sp>
+        <p:nvSpPr>
+          <p:cNvPr id="3" name="Content Placeholder 2">
+            <a:extLst>
+              <a:ext uri="{FF2B5EF4-FFF2-40B4-BE49-F238E27FC236}">
+                <a16:creationId xmlns:a16="http://schemas.microsoft.com/office/drawing/2014/main" id="{C525A007-A8EE-CD6D-6800-C06E6CB49CB0}"/>
+              </a:ext>
+            </a:extLst>
+          </p:cNvPr>
+          <p:cNvSpPr>
+            <a:spLocks noGrp="1"/>
+          </p:cNvSpPr>
+          <p:nvPr>
+            <p:ph idx="1"/>
+          </p:nvPr>
+        </p:nvSpPr>
+        <p:spPr/>
+        <p:txBody>
+          <a:bodyPr>
+            <a:normAutofit/>
+          </a:bodyPr>
+          <a:lstStyle/>
+          <a:p>
+            <a:pPr marL="0" indent="0">
+              <a:buNone/>
+            </a:pPr>
+            <a:endParaRPr lang="en-US" dirty="0"/>
+          </a:p>
+          <a:p>
+            <a:pPr marL="0" indent="0">
+              <a:buNone/>
+            </a:pPr>
+            <a:endParaRPr lang="en-US" dirty="0"/>
+          </a:p>
+          <a:p>
+            <a:pPr marL="0" indent="0">
+              <a:buNone/>
+            </a:pPr>
+            <a:r>
+              <a:rPr lang="en-US" dirty="0"/>
+              <a:t>def main(</a:t>
+            </a:r>
+            <a:r>
+              <a:rPr lang="en-US" dirty="0" err="1"/>
+              <a:t>year_start</a:t>
+            </a:r>
+            <a:r>
+              <a:rPr lang="en-US" dirty="0"/>
+              <a:t>, tot):</a:t>
+            </a:r>
+          </a:p>
+          <a:p>
+            <a:pPr marL="0" indent="0">
+              <a:buNone/>
+            </a:pPr>
+            <a:r>
+              <a:rPr lang="en-US" dirty="0"/>
+              <a:t>    for year in range(</a:t>
+            </a:r>
+            <a:r>
+              <a:rPr lang="en-US" dirty="0" err="1"/>
+              <a:t>year_start</a:t>
+            </a:r>
+            <a:r>
+              <a:rPr lang="en-US" dirty="0"/>
+              <a:t>, tot):</a:t>
+            </a:r>
+          </a:p>
+          <a:p>
+            <a:pPr marL="0" indent="0">
+              <a:buNone/>
+            </a:pPr>
+            <a:r>
+              <a:rPr lang="en-US" dirty="0"/>
+              <a:t>        if year % 4 == 0 and (year % 100 != 0 or year % 400 == 0):</a:t>
+            </a:r>
+          </a:p>
+          <a:p>
+            <a:pPr marL="0" indent="0">
+              <a:buNone/>
+            </a:pPr>
+            <a:r>
+              <a:rPr lang="en-US" dirty="0"/>
+              <a:t>            print(year)</a:t>
+            </a:r>
+          </a:p>
+          <a:p>
+            <a:pPr marL="0" indent="0">
+              <a:buNone/>
+            </a:pPr>
+            <a:endParaRPr lang="en-US" dirty="0"/>
+          </a:p>
+        </p:txBody>
+      </p:sp>
+      <p:sp>
+        <p:nvSpPr>
+          <p:cNvPr id="4" name="Slide Number Placeholder 3">
+            <a:extLst>
+              <a:ext uri="{FF2B5EF4-FFF2-40B4-BE49-F238E27FC236}">
+                <a16:creationId xmlns:a16="http://schemas.microsoft.com/office/drawing/2014/main" id="{536DC667-8273-C810-1058-FB32AFE64120}"/>
+              </a:ext>
+            </a:extLst>
+          </p:cNvPr>
+          <p:cNvSpPr>
+            <a:spLocks noGrp="1"/>
+          </p:cNvSpPr>
+          <p:nvPr>
+            <p:ph type="sldNum" sz="quarter" idx="12"/>
+          </p:nvPr>
+        </p:nvSpPr>
+        <p:spPr/>
+        <p:txBody>
+          <a:bodyPr/>
+          <a:lstStyle/>
+          <a:p>
+            <a:fld id="{491CF4B3-B97C-1B49-985A-93725184CD23}" type="slidenum">
+              <a:rPr lang="en-US" smtClean="0"/>
+              <a:t>8</a:t>
+            </a:fld>
+            <a:endParaRPr lang="en-US"/>
+          </a:p>
+        </p:txBody>
+      </p:sp>
+    </p:spTree>
+    <p:extLst>
+      <p:ext uri="{BB962C8B-B14F-4D97-AF65-F5344CB8AC3E}">
+        <p14:creationId xmlns:p14="http://schemas.microsoft.com/office/powerpoint/2010/main" val="3658512160"/>
+      </p:ext>
+    </p:extLst>
+  </p:cSld>
+  <p:clrMapOvr>
+    <a:masterClrMapping/>
+  </p:clrMapOvr>
+</p:sld>
+</file>
+
+<file path=ppt/slides/slide9.xml><?xml version="1.0" encoding="utf-8"?>
+<p:sld xmlns:a="http://schemas.openxmlformats.org/drawingml/2006/main" xmlns:r="http://schemas.openxmlformats.org/officeDocument/2006/relationships" xmlns:p="http://schemas.openxmlformats.org/presentationml/2006/main">
+  <p:cSld>
+    <p:spTree>
+      <p:nvGrpSpPr>
+        <p:cNvPr id="1" name=""/>
+        <p:cNvGrpSpPr/>
+        <p:nvPr/>
+      </p:nvGrpSpPr>
+      <p:grpSpPr>
+        <a:xfrm>
+          <a:off x="0" y="0"/>
+          <a:ext cx="0" cy="0"/>
+          <a:chOff x="0" y="0"/>
+          <a:chExt cx="0" cy="0"/>
+        </a:xfrm>
+      </p:grpSpPr>
+      <p:sp>
+        <p:nvSpPr>
+          <p:cNvPr id="2" name="Title 1">
+            <a:extLst>
+              <a:ext uri="{FF2B5EF4-FFF2-40B4-BE49-F238E27FC236}">
+                <a16:creationId xmlns:a16="http://schemas.microsoft.com/office/drawing/2014/main" id="{77F1C72F-3D40-8EAD-F261-CFAB0E5611C1}"/>
+              </a:ext>
+            </a:extLst>
+          </p:cNvPr>
+          <p:cNvSpPr>
+            <a:spLocks noGrp="1"/>
+          </p:cNvSpPr>
+          <p:nvPr>
+            <p:ph type="title"/>
+          </p:nvPr>
+        </p:nvSpPr>
+        <p:spPr/>
+        <p:txBody>
+          <a:bodyPr/>
+          <a:lstStyle/>
+          <a:p>
+            <a:r>
+              <a:rPr lang="en-US" b="1" dirty="0">
+                <a:solidFill>
+                  <a:schemeClr val="accent1">
+                    <a:lumMod val="75000"/>
+                  </a:schemeClr>
+                </a:solidFill>
+              </a:rPr>
+              <a:t>Exercise 2: Taylor Swift Songs</a:t>
+            </a:r>
+            <a:r>
+              <a:rPr lang="en-US" dirty="0"/>
+              <a:t>⭐️</a:t>
+            </a:r>
+          </a:p>
+        </p:txBody>
+      </p:sp>
+      <p:sp>
+        <p:nvSpPr>
+          <p:cNvPr id="3" name="Content Placeholder 2">
+            <a:extLst>
+              <a:ext uri="{FF2B5EF4-FFF2-40B4-BE49-F238E27FC236}">
+                <a16:creationId xmlns:a16="http://schemas.microsoft.com/office/drawing/2014/main" id="{DD5FB579-A0E3-9131-FDE0-9923615C1FF9}"/>
+              </a:ext>
+            </a:extLst>
+          </p:cNvPr>
+          <p:cNvSpPr>
+            <a:spLocks noGrp="1"/>
+          </p:cNvSpPr>
+          <p:nvPr>
+            <p:ph idx="1"/>
+          </p:nvPr>
+        </p:nvSpPr>
+        <p:spPr/>
+        <p:txBody>
+          <a:bodyPr>
+            <a:normAutofit fontScale="92500" lnSpcReduction="20000"/>
+          </a:bodyPr>
+          <a:lstStyle/>
+          <a:p>
+            <a:pPr marL="0" indent="0">
+              <a:buNone/>
+            </a:pPr>
+            <a:r>
+              <a:rPr lang="en-US" dirty="0"/>
+              <a:t>Write a function that calculates the number of characters in each song written by Taylor Swift. Save these in a different series and print them. Also print the highest number of characters that a song had.</a:t>
+            </a:r>
+          </a:p>
+          <a:p>
+            <a:pPr marL="0" indent="0">
+              <a:buNone/>
+            </a:pPr>
+            <a:endParaRPr lang="en-US" dirty="0"/>
+          </a:p>
+          <a:p>
+            <a:pPr marL="0" indent="0">
+              <a:buNone/>
+            </a:pPr>
+            <a:r>
+              <a:rPr lang="en-US" dirty="0"/>
+              <a:t>Input</a:t>
+            </a:r>
+          </a:p>
+          <a:p>
+            <a:pPr marL="0" indent="0">
+              <a:buNone/>
+            </a:pPr>
+            <a:r>
+              <a:rPr lang="en-US" dirty="0"/>
+              <a:t>ser = </a:t>
+            </a:r>
+            <a:r>
+              <a:rPr lang="en-US" dirty="0" err="1"/>
+              <a:t>pd.Series</a:t>
+            </a:r>
+            <a:r>
+              <a:rPr lang="en-US" dirty="0"/>
+              <a:t>(['Clean', 'All Too Well', 'Lover', 'Ivy'])</a:t>
+            </a:r>
+          </a:p>
+          <a:p>
+            <a:pPr marL="0" indent="0">
+              <a:buNone/>
+            </a:pPr>
+            <a:br>
+              <a:rPr lang="en-US" dirty="0"/>
+            </a:br>
+            <a:endParaRPr lang="en-US" dirty="0"/>
+          </a:p>
+          <a:p>
+            <a:pPr marL="0" indent="0">
+              <a:buNone/>
+            </a:pPr>
+            <a:r>
+              <a:rPr lang="en-US" dirty="0"/>
+              <a:t>Desired output</a:t>
+            </a:r>
+          </a:p>
+          <a:p>
+            <a:pPr marL="0" indent="0">
+              <a:buNone/>
+            </a:pPr>
+            <a:r>
+              <a:rPr lang="en-US" dirty="0"/>
+              <a:t>5, 12, 5, 3</a:t>
+            </a:r>
+          </a:p>
+          <a:p>
+            <a:pPr marL="0" indent="0">
+              <a:buNone/>
+            </a:pPr>
+            <a:r>
+              <a:rPr lang="en-US" dirty="0"/>
+              <a:t>12</a:t>
+            </a:r>
+          </a:p>
+          <a:p>
+            <a:pPr marL="0" indent="0">
+              <a:buNone/>
+            </a:pPr>
+            <a:endParaRPr lang="en-US" dirty="0"/>
+          </a:p>
+          <a:p>
+            <a:endParaRPr lang="en-US" dirty="0"/>
+          </a:p>
+        </p:txBody>
+      </p:sp>
+      <p:sp>
+        <p:nvSpPr>
+          <p:cNvPr id="4" name="Slide Number Placeholder 3">
+            <a:extLst>
+              <a:ext uri="{FF2B5EF4-FFF2-40B4-BE49-F238E27FC236}">
+                <a16:creationId xmlns:a16="http://schemas.microsoft.com/office/drawing/2014/main" id="{AE79DCC1-E911-24A4-1197-782092FF1E2E}"/>
+              </a:ext>
+            </a:extLst>
+          </p:cNvPr>
+          <p:cNvSpPr>
+            <a:spLocks noGrp="1"/>
+          </p:cNvSpPr>
+          <p:nvPr>
+            <p:ph type="sldNum" sz="quarter" idx="12"/>
+          </p:nvPr>
+        </p:nvSpPr>
+        <p:spPr/>
+        <p:txBody>
+          <a:bodyPr/>
+          <a:lstStyle/>
+          <a:p>
+            <a:fld id="{491CF4B3-B97C-1B49-985A-93725184CD23}" type="slidenum">
+              <a:rPr lang="en-US" smtClean="0"/>
+              <a:t>9</a:t>
+            </a:fld>
+            <a:endParaRPr lang="en-US"/>
+          </a:p>
+        </p:txBody>
+      </p:sp>
+    </p:spTree>
+    <p:extLst>
+      <p:ext uri="{BB962C8B-B14F-4D97-AF65-F5344CB8AC3E}">
+        <p14:creationId xmlns:p14="http://schemas.microsoft.com/office/powerpoint/2010/main" val="3943293024"/>
       </p:ext>
     </p:extLst>
   </p:cSld>

--- a/Day1/Day1.pptx
+++ b/Day1/Day1.pptx
@@ -17,9 +17,9 @@
     <p:sldId id="262" r:id="rId8"/>
     <p:sldId id="264" r:id="rId9"/>
     <p:sldId id="263" r:id="rId10"/>
-    <p:sldId id="265" r:id="rId11"/>
+    <p:sldId id="268" r:id="rId11"/>
     <p:sldId id="267" r:id="rId12"/>
-    <p:sldId id="268" r:id="rId13"/>
+    <p:sldId id="265" r:id="rId13"/>
     <p:sldId id="269" r:id="rId14"/>
     <p:sldId id="270" r:id="rId15"/>
     <p:sldId id="271" r:id="rId16"/>
@@ -3889,6 +3889,41 @@
           </a:p>
         </p:txBody>
       </p:sp>
+      <p:sp>
+        <p:nvSpPr>
+          <p:cNvPr id="5" name="TextBox 4">
+            <a:extLst>
+              <a:ext uri="{FF2B5EF4-FFF2-40B4-BE49-F238E27FC236}">
+                <a16:creationId xmlns:a16="http://schemas.microsoft.com/office/drawing/2014/main" id="{CD735234-0D99-5E37-F350-40195DBB1E09}"/>
+              </a:ext>
+            </a:extLst>
+          </p:cNvPr>
+          <p:cNvSpPr txBox="1"/>
+          <p:nvPr/>
+        </p:nvSpPr>
+        <p:spPr>
+          <a:xfrm>
+            <a:off x="10668000" y="112304"/>
+            <a:ext cx="2410691" cy="369332"/>
+          </a:xfrm>
+          <a:prstGeom prst="rect">
+            <a:avLst/>
+          </a:prstGeom>
+          <a:noFill/>
+        </p:spPr>
+        <p:txBody>
+          <a:bodyPr wrap="square" rtlCol="0">
+            <a:spAutoFit/>
+          </a:bodyPr>
+          <a:lstStyle/>
+          <a:p>
+            <a:r>
+              <a:rPr lang="en-US" dirty="0"/>
+              <a:t>2022/2023</a:t>
+            </a:r>
+          </a:p>
+        </p:txBody>
+      </p:sp>
     </p:spTree>
     <p:extLst>
       <p:ext uri="{BB962C8B-B14F-4D97-AF65-F5344CB8AC3E}">
@@ -3956,245 +3991,280 @@
       </p:sp>
       <p:sp>
         <p:nvSpPr>
-          <p:cNvPr id="3" name="Content Placeholder 2">
-            <a:extLst>
-              <a:ext uri="{FF2B5EF4-FFF2-40B4-BE49-F238E27FC236}">
-                <a16:creationId xmlns:a16="http://schemas.microsoft.com/office/drawing/2014/main" id="{C525A007-A8EE-CD6D-6800-C06E6CB49CB0}"/>
-              </a:ext>
-            </a:extLst>
-          </p:cNvPr>
-          <p:cNvSpPr>
-            <a:spLocks noGrp="1"/>
-          </p:cNvSpPr>
-          <p:nvPr>
-            <p:ph idx="1"/>
+          <p:cNvPr id="4" name="Slide Number Placeholder 3">
+            <a:extLst>
+              <a:ext uri="{FF2B5EF4-FFF2-40B4-BE49-F238E27FC236}">
+                <a16:creationId xmlns:a16="http://schemas.microsoft.com/office/drawing/2014/main" id="{536DC667-8273-C810-1058-FB32AFE64120}"/>
+              </a:ext>
+            </a:extLst>
+          </p:cNvPr>
+          <p:cNvSpPr>
+            <a:spLocks noGrp="1"/>
+          </p:cNvSpPr>
+          <p:nvPr>
+            <p:ph type="sldNum" sz="quarter" idx="12"/>
           </p:nvPr>
         </p:nvSpPr>
         <p:spPr/>
         <p:txBody>
-          <a:bodyPr>
-            <a:normAutofit/>
-          </a:bodyPr>
-          <a:lstStyle/>
-          <a:p>
-            <a:pPr marL="0" indent="0">
-              <a:buNone/>
-            </a:pPr>
-            <a:endParaRPr lang="en-US" dirty="0"/>
-          </a:p>
-          <a:p>
-            <a:pPr marL="0" indent="0">
-              <a:buNone/>
-            </a:pPr>
-            <a:r>
-              <a:rPr lang="en-GB" dirty="0">
-                <a:effectLst/>
-                <a:latin typeface="Menlo" panose="020B0609030804020204" pitchFamily="49" charset="0"/>
-              </a:rPr>
-              <a:t>def </a:t>
-            </a:r>
-            <a:r>
-              <a:rPr lang="en-GB" dirty="0" err="1">
-                <a:effectLst/>
-                <a:latin typeface="Menlo" panose="020B0609030804020204" pitchFamily="49" charset="0"/>
-              </a:rPr>
-              <a:t>taylor_songs</a:t>
-            </a:r>
-            <a:r>
-              <a:rPr lang="en-GB" dirty="0">
-                <a:effectLst/>
-                <a:latin typeface="Menlo" panose="020B0609030804020204" pitchFamily="49" charset="0"/>
-              </a:rPr>
-              <a:t>(ser)</a:t>
-            </a:r>
-          </a:p>
-          <a:p>
-            <a:pPr marL="0" indent="0">
-              <a:buNone/>
-            </a:pPr>
-            <a:r>
-              <a:rPr lang="en-GB" dirty="0">
-                <a:effectLst/>
-                <a:latin typeface="Menlo" panose="020B0609030804020204" pitchFamily="49" charset="0"/>
-              </a:rPr>
-              <a:t>    </a:t>
-            </a:r>
-            <a:r>
-              <a:rPr lang="en-GB" dirty="0" err="1">
-                <a:effectLst/>
-                <a:latin typeface="Menlo" panose="020B0609030804020204" pitchFamily="49" charset="0"/>
-              </a:rPr>
-              <a:t>taylor_list</a:t>
-            </a:r>
-            <a:r>
-              <a:rPr lang="en-GB" dirty="0">
-                <a:effectLst/>
-                <a:latin typeface="Menlo" panose="020B0609030804020204" pitchFamily="49" charset="0"/>
-              </a:rPr>
-              <a:t> = []</a:t>
-            </a:r>
-          </a:p>
-          <a:p>
-            <a:pPr marL="0" indent="0">
-              <a:buNone/>
-            </a:pPr>
-            <a:r>
-              <a:rPr lang="en-GB" dirty="0">
-                <a:effectLst/>
-                <a:latin typeface="Menlo" panose="020B0609030804020204" pitchFamily="49" charset="0"/>
-              </a:rPr>
-              <a:t>    for x in ser:</a:t>
-            </a:r>
-          </a:p>
-          <a:p>
-            <a:pPr marL="0" indent="0">
-              <a:buNone/>
-            </a:pPr>
-            <a:r>
-              <a:rPr lang="en-GB" dirty="0">
-                <a:effectLst/>
-                <a:latin typeface="Menlo" panose="020B0609030804020204" pitchFamily="49" charset="0"/>
-              </a:rPr>
-              <a:t>        </a:t>
-            </a:r>
-            <a:r>
-              <a:rPr lang="en-GB" dirty="0" err="1">
-                <a:effectLst/>
-                <a:latin typeface="Menlo" panose="020B0609030804020204" pitchFamily="49" charset="0"/>
-              </a:rPr>
-              <a:t>taylor.append</a:t>
-            </a:r>
-            <a:r>
-              <a:rPr lang="en-GB" dirty="0">
-                <a:effectLst/>
-                <a:latin typeface="Menlo" panose="020B0609030804020204" pitchFamily="49" charset="0"/>
-              </a:rPr>
-              <a:t>(</a:t>
-            </a:r>
-            <a:r>
-              <a:rPr lang="en-GB" dirty="0" err="1">
-                <a:effectLst/>
-                <a:latin typeface="Menlo" panose="020B0609030804020204" pitchFamily="49" charset="0"/>
-              </a:rPr>
-              <a:t>len</a:t>
-            </a:r>
-            <a:r>
-              <a:rPr lang="en-GB" dirty="0">
-                <a:effectLst/>
-                <a:latin typeface="Menlo" panose="020B0609030804020204" pitchFamily="49" charset="0"/>
-              </a:rPr>
-              <a:t>(x))</a:t>
-            </a:r>
-          </a:p>
-          <a:p>
-            <a:pPr marL="0" indent="0">
-              <a:buNone/>
-            </a:pPr>
-            <a:r>
-              <a:rPr lang="en-GB" dirty="0">
-                <a:effectLst/>
-                <a:latin typeface="Menlo" panose="020B0609030804020204" pitchFamily="49" charset="0"/>
-              </a:rPr>
-              <a:t>    print(</a:t>
-            </a:r>
-            <a:r>
-              <a:rPr lang="en-GB" dirty="0" err="1">
-                <a:effectLst/>
-                <a:latin typeface="Menlo" panose="020B0609030804020204" pitchFamily="49" charset="0"/>
-              </a:rPr>
-              <a:t>pd.Series</a:t>
-            </a:r>
-            <a:r>
-              <a:rPr lang="en-GB" dirty="0">
-                <a:effectLst/>
-                <a:latin typeface="Menlo" panose="020B0609030804020204" pitchFamily="49" charset="0"/>
-              </a:rPr>
-              <a:t>(</a:t>
-            </a:r>
-            <a:r>
-              <a:rPr lang="en-GB" dirty="0" err="1">
-                <a:effectLst/>
-                <a:latin typeface="Menlo" panose="020B0609030804020204" pitchFamily="49" charset="0"/>
-              </a:rPr>
-              <a:t>taylor_list</a:t>
-            </a:r>
-            <a:r>
-              <a:rPr lang="en-GB" dirty="0">
-                <a:effectLst/>
-                <a:latin typeface="Menlo" panose="020B0609030804020204" pitchFamily="49" charset="0"/>
-              </a:rPr>
-              <a:t>))</a:t>
-            </a:r>
-          </a:p>
-          <a:p>
-            <a:pPr marL="0" indent="0">
-              <a:buNone/>
-            </a:pPr>
-            <a:r>
-              <a:rPr lang="en-US" dirty="0">
-                <a:effectLst/>
-                <a:latin typeface="Menlo" panose="020B0609030804020204" pitchFamily="49" charset="0"/>
-              </a:rPr>
-              <a:t>    </a:t>
-            </a:r>
-            <a:r>
-              <a:rPr lang="en-GB" dirty="0">
-                <a:effectLst/>
-                <a:latin typeface="Menlo" panose="020B0609030804020204" pitchFamily="49" charset="0"/>
-              </a:rPr>
-              <a:t>print(max(</a:t>
-            </a:r>
-            <a:r>
-              <a:rPr lang="en-GB" dirty="0" err="1">
-                <a:effectLst/>
-                <a:latin typeface="Menlo" panose="020B0609030804020204" pitchFamily="49" charset="0"/>
-              </a:rPr>
-              <a:t>taylor_list</a:t>
-            </a:r>
-            <a:r>
-              <a:rPr lang="en-GB" dirty="0">
-                <a:effectLst/>
-                <a:latin typeface="Menlo" panose="020B0609030804020204" pitchFamily="49" charset="0"/>
-              </a:rPr>
-              <a:t>))</a:t>
-            </a:r>
-            <a:endParaRPr lang="en-US" dirty="0"/>
-          </a:p>
-        </p:txBody>
-      </p:sp>
-      <p:sp>
-        <p:nvSpPr>
-          <p:cNvPr id="4" name="Slide Number Placeholder 3">
-            <a:extLst>
-              <a:ext uri="{FF2B5EF4-FFF2-40B4-BE49-F238E27FC236}">
-                <a16:creationId xmlns:a16="http://schemas.microsoft.com/office/drawing/2014/main" id="{536DC667-8273-C810-1058-FB32AFE64120}"/>
-              </a:ext>
-            </a:extLst>
-          </p:cNvPr>
-          <p:cNvSpPr>
-            <a:spLocks noGrp="1"/>
-          </p:cNvSpPr>
-          <p:nvPr>
-            <p:ph type="sldNum" sz="quarter" idx="12"/>
-          </p:nvPr>
-        </p:nvSpPr>
-        <p:spPr/>
-        <p:txBody>
           <a:bodyPr/>
           <a:lstStyle/>
           <a:p>
             <a:fld id="{491CF4B3-B97C-1B49-985A-93725184CD23}" type="slidenum">
-              <a:rPr lang="en-US" smtClean="0"/>
+              <a:rPr lang="en-US" sz="1800" smtClean="0"/>
               <a:t>10</a:t>
             </a:fld>
-            <a:endParaRPr lang="en-US"/>
+            <a:endParaRPr lang="en-US" sz="1800"/>
+          </a:p>
+        </p:txBody>
+      </p:sp>
+      <p:cxnSp>
+        <p:nvCxnSpPr>
+          <p:cNvPr id="5" name="Straight Connector 4">
+            <a:extLst>
+              <a:ext uri="{FF2B5EF4-FFF2-40B4-BE49-F238E27FC236}">
+                <a16:creationId xmlns:a16="http://schemas.microsoft.com/office/drawing/2014/main" id="{B0302CC5-405B-1FC5-8305-32AE8EB28DB4}"/>
+              </a:ext>
+            </a:extLst>
+          </p:cNvPr>
+          <p:cNvCxnSpPr/>
+          <p:nvPr/>
+        </p:nvCxnSpPr>
+        <p:spPr>
+          <a:xfrm>
+            <a:off x="0" y="6190735"/>
+            <a:ext cx="12192000" cy="0"/>
+          </a:xfrm>
+          <a:prstGeom prst="line">
+            <a:avLst/>
+          </a:prstGeom>
+          <a:ln w="76200">
+            <a:solidFill>
+              <a:srgbClr val="002060"/>
+            </a:solidFill>
+          </a:ln>
+        </p:spPr>
+        <p:style>
+          <a:lnRef idx="3">
+            <a:schemeClr val="accent1"/>
+          </a:lnRef>
+          <a:fillRef idx="0">
+            <a:schemeClr val="accent1"/>
+          </a:fillRef>
+          <a:effectRef idx="2">
+            <a:schemeClr val="accent1"/>
+          </a:effectRef>
+          <a:fontRef idx="minor">
+            <a:schemeClr val="tx1"/>
+          </a:fontRef>
+        </p:style>
+      </p:cxnSp>
+      <p:sp>
+        <p:nvSpPr>
+          <p:cNvPr id="7" name="TextBox 6">
+            <a:extLst>
+              <a:ext uri="{FF2B5EF4-FFF2-40B4-BE49-F238E27FC236}">
+                <a16:creationId xmlns:a16="http://schemas.microsoft.com/office/drawing/2014/main" id="{B23A1B98-D611-3248-0F89-1DBBC4EFA569}"/>
+              </a:ext>
+            </a:extLst>
+          </p:cNvPr>
+          <p:cNvSpPr txBox="1"/>
+          <p:nvPr/>
+        </p:nvSpPr>
+        <p:spPr>
+          <a:xfrm>
+            <a:off x="838200" y="1690688"/>
+            <a:ext cx="7959436" cy="3693319"/>
+          </a:xfrm>
+          <a:prstGeom prst="rect">
+            <a:avLst/>
+          </a:prstGeom>
+          <a:noFill/>
+        </p:spPr>
+        <p:txBody>
+          <a:bodyPr wrap="square">
+            <a:spAutoFit/>
+          </a:bodyPr>
+          <a:lstStyle/>
+          <a:p>
+            <a:r>
+              <a:rPr lang="en-GB" b="0" dirty="0">
+                <a:effectLst/>
+                <a:latin typeface="Menlo" panose="020B0609030804020204" pitchFamily="49" charset="0"/>
+              </a:rPr>
+              <a:t>Import numpy as np</a:t>
+            </a:r>
+          </a:p>
+          <a:p>
+            <a:r>
+              <a:rPr lang="en-GB" dirty="0">
+                <a:latin typeface="Menlo" panose="020B0609030804020204" pitchFamily="49" charset="0"/>
+              </a:rPr>
+              <a:t>Import pandas as pd</a:t>
+            </a:r>
+          </a:p>
+          <a:p>
+            <a:endParaRPr lang="en-GB" b="0" i="1" dirty="0">
+              <a:effectLst/>
+              <a:latin typeface="Menlo" panose="020B0609030804020204" pitchFamily="49" charset="0"/>
+            </a:endParaRPr>
+          </a:p>
+          <a:p>
+            <a:r>
+              <a:rPr lang="en-GB" b="0" i="1" dirty="0">
+                <a:effectLst/>
+                <a:latin typeface="Menlo" panose="020B0609030804020204" pitchFamily="49" charset="0"/>
+              </a:rPr>
+              <a:t>def</a:t>
+            </a:r>
+            <a:r>
+              <a:rPr lang="en-GB" b="0" dirty="0">
+                <a:effectLst/>
+                <a:latin typeface="Menlo" panose="020B0609030804020204" pitchFamily="49" charset="0"/>
+              </a:rPr>
+              <a:t> character_songs(</a:t>
+            </a:r>
+            <a:r>
+              <a:rPr lang="en-GB" b="0" i="1" dirty="0">
+                <a:effectLst/>
+                <a:latin typeface="Menlo" panose="020B0609030804020204" pitchFamily="49" charset="0"/>
+              </a:rPr>
+              <a:t>path_to_file</a:t>
+            </a:r>
+            <a:r>
+              <a:rPr lang="en-GB" b="0" dirty="0">
+                <a:effectLst/>
+                <a:latin typeface="Menlo" panose="020B0609030804020204" pitchFamily="49" charset="0"/>
+              </a:rPr>
+              <a:t>, </a:t>
+            </a:r>
+            <a:r>
+              <a:rPr lang="en-GB" b="0" i="1" dirty="0">
+                <a:effectLst/>
+                <a:latin typeface="Menlo" panose="020B0609030804020204" pitchFamily="49" charset="0"/>
+              </a:rPr>
+              <a:t>col_title</a:t>
+            </a:r>
+            <a:r>
+              <a:rPr lang="en-GB" b="0" dirty="0">
+                <a:effectLst/>
+                <a:latin typeface="Menlo" panose="020B0609030804020204" pitchFamily="49" charset="0"/>
+              </a:rPr>
+              <a:t>):</a:t>
+            </a:r>
+          </a:p>
+          <a:p>
+            <a:r>
+              <a:rPr lang="en-GB" b="0" dirty="0">
+                <a:effectLst/>
+                <a:latin typeface="Menlo" panose="020B0609030804020204" pitchFamily="49" charset="0"/>
+              </a:rPr>
+              <a:t>	df = pd.read_csv(</a:t>
+            </a:r>
+            <a:r>
+              <a:rPr lang="en-GB" b="0" i="1" dirty="0">
+                <a:effectLst/>
+                <a:latin typeface="Menlo" panose="020B0609030804020204" pitchFamily="49" charset="0"/>
+              </a:rPr>
+              <a:t>path_to_file</a:t>
+            </a:r>
+            <a:r>
+              <a:rPr lang="en-GB" b="0" dirty="0">
+                <a:effectLst/>
+                <a:latin typeface="Menlo" panose="020B0609030804020204" pitchFamily="49" charset="0"/>
+              </a:rPr>
+              <a:t>)</a:t>
+            </a:r>
+          </a:p>
+          <a:p>
+            <a:r>
+              <a:rPr lang="en-GB" b="0" dirty="0">
+                <a:effectLst/>
+                <a:latin typeface="Menlo" panose="020B0609030804020204" pitchFamily="49" charset="0"/>
+              </a:rPr>
+              <a:t>	songs_title = df[</a:t>
+            </a:r>
+            <a:r>
+              <a:rPr lang="en-GB" b="0" i="1" dirty="0">
+                <a:effectLst/>
+                <a:latin typeface="Menlo" panose="020B0609030804020204" pitchFamily="49" charset="0"/>
+              </a:rPr>
+              <a:t>col_title</a:t>
+            </a:r>
+            <a:r>
+              <a:rPr lang="en-GB" b="0" dirty="0">
+                <a:effectLst/>
+                <a:latin typeface="Menlo" panose="020B0609030804020204" pitchFamily="49" charset="0"/>
+              </a:rPr>
+              <a:t>]</a:t>
+            </a:r>
+          </a:p>
+          <a:p>
+            <a:r>
+              <a:rPr lang="en-GB" b="0" dirty="0">
+                <a:effectLst/>
+                <a:latin typeface="Menlo" panose="020B0609030804020204" pitchFamily="49" charset="0"/>
+              </a:rPr>
+              <a:t>	lengths_songs = []</a:t>
+            </a:r>
+          </a:p>
+          <a:p>
+            <a:r>
+              <a:rPr lang="en-GB" b="0" dirty="0">
+                <a:effectLst/>
+                <a:latin typeface="Menlo" panose="020B0609030804020204" pitchFamily="49" charset="0"/>
+              </a:rPr>
+              <a:t>	for song in songs_title:</a:t>
+            </a:r>
+          </a:p>
+          <a:p>
+            <a:r>
+              <a:rPr lang="en-GB" b="0" dirty="0">
+                <a:effectLst/>
+                <a:latin typeface="Menlo" panose="020B0609030804020204" pitchFamily="49" charset="0"/>
+              </a:rPr>
+              <a:t>		lengths_songs.append(len(song))</a:t>
+            </a:r>
+          </a:p>
+          <a:p>
+            <a:r>
+              <a:rPr lang="en-GB" b="0" dirty="0">
+                <a:effectLst/>
+                <a:latin typeface="Menlo" panose="020B0609030804020204" pitchFamily="49" charset="0"/>
+              </a:rPr>
+              <a:t>	print(pd.Series(lengths_songs))</a:t>
+            </a:r>
+          </a:p>
+          <a:p>
+            <a:r>
+              <a:rPr lang="en-GB" b="0" dirty="0">
+                <a:effectLst/>
+                <a:latin typeface="Menlo" panose="020B0609030804020204" pitchFamily="49" charset="0"/>
+              </a:rPr>
+              <a:t>	print(np.max(lengths_songs))</a:t>
+            </a:r>
+          </a:p>
+          <a:p>
+            <a:br>
+              <a:rPr lang="en-GB" b="0" dirty="0">
+                <a:effectLst/>
+                <a:latin typeface="Menlo" panose="020B0609030804020204" pitchFamily="49" charset="0"/>
+              </a:rPr>
+            </a:br>
+            <a:r>
+              <a:rPr lang="en-GB" b="0" dirty="0">
+                <a:effectLst/>
+                <a:latin typeface="Menlo" panose="020B0609030804020204" pitchFamily="49" charset="0"/>
+              </a:rPr>
+              <a:t>character_songs("Data/spotify_taylorswift.csv", "name")</a:t>
+            </a:r>
           </a:p>
         </p:txBody>
       </p:sp>
     </p:spTree>
     <p:extLst>
       <p:ext uri="{BB962C8B-B14F-4D97-AF65-F5344CB8AC3E}">
-        <p14:creationId xmlns:p14="http://schemas.microsoft.com/office/powerpoint/2010/main" val="385179709"/>
+        <p14:creationId xmlns:p14="http://schemas.microsoft.com/office/powerpoint/2010/main" val="966384035"/>
       </p:ext>
     </p:extLst>
   </p:cSld>
@@ -4237,7 +4307,12 @@
             <p:ph type="title"/>
           </p:nvPr>
         </p:nvSpPr>
-        <p:spPr/>
+        <p:spPr>
+          <a:xfrm>
+            <a:off x="838199" y="365125"/>
+            <a:ext cx="10949247" cy="1325563"/>
+          </a:xfrm>
+        </p:spPr>
         <p:txBody>
           <a:bodyPr/>
           <a:lstStyle/>
@@ -4250,7 +4325,7 @@
                   </a:schemeClr>
                 </a:solidFill>
               </a:rPr>
-              <a:t>Exercise 3: Taylor Swift Songs</a:t>
+              <a:t>Exercise 3: popularity more than average</a:t>
             </a:r>
             <a:r>
               <a:rPr lang="en-US" dirty="0"/>
@@ -4275,132 +4350,174 @@
             <p:ph idx="1"/>
           </p:nvPr>
         </p:nvSpPr>
+        <p:spPr>
+          <a:xfrm>
+            <a:off x="838200" y="1673783"/>
+            <a:ext cx="11132127" cy="4351338"/>
+          </a:xfrm>
+        </p:spPr>
+        <p:txBody>
+          <a:bodyPr>
+            <a:normAutofit/>
+          </a:bodyPr>
+          <a:lstStyle/>
+          <a:p>
+            <a:pPr marL="0" indent="0">
+              <a:buNone/>
+            </a:pPr>
+            <a:r>
+              <a:rPr lang="en-US" sz="2400" dirty="0"/>
+              <a:t>Write a function that goes through each one of Taylor’s songs and prints the names of all the ones which have higher than average popularity.</a:t>
+            </a:r>
+          </a:p>
+          <a:p>
+            <a:pPr marL="0" indent="0">
+              <a:buNone/>
+            </a:pPr>
+            <a:endParaRPr lang="en-US" sz="2400" dirty="0"/>
+          </a:p>
+          <a:p>
+            <a:pPr marL="0" indent="0">
+              <a:buNone/>
+            </a:pPr>
+            <a:r>
+              <a:rPr lang="en-US" sz="2400" b="1" dirty="0">
+                <a:solidFill>
+                  <a:srgbClr val="002060"/>
+                </a:solidFill>
+              </a:rPr>
+              <a:t>Input: </a:t>
+            </a:r>
+            <a:r>
+              <a:rPr lang="en-US" sz="2400" dirty="0"/>
+              <a:t>("Data/spotify_taylorswift.csv", "popularity", "name”)</a:t>
+            </a:r>
+          </a:p>
+          <a:p>
+            <a:pPr marL="0" indent="0">
+              <a:buNone/>
+            </a:pPr>
+            <a:r>
+              <a:rPr lang="en-US" sz="2400" dirty="0"/>
+              <a:t>Example songs = pd.Series(['Clean', 'All Too Well', 'Lover', 'Ivy’])</a:t>
+            </a:r>
+          </a:p>
+          <a:p>
+            <a:pPr marL="0" indent="0">
+              <a:buNone/>
+            </a:pPr>
+            <a:r>
+              <a:rPr lang="en-US" sz="2400" dirty="0"/>
+              <a:t>Example popularity = pd.Series([0.2, 0.6, 0.8, 0.4])</a:t>
+            </a:r>
+            <a:br>
+              <a:rPr lang="en-US" sz="2400" dirty="0"/>
+            </a:br>
+            <a:endParaRPr lang="en-US" sz="2400" dirty="0"/>
+          </a:p>
+          <a:p>
+            <a:pPr marL="0" indent="0">
+              <a:buNone/>
+            </a:pPr>
+            <a:r>
+              <a:rPr lang="en-US" sz="2400" b="1" dirty="0">
+                <a:solidFill>
+                  <a:srgbClr val="002060"/>
+                </a:solidFill>
+              </a:rPr>
+              <a:t>Desired output:</a:t>
+            </a:r>
+          </a:p>
+          <a:p>
+            <a:pPr marL="0" indent="0">
+              <a:buNone/>
+            </a:pPr>
+            <a:r>
+              <a:rPr lang="en-US" sz="2400" dirty="0"/>
+              <a:t>All Too Well, Lover</a:t>
+            </a:r>
+          </a:p>
+          <a:p>
+            <a:pPr marL="0" indent="0">
+              <a:buNone/>
+            </a:pPr>
+            <a:endParaRPr lang="en-US" sz="2400" dirty="0"/>
+          </a:p>
+          <a:p>
+            <a:endParaRPr lang="en-US" sz="2400" dirty="0"/>
+          </a:p>
+        </p:txBody>
+      </p:sp>
+      <p:sp>
+        <p:nvSpPr>
+          <p:cNvPr id="4" name="Slide Number Placeholder 3">
+            <a:extLst>
+              <a:ext uri="{FF2B5EF4-FFF2-40B4-BE49-F238E27FC236}">
+                <a16:creationId xmlns:a16="http://schemas.microsoft.com/office/drawing/2014/main" id="{AE79DCC1-E911-24A4-1197-782092FF1E2E}"/>
+              </a:ext>
+            </a:extLst>
+          </p:cNvPr>
+          <p:cNvSpPr>
+            <a:spLocks noGrp="1"/>
+          </p:cNvSpPr>
+          <p:nvPr>
+            <p:ph type="sldNum" sz="quarter" idx="12"/>
+          </p:nvPr>
+        </p:nvSpPr>
         <p:spPr/>
         <p:txBody>
-          <a:bodyPr>
-            <a:normAutofit lnSpcReduction="10000"/>
-          </a:bodyPr>
-          <a:lstStyle/>
-          <a:p>
-            <a:pPr marL="0" indent="0">
-              <a:buNone/>
-            </a:pPr>
-            <a:r>
-              <a:rPr lang="en-US" dirty="0"/>
-              <a:t>Write a function that goes through each one of Taylor’s songs and prints the names of all the ones which have higher than average popularity.</a:t>
-            </a:r>
-          </a:p>
-          <a:p>
-            <a:pPr marL="0" indent="0">
-              <a:buNone/>
-            </a:pPr>
-            <a:endParaRPr lang="en-US" dirty="0"/>
-          </a:p>
-          <a:p>
-            <a:pPr marL="0" indent="0">
-              <a:buNone/>
-            </a:pPr>
-            <a:r>
-              <a:rPr lang="en-US" dirty="0"/>
-              <a:t>Input</a:t>
-            </a:r>
-          </a:p>
-          <a:p>
-            <a:pPr marL="0" indent="0">
-              <a:buNone/>
-            </a:pPr>
-            <a:r>
-              <a:rPr lang="en-US" dirty="0"/>
-              <a:t>ser = </a:t>
-            </a:r>
-            <a:r>
-              <a:rPr lang="en-US" dirty="0" err="1"/>
-              <a:t>pd.Series</a:t>
-            </a:r>
-            <a:r>
-              <a:rPr lang="en-US" dirty="0"/>
-              <a:t>(['Clean', 'All Too Well', 'Lover', 'Ivy’])</a:t>
-            </a:r>
-          </a:p>
-          <a:p>
-            <a:pPr marL="0" indent="0">
-              <a:buNone/>
-            </a:pPr>
-            <a:r>
-              <a:rPr lang="en-US" dirty="0"/>
-              <a:t>popularity = </a:t>
-            </a:r>
-            <a:r>
-              <a:rPr lang="en-US" dirty="0" err="1"/>
-              <a:t>pd.Series</a:t>
-            </a:r>
-            <a:r>
-              <a:rPr lang="en-US" dirty="0"/>
-              <a:t>([0.2, 0.6, 0.8, 0.4])</a:t>
-            </a:r>
-            <a:br>
-              <a:rPr lang="en-US" dirty="0"/>
-            </a:br>
-            <a:endParaRPr lang="en-US" dirty="0"/>
-          </a:p>
-          <a:p>
-            <a:pPr marL="0" indent="0">
-              <a:buNone/>
-            </a:pPr>
-            <a:r>
-              <a:rPr lang="en-US" dirty="0"/>
-              <a:t>Desired output</a:t>
-            </a:r>
-          </a:p>
-          <a:p>
-            <a:pPr marL="0" indent="0">
-              <a:buNone/>
-            </a:pPr>
-            <a:r>
-              <a:rPr lang="en-US" dirty="0"/>
-              <a:t>All Too Well, Lover</a:t>
-            </a:r>
-          </a:p>
-          <a:p>
-            <a:pPr marL="0" indent="0">
-              <a:buNone/>
-            </a:pPr>
-            <a:endParaRPr lang="en-US" dirty="0"/>
-          </a:p>
-          <a:p>
-            <a:endParaRPr lang="en-US" dirty="0"/>
-          </a:p>
-        </p:txBody>
-      </p:sp>
-      <p:sp>
-        <p:nvSpPr>
-          <p:cNvPr id="4" name="Slide Number Placeholder 3">
-            <a:extLst>
-              <a:ext uri="{FF2B5EF4-FFF2-40B4-BE49-F238E27FC236}">
-                <a16:creationId xmlns:a16="http://schemas.microsoft.com/office/drawing/2014/main" id="{AE79DCC1-E911-24A4-1197-782092FF1E2E}"/>
-              </a:ext>
-            </a:extLst>
-          </p:cNvPr>
-          <p:cNvSpPr>
-            <a:spLocks noGrp="1"/>
-          </p:cNvSpPr>
-          <p:nvPr>
-            <p:ph type="sldNum" sz="quarter" idx="12"/>
-          </p:nvPr>
-        </p:nvSpPr>
-        <p:spPr/>
-        <p:txBody>
           <a:bodyPr/>
           <a:lstStyle/>
           <a:p>
             <a:fld id="{491CF4B3-B97C-1B49-985A-93725184CD23}" type="slidenum">
-              <a:rPr lang="en-US" smtClean="0"/>
+              <a:rPr lang="en-US" sz="1800" smtClean="0"/>
               <a:t>11</a:t>
             </a:fld>
-            <a:endParaRPr lang="en-US"/>
-          </a:p>
-        </p:txBody>
-      </p:sp>
+            <a:endParaRPr lang="en-US" sz="1800"/>
+          </a:p>
+        </p:txBody>
+      </p:sp>
+      <p:cxnSp>
+        <p:nvCxnSpPr>
+          <p:cNvPr id="5" name="Straight Connector 4">
+            <a:extLst>
+              <a:ext uri="{FF2B5EF4-FFF2-40B4-BE49-F238E27FC236}">
+                <a16:creationId xmlns:a16="http://schemas.microsoft.com/office/drawing/2014/main" id="{3A145ECE-D882-C127-EF2A-989CD742C917}"/>
+              </a:ext>
+            </a:extLst>
+          </p:cNvPr>
+          <p:cNvCxnSpPr/>
+          <p:nvPr/>
+        </p:nvCxnSpPr>
+        <p:spPr>
+          <a:xfrm>
+            <a:off x="0" y="6190735"/>
+            <a:ext cx="12192000" cy="0"/>
+          </a:xfrm>
+          <a:prstGeom prst="line">
+            <a:avLst/>
+          </a:prstGeom>
+          <a:ln w="76200">
+            <a:solidFill>
+              <a:srgbClr val="002060"/>
+            </a:solidFill>
+          </a:ln>
+        </p:spPr>
+        <p:style>
+          <a:lnRef idx="3">
+            <a:schemeClr val="accent1"/>
+          </a:lnRef>
+          <a:fillRef idx="0">
+            <a:schemeClr val="accent1"/>
+          </a:fillRef>
+          <a:effectRef idx="2">
+            <a:schemeClr val="accent1"/>
+          </a:effectRef>
+          <a:fontRef idx="minor">
+            <a:schemeClr val="tx1"/>
+          </a:fontRef>
+        </p:style>
+      </p:cxnSp>
     </p:spTree>
     <p:extLst>
       <p:ext uri="{BB962C8B-B14F-4D97-AF65-F5344CB8AC3E}">
@@ -4468,67 +4585,295 @@
       </p:sp>
       <p:sp>
         <p:nvSpPr>
-          <p:cNvPr id="3" name="Content Placeholder 2">
-            <a:extLst>
-              <a:ext uri="{FF2B5EF4-FFF2-40B4-BE49-F238E27FC236}">
-                <a16:creationId xmlns:a16="http://schemas.microsoft.com/office/drawing/2014/main" id="{C525A007-A8EE-CD6D-6800-C06E6CB49CB0}"/>
-              </a:ext>
-            </a:extLst>
-          </p:cNvPr>
-          <p:cNvSpPr>
-            <a:spLocks noGrp="1"/>
-          </p:cNvSpPr>
-          <p:nvPr>
-            <p:ph idx="1"/>
+          <p:cNvPr id="4" name="Slide Number Placeholder 3">
+            <a:extLst>
+              <a:ext uri="{FF2B5EF4-FFF2-40B4-BE49-F238E27FC236}">
+                <a16:creationId xmlns:a16="http://schemas.microsoft.com/office/drawing/2014/main" id="{536DC667-8273-C810-1058-FB32AFE64120}"/>
+              </a:ext>
+            </a:extLst>
+          </p:cNvPr>
+          <p:cNvSpPr>
+            <a:spLocks noGrp="1"/>
+          </p:cNvSpPr>
+          <p:nvPr>
+            <p:ph type="sldNum" sz="quarter" idx="12"/>
           </p:nvPr>
         </p:nvSpPr>
         <p:spPr/>
         <p:txBody>
-          <a:bodyPr>
-            <a:normAutofit/>
-          </a:bodyPr>
-          <a:lstStyle/>
-          <a:p>
-            <a:pPr marL="0" indent="0">
-              <a:buNone/>
-            </a:pPr>
-            <a:endParaRPr lang="en-US" dirty="0"/>
-          </a:p>
-        </p:txBody>
-      </p:sp>
-      <p:sp>
-        <p:nvSpPr>
-          <p:cNvPr id="4" name="Slide Number Placeholder 3">
-            <a:extLst>
-              <a:ext uri="{FF2B5EF4-FFF2-40B4-BE49-F238E27FC236}">
-                <a16:creationId xmlns:a16="http://schemas.microsoft.com/office/drawing/2014/main" id="{536DC667-8273-C810-1058-FB32AFE64120}"/>
-              </a:ext>
-            </a:extLst>
-          </p:cNvPr>
-          <p:cNvSpPr>
-            <a:spLocks noGrp="1"/>
-          </p:cNvSpPr>
-          <p:nvPr>
-            <p:ph type="sldNum" sz="quarter" idx="12"/>
-          </p:nvPr>
-        </p:nvSpPr>
-        <p:spPr/>
-        <p:txBody>
           <a:bodyPr/>
           <a:lstStyle/>
           <a:p>
             <a:fld id="{491CF4B3-B97C-1B49-985A-93725184CD23}" type="slidenum">
-              <a:rPr lang="en-US" smtClean="0"/>
+              <a:rPr lang="en-US" sz="1800" smtClean="0"/>
               <a:t>12</a:t>
             </a:fld>
-            <a:endParaRPr lang="en-US"/>
+            <a:endParaRPr lang="en-US" sz="1800"/>
+          </a:p>
+        </p:txBody>
+      </p:sp>
+      <p:cxnSp>
+        <p:nvCxnSpPr>
+          <p:cNvPr id="5" name="Straight Connector 4">
+            <a:extLst>
+              <a:ext uri="{FF2B5EF4-FFF2-40B4-BE49-F238E27FC236}">
+                <a16:creationId xmlns:a16="http://schemas.microsoft.com/office/drawing/2014/main" id="{2B0F9282-D53A-1635-D56F-2BFB06C2D21D}"/>
+              </a:ext>
+            </a:extLst>
+          </p:cNvPr>
+          <p:cNvCxnSpPr/>
+          <p:nvPr/>
+        </p:nvCxnSpPr>
+        <p:spPr>
+          <a:xfrm>
+            <a:off x="0" y="6190735"/>
+            <a:ext cx="12192000" cy="0"/>
+          </a:xfrm>
+          <a:prstGeom prst="line">
+            <a:avLst/>
+          </a:prstGeom>
+          <a:ln w="76200">
+            <a:solidFill>
+              <a:srgbClr val="002060"/>
+            </a:solidFill>
+          </a:ln>
+        </p:spPr>
+        <p:style>
+          <a:lnRef idx="3">
+            <a:schemeClr val="accent1"/>
+          </a:lnRef>
+          <a:fillRef idx="0">
+            <a:schemeClr val="accent1"/>
+          </a:fillRef>
+          <a:effectRef idx="2">
+            <a:schemeClr val="accent1"/>
+          </a:effectRef>
+          <a:fontRef idx="minor">
+            <a:schemeClr val="tx1"/>
+          </a:fontRef>
+        </p:style>
+      </p:cxnSp>
+      <p:sp>
+        <p:nvSpPr>
+          <p:cNvPr id="9" name="TextBox 8">
+            <a:extLst>
+              <a:ext uri="{FF2B5EF4-FFF2-40B4-BE49-F238E27FC236}">
+                <a16:creationId xmlns:a16="http://schemas.microsoft.com/office/drawing/2014/main" id="{F29ADB77-FF7B-CB7B-1874-1F19CFACB79B}"/>
+              </a:ext>
+            </a:extLst>
+          </p:cNvPr>
+          <p:cNvSpPr txBox="1"/>
+          <p:nvPr/>
+        </p:nvSpPr>
+        <p:spPr>
+          <a:xfrm>
+            <a:off x="964276" y="1980060"/>
+            <a:ext cx="10389524" cy="2862322"/>
+          </a:xfrm>
+          <a:prstGeom prst="rect">
+            <a:avLst/>
+          </a:prstGeom>
+          <a:noFill/>
+        </p:spPr>
+        <p:txBody>
+          <a:bodyPr wrap="square">
+            <a:spAutoFit/>
+          </a:bodyPr>
+          <a:lstStyle/>
+          <a:p>
+            <a:r>
+              <a:rPr lang="en-GB" b="0" dirty="0">
+                <a:effectLst/>
+                <a:latin typeface="Menlo" panose="020B0609030804020204" pitchFamily="49" charset="0"/>
+              </a:rPr>
+              <a:t>Import pandas as pd</a:t>
+            </a:r>
+          </a:p>
+          <a:p>
+            <a:r>
+              <a:rPr lang="en-GB" dirty="0">
+                <a:latin typeface="Menlo" panose="020B0609030804020204" pitchFamily="49" charset="0"/>
+              </a:rPr>
+              <a:t>Import numpy as np</a:t>
+            </a:r>
+          </a:p>
+          <a:p>
+            <a:endParaRPr lang="en-GB" b="0" i="1" dirty="0">
+              <a:effectLst/>
+              <a:latin typeface="Menlo" panose="020B0609030804020204" pitchFamily="49" charset="0"/>
+            </a:endParaRPr>
+          </a:p>
+          <a:p>
+            <a:r>
+              <a:rPr lang="en-GB" b="0" i="1" dirty="0">
+                <a:effectLst/>
+                <a:latin typeface="Menlo" panose="020B0609030804020204" pitchFamily="49" charset="0"/>
+              </a:rPr>
+              <a:t>def</a:t>
+            </a:r>
+            <a:r>
+              <a:rPr lang="en-GB" b="0" dirty="0">
+                <a:effectLst/>
+                <a:latin typeface="Menlo" panose="020B0609030804020204" pitchFamily="49" charset="0"/>
+              </a:rPr>
+              <a:t> more_popular(</a:t>
+            </a:r>
+            <a:r>
+              <a:rPr lang="en-GB" b="0" i="1" dirty="0">
+                <a:effectLst/>
+                <a:latin typeface="Menlo" panose="020B0609030804020204" pitchFamily="49" charset="0"/>
+              </a:rPr>
+              <a:t>path_to_file</a:t>
+            </a:r>
+            <a:r>
+              <a:rPr lang="en-GB" b="0" dirty="0">
+                <a:effectLst/>
+                <a:latin typeface="Menlo" panose="020B0609030804020204" pitchFamily="49" charset="0"/>
+              </a:rPr>
+              <a:t>, </a:t>
+            </a:r>
+            <a:r>
+              <a:rPr lang="en-GB" b="0" i="1" dirty="0">
+                <a:effectLst/>
+                <a:latin typeface="Menlo" panose="020B0609030804020204" pitchFamily="49" charset="0"/>
+              </a:rPr>
+              <a:t>col_popularity</a:t>
+            </a:r>
+            <a:r>
+              <a:rPr lang="en-GB" b="0" dirty="0">
+                <a:effectLst/>
+                <a:latin typeface="Menlo" panose="020B0609030804020204" pitchFamily="49" charset="0"/>
+              </a:rPr>
+              <a:t>, </a:t>
+            </a:r>
+            <a:r>
+              <a:rPr lang="en-GB" b="0" i="1" dirty="0">
+                <a:effectLst/>
+                <a:latin typeface="Menlo" panose="020B0609030804020204" pitchFamily="49" charset="0"/>
+              </a:rPr>
+              <a:t>col_title</a:t>
+            </a:r>
+            <a:r>
+              <a:rPr lang="en-GB" b="0" dirty="0">
+                <a:effectLst/>
+                <a:latin typeface="Menlo" panose="020B0609030804020204" pitchFamily="49" charset="0"/>
+              </a:rPr>
+              <a:t>):</a:t>
+            </a:r>
+          </a:p>
+          <a:p>
+            <a:r>
+              <a:rPr lang="en-GB" b="0" dirty="0">
+                <a:effectLst/>
+                <a:latin typeface="Menlo" panose="020B0609030804020204" pitchFamily="49" charset="0"/>
+              </a:rPr>
+              <a:t>	df = pd.read_csv(</a:t>
+            </a:r>
+            <a:r>
+              <a:rPr lang="en-GB" b="0" i="1" dirty="0">
+                <a:effectLst/>
+                <a:latin typeface="Menlo" panose="020B0609030804020204" pitchFamily="49" charset="0"/>
+              </a:rPr>
+              <a:t>path_to_file</a:t>
+            </a:r>
+            <a:r>
+              <a:rPr lang="en-GB" b="0" dirty="0">
+                <a:effectLst/>
+                <a:latin typeface="Menlo" panose="020B0609030804020204" pitchFamily="49" charset="0"/>
+              </a:rPr>
+              <a:t>)</a:t>
+            </a:r>
+          </a:p>
+          <a:p>
+            <a:r>
+              <a:rPr lang="en-GB" b="0" dirty="0">
+                <a:effectLst/>
+                <a:latin typeface="Menlo" panose="020B0609030804020204" pitchFamily="49" charset="0"/>
+              </a:rPr>
+              <a:t>	average = np.mean(df[</a:t>
+            </a:r>
+            <a:r>
+              <a:rPr lang="en-GB" b="0" i="1" dirty="0">
+                <a:effectLst/>
+                <a:latin typeface="Menlo" panose="020B0609030804020204" pitchFamily="49" charset="0"/>
+              </a:rPr>
+              <a:t>col_popularity</a:t>
+            </a:r>
+            <a:r>
+              <a:rPr lang="en-GB" b="0" dirty="0">
+                <a:effectLst/>
+                <a:latin typeface="Menlo" panose="020B0609030804020204" pitchFamily="49" charset="0"/>
+              </a:rPr>
+              <a:t>])</a:t>
+            </a:r>
+          </a:p>
+          <a:p>
+            <a:r>
+              <a:rPr lang="en-GB" b="0" dirty="0">
+                <a:effectLst/>
+                <a:latin typeface="Menlo" panose="020B0609030804020204" pitchFamily="49" charset="0"/>
+              </a:rPr>
+              <a:t>	df_popular = df[df[</a:t>
+            </a:r>
+            <a:r>
+              <a:rPr lang="en-GB" b="0" i="1" dirty="0">
+                <a:effectLst/>
+                <a:latin typeface="Menlo" panose="020B0609030804020204" pitchFamily="49" charset="0"/>
+              </a:rPr>
+              <a:t>col_popularity</a:t>
+            </a:r>
+            <a:r>
+              <a:rPr lang="en-GB" b="0" dirty="0">
+                <a:effectLst/>
+                <a:latin typeface="Menlo" panose="020B0609030804020204" pitchFamily="49" charset="0"/>
+              </a:rPr>
+              <a:t>] &gt; average][</a:t>
+            </a:r>
+            <a:r>
+              <a:rPr lang="en-GB" b="0" i="1" dirty="0">
+                <a:effectLst/>
+                <a:latin typeface="Menlo" panose="020B0609030804020204" pitchFamily="49" charset="0"/>
+              </a:rPr>
+              <a:t>col_title</a:t>
+            </a:r>
+            <a:r>
+              <a:rPr lang="en-GB" b="0" dirty="0">
+                <a:effectLst/>
+                <a:latin typeface="Menlo" panose="020B0609030804020204" pitchFamily="49" charset="0"/>
+              </a:rPr>
+              <a:t>]</a:t>
+            </a:r>
+          </a:p>
+          <a:p>
+            <a:r>
+              <a:rPr lang="en-GB" b="0" dirty="0">
+                <a:effectLst/>
+                <a:latin typeface="Menlo" panose="020B0609030804020204" pitchFamily="49" charset="0"/>
+              </a:rPr>
+              <a:t>	print(df_popular.tolist())</a:t>
+            </a:r>
+          </a:p>
+          <a:p>
+            <a:br>
+              <a:rPr lang="en-GB" b="0" dirty="0">
+                <a:effectLst/>
+                <a:latin typeface="Menlo" panose="020B0609030804020204" pitchFamily="49" charset="0"/>
+              </a:rPr>
+            </a:br>
+            <a:r>
+              <a:rPr lang="en-GB" b="0" dirty="0">
+                <a:effectLst/>
+                <a:latin typeface="Menlo" panose="020B0609030804020204" pitchFamily="49" charset="0"/>
+              </a:rPr>
+              <a:t>more_popular("Data/spotify_taylorswift.csv", "popularity", "name")</a:t>
+            </a:r>
           </a:p>
         </p:txBody>
       </p:sp>
     </p:spTree>
     <p:extLst>
       <p:ext uri="{BB962C8B-B14F-4D97-AF65-F5344CB8AC3E}">
-        <p14:creationId xmlns:p14="http://schemas.microsoft.com/office/powerpoint/2010/main" val="966384035"/>
+        <p14:creationId xmlns:p14="http://schemas.microsoft.com/office/powerpoint/2010/main" val="385179709"/>
       </p:ext>
     </p:extLst>
   </p:cSld>
@@ -4609,7 +4954,12 @@
             <p:ph idx="1"/>
           </p:nvPr>
         </p:nvSpPr>
-        <p:spPr/>
+        <p:spPr>
+          <a:xfrm>
+            <a:off x="954578" y="2015889"/>
+            <a:ext cx="10515600" cy="4351338"/>
+          </a:xfrm>
+        </p:spPr>
         <p:txBody>
           <a:bodyPr>
             <a:normAutofit/>
@@ -4620,41 +4970,45 @@
               <a:buNone/>
             </a:pPr>
             <a:r>
-              <a:rPr lang="en-US" dirty="0"/>
+              <a:rPr lang="en-US" sz="2400" dirty="0"/>
               <a:t>Write a function that prints the words that contain at least 2 vowels from a series.</a:t>
             </a:r>
             <a:br>
-              <a:rPr lang="en-US" dirty="0"/>
+              <a:rPr lang="en-US" sz="2400" dirty="0"/>
             </a:br>
-            <a:endParaRPr lang="en-US" dirty="0"/>
+            <a:endParaRPr lang="en-US" sz="2400" dirty="0"/>
           </a:p>
           <a:p>
             <a:pPr marL="0" indent="0">
               <a:buNone/>
             </a:pPr>
             <a:r>
-              <a:rPr lang="en-US" dirty="0"/>
-              <a:t>ser = </a:t>
-            </a:r>
-            <a:r>
-              <a:rPr lang="en-US" dirty="0" err="1"/>
-              <a:t>pd.Series</a:t>
-            </a:r>
-            <a:r>
-              <a:rPr lang="en-US" dirty="0"/>
-              <a:t>(['Apple', 'Orange', 'Plan', 'Python', 'Money'])</a:t>
+              <a:rPr lang="en-US" sz="2400" b="1" dirty="0">
+                <a:solidFill>
+                  <a:srgbClr val="002060"/>
+                </a:solidFill>
+              </a:rPr>
+              <a:t>Input: </a:t>
+            </a:r>
+            <a:r>
+              <a:rPr lang="en-US" sz="2400" dirty="0"/>
+              <a:t>ser = pd.Series(['Apple', 'Orange', 'Plan', 'Python', 'Money'])</a:t>
             </a:r>
             <a:br>
-              <a:rPr lang="en-US" dirty="0"/>
+              <a:rPr lang="en-US" sz="2400" dirty="0"/>
             </a:br>
-            <a:endParaRPr lang="en-US" dirty="0"/>
+            <a:endParaRPr lang="en-US" sz="2400" dirty="0"/>
           </a:p>
           <a:p>
             <a:pPr marL="0" indent="0">
               <a:buNone/>
             </a:pPr>
             <a:r>
-              <a:rPr lang="en-US" dirty="0"/>
+              <a:rPr lang="en-US" sz="2400" b="1" dirty="0">
+                <a:solidFill>
+                  <a:srgbClr val="002060"/>
+                </a:solidFill>
+              </a:rPr>
               <a:t>Desired output</a:t>
             </a:r>
           </a:p>
@@ -4662,19 +5016,13 @@
             <a:pPr marL="0" indent="0">
               <a:buNone/>
             </a:pPr>
-            <a:endParaRPr lang="en-US" dirty="0"/>
-          </a:p>
-          <a:p>
-            <a:pPr marL="0" indent="0">
-              <a:buNone/>
-            </a:pPr>
-            <a:r>
-              <a:rPr lang="en-US" dirty="0"/>
+            <a:r>
+              <a:rPr lang="en-US" sz="2400" dirty="0"/>
               <a:t>Apple, Orange, Money</a:t>
             </a:r>
           </a:p>
           <a:p>
-            <a:endParaRPr lang="en-US" dirty="0"/>
+            <a:endParaRPr lang="en-US" sz="2400" dirty="0"/>
           </a:p>
         </p:txBody>
       </p:sp>
@@ -4700,13 +5048,54 @@
           <a:lstStyle/>
           <a:p>
             <a:fld id="{491CF4B3-B97C-1B49-985A-93725184CD23}" type="slidenum">
-              <a:rPr lang="en-US" smtClean="0"/>
+              <a:rPr lang="en-US" sz="1800" smtClean="0"/>
               <a:t>13</a:t>
             </a:fld>
-            <a:endParaRPr lang="en-US"/>
-          </a:p>
-        </p:txBody>
-      </p:sp>
+            <a:endParaRPr lang="en-US" sz="1800"/>
+          </a:p>
+        </p:txBody>
+      </p:sp>
+      <p:cxnSp>
+        <p:nvCxnSpPr>
+          <p:cNvPr id="5" name="Straight Connector 4">
+            <a:extLst>
+              <a:ext uri="{FF2B5EF4-FFF2-40B4-BE49-F238E27FC236}">
+                <a16:creationId xmlns:a16="http://schemas.microsoft.com/office/drawing/2014/main" id="{D10A9C89-6C7A-4A51-271A-DB1A6968915C}"/>
+              </a:ext>
+            </a:extLst>
+          </p:cNvPr>
+          <p:cNvCxnSpPr/>
+          <p:nvPr/>
+        </p:nvCxnSpPr>
+        <p:spPr>
+          <a:xfrm>
+            <a:off x="0" y="6190735"/>
+            <a:ext cx="12192000" cy="0"/>
+          </a:xfrm>
+          <a:prstGeom prst="line">
+            <a:avLst/>
+          </a:prstGeom>
+          <a:ln w="76200">
+            <a:solidFill>
+              <a:srgbClr val="002060"/>
+            </a:solidFill>
+          </a:ln>
+        </p:spPr>
+        <p:style>
+          <a:lnRef idx="3">
+            <a:schemeClr val="accent1"/>
+          </a:lnRef>
+          <a:fillRef idx="0">
+            <a:schemeClr val="accent1"/>
+          </a:fillRef>
+          <a:effectRef idx="2">
+            <a:schemeClr val="accent1"/>
+          </a:effectRef>
+          <a:fontRef idx="minor">
+            <a:schemeClr val="tx1"/>
+          </a:fontRef>
+        </p:style>
+      </p:cxnSp>
     </p:spTree>
     <p:extLst>
       <p:ext uri="{BB962C8B-B14F-4D97-AF65-F5344CB8AC3E}">
@@ -4774,213 +5163,260 @@
       </p:sp>
       <p:sp>
         <p:nvSpPr>
-          <p:cNvPr id="3" name="Content Placeholder 2">
-            <a:extLst>
-              <a:ext uri="{FF2B5EF4-FFF2-40B4-BE49-F238E27FC236}">
-                <a16:creationId xmlns:a16="http://schemas.microsoft.com/office/drawing/2014/main" id="{C525A007-A8EE-CD6D-6800-C06E6CB49CB0}"/>
-              </a:ext>
-            </a:extLst>
-          </p:cNvPr>
-          <p:cNvSpPr>
-            <a:spLocks noGrp="1"/>
-          </p:cNvSpPr>
-          <p:nvPr>
-            <p:ph idx="1"/>
+          <p:cNvPr id="4" name="Slide Number Placeholder 3">
+            <a:extLst>
+              <a:ext uri="{FF2B5EF4-FFF2-40B4-BE49-F238E27FC236}">
+                <a16:creationId xmlns:a16="http://schemas.microsoft.com/office/drawing/2014/main" id="{536DC667-8273-C810-1058-FB32AFE64120}"/>
+              </a:ext>
+            </a:extLst>
+          </p:cNvPr>
+          <p:cNvSpPr>
+            <a:spLocks noGrp="1"/>
+          </p:cNvSpPr>
+          <p:nvPr>
+            <p:ph type="sldNum" sz="quarter" idx="12"/>
           </p:nvPr>
         </p:nvSpPr>
         <p:spPr/>
         <p:txBody>
-          <a:bodyPr>
-            <a:normAutofit lnSpcReduction="10000"/>
-          </a:bodyPr>
-          <a:lstStyle/>
-          <a:p>
-            <a:pPr marL="0" indent="0">
-              <a:buNone/>
-            </a:pPr>
-            <a:r>
-              <a:rPr lang="en-US" dirty="0"/>
-              <a:t>def </a:t>
-            </a:r>
-            <a:r>
-              <a:rPr lang="en-US" dirty="0" err="1"/>
-              <a:t>findVowels</a:t>
-            </a:r>
-            <a:r>
-              <a:rPr lang="en-US" dirty="0"/>
-              <a:t>(ser):</a:t>
-            </a:r>
-          </a:p>
-          <a:p>
-            <a:pPr marL="0" indent="0">
-              <a:buNone/>
-            </a:pPr>
-            <a:r>
-              <a:rPr lang="en-US" dirty="0"/>
-              <a:t>vowels = ["a", "e","</a:t>
-            </a:r>
-            <a:r>
-              <a:rPr lang="en-US" dirty="0" err="1"/>
-              <a:t>i</a:t>
-            </a:r>
-            <a:r>
-              <a:rPr lang="en-US" dirty="0"/>
-              <a:t>", "o", "u"]</a:t>
-            </a:r>
-          </a:p>
-          <a:p>
-            <a:pPr marL="0" indent="0">
-              <a:buNone/>
-            </a:pPr>
-            <a:r>
-              <a:rPr lang="en-US" dirty="0"/>
-              <a:t>for </a:t>
-            </a:r>
-            <a:r>
-              <a:rPr lang="en-US" dirty="0" err="1"/>
-              <a:t>ind</a:t>
-            </a:r>
-            <a:r>
-              <a:rPr lang="en-US" dirty="0"/>
-              <a:t>, word in enumerate(ser):</a:t>
-            </a:r>
-          </a:p>
-          <a:p>
-            <a:pPr marL="0" indent="0">
-              <a:buNone/>
-            </a:pPr>
-            <a:r>
-              <a:rPr lang="en-US" dirty="0"/>
-              <a:t>    </a:t>
-            </a:r>
-            <a:r>
-              <a:rPr lang="en-US" dirty="0" err="1"/>
-              <a:t>vow_counts</a:t>
-            </a:r>
-            <a:r>
-              <a:rPr lang="en-US" dirty="0"/>
-              <a:t> = 0</a:t>
-            </a:r>
-          </a:p>
-          <a:p>
-            <a:pPr marL="0" indent="0">
-              <a:buNone/>
-            </a:pPr>
-            <a:r>
-              <a:rPr lang="en-US" dirty="0"/>
-              <a:t>    for letter in word:</a:t>
-            </a:r>
-          </a:p>
-          <a:p>
-            <a:pPr marL="0" indent="0">
-              <a:buNone/>
-            </a:pPr>
-            <a:r>
-              <a:rPr lang="en-US" dirty="0"/>
-              <a:t>        if </a:t>
-            </a:r>
-            <a:r>
-              <a:rPr lang="en-US" dirty="0" err="1"/>
-              <a:t>letter.lower</a:t>
-            </a:r>
-            <a:r>
-              <a:rPr lang="en-US" dirty="0"/>
-              <a:t>() in vowels:</a:t>
-            </a:r>
-          </a:p>
-          <a:p>
-            <a:pPr marL="0" indent="0">
-              <a:buNone/>
-            </a:pPr>
-            <a:r>
-              <a:rPr lang="en-US" dirty="0"/>
-              <a:t>            </a:t>
-            </a:r>
-            <a:r>
-              <a:rPr lang="en-US" dirty="0" err="1"/>
-              <a:t>vow_counts</a:t>
-            </a:r>
-            <a:r>
-              <a:rPr lang="en-US" dirty="0"/>
-              <a:t> = </a:t>
-            </a:r>
-            <a:r>
-              <a:rPr lang="en-US" dirty="0" err="1"/>
-              <a:t>vow_counts</a:t>
-            </a:r>
-            <a:r>
-              <a:rPr lang="en-US" dirty="0"/>
-              <a:t> +1</a:t>
-            </a:r>
-          </a:p>
-          <a:p>
-            <a:pPr marL="0" indent="0">
-              <a:buNone/>
-            </a:pPr>
-            <a:r>
-              <a:rPr lang="en-US" dirty="0"/>
-              <a:t>    if </a:t>
-            </a:r>
-            <a:r>
-              <a:rPr lang="en-US" dirty="0" err="1"/>
-              <a:t>vow_counts</a:t>
-            </a:r>
-            <a:r>
-              <a:rPr lang="en-US" dirty="0"/>
-              <a:t> &gt;= 2:</a:t>
-            </a:r>
-          </a:p>
-          <a:p>
-            <a:pPr marL="0" indent="0">
-              <a:buNone/>
-            </a:pPr>
-            <a:r>
-              <a:rPr lang="en-US" dirty="0"/>
-              <a:t>        print(</a:t>
-            </a:r>
-            <a:r>
-              <a:rPr lang="en-US" dirty="0" err="1"/>
-              <a:t>ind</a:t>
-            </a:r>
-            <a:r>
-              <a:rPr lang="en-US" dirty="0"/>
-              <a:t>, " ", word)</a:t>
-            </a:r>
-          </a:p>
-          <a:p>
-            <a:pPr marL="0" indent="0">
-              <a:buNone/>
-            </a:pPr>
-            <a:endParaRPr lang="en-US" dirty="0"/>
-          </a:p>
-        </p:txBody>
-      </p:sp>
-      <p:sp>
-        <p:nvSpPr>
-          <p:cNvPr id="4" name="Slide Number Placeholder 3">
-            <a:extLst>
-              <a:ext uri="{FF2B5EF4-FFF2-40B4-BE49-F238E27FC236}">
-                <a16:creationId xmlns:a16="http://schemas.microsoft.com/office/drawing/2014/main" id="{536DC667-8273-C810-1058-FB32AFE64120}"/>
-              </a:ext>
-            </a:extLst>
-          </p:cNvPr>
-          <p:cNvSpPr>
-            <a:spLocks noGrp="1"/>
-          </p:cNvSpPr>
-          <p:nvPr>
-            <p:ph type="sldNum" sz="quarter" idx="12"/>
-          </p:nvPr>
-        </p:nvSpPr>
-        <p:spPr/>
-        <p:txBody>
           <a:bodyPr/>
           <a:lstStyle/>
           <a:p>
             <a:fld id="{491CF4B3-B97C-1B49-985A-93725184CD23}" type="slidenum">
-              <a:rPr lang="en-US" smtClean="0"/>
+              <a:rPr lang="en-US" sz="1800" smtClean="0"/>
               <a:t>14</a:t>
             </a:fld>
-            <a:endParaRPr lang="en-US"/>
+            <a:endParaRPr lang="en-US" sz="1800"/>
+          </a:p>
+        </p:txBody>
+      </p:sp>
+      <p:cxnSp>
+        <p:nvCxnSpPr>
+          <p:cNvPr id="5" name="Straight Connector 4">
+            <a:extLst>
+              <a:ext uri="{FF2B5EF4-FFF2-40B4-BE49-F238E27FC236}">
+                <a16:creationId xmlns:a16="http://schemas.microsoft.com/office/drawing/2014/main" id="{438E7261-6828-9A38-425E-278E23203EEB}"/>
+              </a:ext>
+            </a:extLst>
+          </p:cNvPr>
+          <p:cNvCxnSpPr/>
+          <p:nvPr/>
+        </p:nvCxnSpPr>
+        <p:spPr>
+          <a:xfrm>
+            <a:off x="0" y="6190735"/>
+            <a:ext cx="12192000" cy="0"/>
+          </a:xfrm>
+          <a:prstGeom prst="line">
+            <a:avLst/>
+          </a:prstGeom>
+          <a:ln w="76200">
+            <a:solidFill>
+              <a:srgbClr val="002060"/>
+            </a:solidFill>
+          </a:ln>
+        </p:spPr>
+        <p:style>
+          <a:lnRef idx="3">
+            <a:schemeClr val="accent1"/>
+          </a:lnRef>
+          <a:fillRef idx="0">
+            <a:schemeClr val="accent1"/>
+          </a:fillRef>
+          <a:effectRef idx="2">
+            <a:schemeClr val="accent1"/>
+          </a:effectRef>
+          <a:fontRef idx="minor">
+            <a:schemeClr val="tx1"/>
+          </a:fontRef>
+        </p:style>
+      </p:cxnSp>
+      <p:sp>
+        <p:nvSpPr>
+          <p:cNvPr id="9" name="TextBox 8">
+            <a:extLst>
+              <a:ext uri="{FF2B5EF4-FFF2-40B4-BE49-F238E27FC236}">
+                <a16:creationId xmlns:a16="http://schemas.microsoft.com/office/drawing/2014/main" id="{2575432F-39C4-378A-AE45-E139ADEFB3FB}"/>
+              </a:ext>
+            </a:extLst>
+          </p:cNvPr>
+          <p:cNvSpPr txBox="1"/>
+          <p:nvPr/>
+        </p:nvSpPr>
+        <p:spPr>
+          <a:xfrm>
+            <a:off x="971204" y="1690688"/>
+            <a:ext cx="9958646" cy="3693319"/>
+          </a:xfrm>
+          <a:prstGeom prst="rect">
+            <a:avLst/>
+          </a:prstGeom>
+          <a:noFill/>
+        </p:spPr>
+        <p:txBody>
+          <a:bodyPr wrap="square">
+            <a:spAutoFit/>
+          </a:bodyPr>
+          <a:lstStyle/>
+          <a:p>
+            <a:r>
+              <a:rPr lang="en-GB" b="0" i="1" dirty="0">
+                <a:effectLst/>
+                <a:latin typeface="Menlo" panose="020B0609030804020204" pitchFamily="49" charset="0"/>
+              </a:rPr>
+              <a:t>def</a:t>
+            </a:r>
+            <a:r>
+              <a:rPr lang="en-GB" b="0" dirty="0">
+                <a:effectLst/>
+                <a:latin typeface="Menlo" panose="020B0609030804020204" pitchFamily="49" charset="0"/>
+              </a:rPr>
+              <a:t> findVowels(</a:t>
+            </a:r>
+            <a:r>
+              <a:rPr lang="en-GB" b="0" i="1" dirty="0">
+                <a:effectLst/>
+                <a:latin typeface="Menlo" panose="020B0609030804020204" pitchFamily="49" charset="0"/>
+              </a:rPr>
+              <a:t>ser</a:t>
+            </a:r>
+            <a:r>
+              <a:rPr lang="en-GB" b="0" dirty="0">
+                <a:effectLst/>
+                <a:latin typeface="Menlo" panose="020B0609030804020204" pitchFamily="49" charset="0"/>
+              </a:rPr>
+              <a:t>):</a:t>
+            </a:r>
+          </a:p>
+          <a:p>
+            <a:r>
+              <a:rPr lang="en-GB" b="0" dirty="0">
+                <a:effectLst/>
+                <a:latin typeface="Menlo" panose="020B0609030804020204" pitchFamily="49" charset="0"/>
+              </a:rPr>
+              <a:t>	vowels = ["a", "</a:t>
+            </a:r>
+            <a:r>
+              <a:rPr lang="en-GB" b="0" dirty="0" err="1">
+                <a:effectLst/>
+                <a:latin typeface="Menlo" panose="020B0609030804020204" pitchFamily="49" charset="0"/>
+              </a:rPr>
+              <a:t>e","i</a:t>
+            </a:r>
+            <a:r>
+              <a:rPr lang="en-GB" b="0" dirty="0">
+                <a:effectLst/>
+                <a:latin typeface="Menlo" panose="020B0609030804020204" pitchFamily="49" charset="0"/>
+              </a:rPr>
+              <a:t>", "o", "u"]</a:t>
+            </a:r>
+          </a:p>
+          <a:p>
+            <a:r>
+              <a:rPr lang="en-GB" b="0" dirty="0">
+                <a:effectLst/>
+                <a:latin typeface="Menlo" panose="020B0609030804020204" pitchFamily="49" charset="0"/>
+              </a:rPr>
+              <a:t>	for ind, word in enumerate(</a:t>
+            </a:r>
+            <a:r>
+              <a:rPr lang="en-GB" b="0" i="1" dirty="0">
+                <a:effectLst/>
+                <a:latin typeface="Menlo" panose="020B0609030804020204" pitchFamily="49" charset="0"/>
+              </a:rPr>
+              <a:t>ser</a:t>
+            </a:r>
+            <a:r>
+              <a:rPr lang="en-GB" b="0" dirty="0">
+                <a:effectLst/>
+                <a:latin typeface="Menlo" panose="020B0609030804020204" pitchFamily="49" charset="0"/>
+              </a:rPr>
+              <a:t>):</a:t>
+            </a:r>
+          </a:p>
+          <a:p>
+            <a:r>
+              <a:rPr lang="en-GB" b="0" dirty="0">
+                <a:effectLst/>
+                <a:latin typeface="Menlo" panose="020B0609030804020204" pitchFamily="49" charset="0"/>
+              </a:rPr>
+              <a:t>		vow_counts = 0</a:t>
+            </a:r>
+          </a:p>
+          <a:p>
+            <a:r>
+              <a:rPr lang="en-GB" b="0" dirty="0">
+                <a:effectLst/>
+                <a:latin typeface="Menlo" panose="020B0609030804020204" pitchFamily="49" charset="0"/>
+              </a:rPr>
+              <a:t>		for letter in word:</a:t>
+            </a:r>
+          </a:p>
+          <a:p>
+            <a:r>
+              <a:rPr lang="en-GB" b="0" dirty="0">
+                <a:effectLst/>
+                <a:latin typeface="Menlo" panose="020B0609030804020204" pitchFamily="49" charset="0"/>
+              </a:rPr>
+              <a:t>			if letter.lower() in vowels:</a:t>
+            </a:r>
+          </a:p>
+          <a:p>
+            <a:r>
+              <a:rPr lang="en-GB" b="0" dirty="0">
+                <a:effectLst/>
+                <a:latin typeface="Menlo" panose="020B0609030804020204" pitchFamily="49" charset="0"/>
+              </a:rPr>
+              <a:t>				vow_counts = vow_counts +1</a:t>
+            </a:r>
+          </a:p>
+          <a:p>
+            <a:r>
+              <a:rPr lang="en-GB" b="0" dirty="0">
+                <a:effectLst/>
+                <a:latin typeface="Menlo" panose="020B0609030804020204" pitchFamily="49" charset="0"/>
+              </a:rPr>
+              <a:t>		if vow_counts &gt;= 2:</a:t>
+            </a:r>
+          </a:p>
+          <a:p>
+            <a:r>
+              <a:rPr lang="en-GB" b="0" dirty="0">
+                <a:effectLst/>
+                <a:latin typeface="Menlo" panose="020B0609030804020204" pitchFamily="49" charset="0"/>
+              </a:rPr>
+              <a:t>			print(ind, " ", word)</a:t>
+            </a:r>
+          </a:p>
+          <a:p>
+            <a:br>
+              <a:rPr lang="en-GB" b="0" dirty="0">
+                <a:effectLst/>
+                <a:latin typeface="Menlo" panose="020B0609030804020204" pitchFamily="49" charset="0"/>
+              </a:rPr>
+            </a:br>
+            <a:r>
+              <a:rPr lang="en-GB" b="0" dirty="0">
+                <a:effectLst/>
+                <a:latin typeface="Menlo" panose="020B0609030804020204" pitchFamily="49" charset="0"/>
+              </a:rPr>
+              <a:t>words = pd.Series(['Apple', 'Orange', 'Plan', 'Python', 'Money’])</a:t>
+            </a:r>
+          </a:p>
+          <a:p>
+            <a:endParaRPr lang="en-GB" b="0" dirty="0">
+              <a:effectLst/>
+              <a:latin typeface="Menlo" panose="020B0609030804020204" pitchFamily="49" charset="0"/>
+            </a:endParaRPr>
+          </a:p>
+          <a:p>
+            <a:r>
+              <a:rPr lang="en-GB" b="0" dirty="0">
+                <a:effectLst/>
+                <a:latin typeface="Menlo" panose="020B0609030804020204" pitchFamily="49" charset="0"/>
+              </a:rPr>
+              <a:t>findVowels(words)</a:t>
+            </a:r>
           </a:p>
         </p:txBody>
       </p:sp>
@@ -5068,156 +5504,194 @@
             <p:ph idx="1"/>
           </p:nvPr>
         </p:nvSpPr>
+        <p:spPr>
+          <a:xfrm>
+            <a:off x="971204" y="1673783"/>
+            <a:ext cx="10515600" cy="4351338"/>
+          </a:xfrm>
+        </p:spPr>
+        <p:txBody>
+          <a:bodyPr>
+            <a:noAutofit/>
+          </a:bodyPr>
+          <a:lstStyle/>
+          <a:p>
+            <a:pPr marL="0" indent="0">
+              <a:buNone/>
+            </a:pPr>
+            <a:r>
+              <a:rPr lang="en-US" sz="2400" dirty="0"/>
+              <a:t>Write function that translates a text to Pig Latin and back. English is translated to Pig Latin by taking the first letter of every word, moving it to the end of the word and adding ‘ay’.</a:t>
+            </a:r>
+          </a:p>
+          <a:p>
+            <a:pPr marL="0" indent="0">
+              <a:buNone/>
+            </a:pPr>
+            <a:endParaRPr lang="en-US" sz="2400" dirty="0"/>
+          </a:p>
+          <a:p>
+            <a:pPr marL="0" indent="0">
+              <a:buNone/>
+            </a:pPr>
+            <a:r>
+              <a:rPr lang="en-US" sz="2400" b="1" dirty="0">
+                <a:solidFill>
+                  <a:srgbClr val="002060"/>
+                </a:solidFill>
+              </a:rPr>
+              <a:t>Input: </a:t>
+            </a:r>
+            <a:r>
+              <a:rPr lang="en-US" sz="2400" dirty="0"/>
+              <a:t>“The quick brown fox” </a:t>
+            </a:r>
+          </a:p>
+          <a:p>
+            <a:pPr marL="0" indent="0">
+              <a:buNone/>
+            </a:pPr>
+            <a:endParaRPr lang="en-US" sz="2400" dirty="0"/>
+          </a:p>
+          <a:p>
+            <a:pPr marL="0" indent="0">
+              <a:buNone/>
+            </a:pPr>
+            <a:r>
+              <a:rPr lang="en-US" sz="2400" b="1" dirty="0">
+                <a:solidFill>
+                  <a:srgbClr val="002060"/>
+                </a:solidFill>
+              </a:rPr>
+              <a:t>Desired output </a:t>
+            </a:r>
+            <a:endParaRPr lang="en-US" sz="2400" dirty="0"/>
+          </a:p>
+          <a:p>
+            <a:pPr marL="0" indent="0">
+              <a:buNone/>
+            </a:pPr>
+            <a:r>
+              <a:rPr lang="en-US" sz="2400" dirty="0"/>
+              <a:t>“</a:t>
+            </a:r>
+            <a:r>
+              <a:rPr lang="en-US" sz="2400" dirty="0" err="1"/>
+              <a:t>Hetay</a:t>
+            </a:r>
+            <a:r>
+              <a:rPr lang="en-US" sz="2400" dirty="0"/>
+              <a:t> </a:t>
+            </a:r>
+            <a:r>
+              <a:rPr lang="en-US" sz="2400" dirty="0" err="1"/>
+              <a:t>uickqay</a:t>
+            </a:r>
+            <a:r>
+              <a:rPr lang="en-US" sz="2400" dirty="0"/>
+              <a:t> </a:t>
+            </a:r>
+            <a:r>
+              <a:rPr lang="en-US" sz="2400" dirty="0" err="1"/>
+              <a:t>rownbay</a:t>
+            </a:r>
+            <a:r>
+              <a:rPr lang="en-US" sz="2400" dirty="0"/>
+              <a:t> </a:t>
+            </a:r>
+            <a:r>
+              <a:rPr lang="en-US" sz="2400" dirty="0" err="1"/>
+              <a:t>oxfay</a:t>
+            </a:r>
+            <a:r>
+              <a:rPr lang="en-US" sz="2400" dirty="0"/>
+              <a:t>”</a:t>
+            </a:r>
+          </a:p>
+          <a:p>
+            <a:pPr marL="0" indent="0">
+              <a:buNone/>
+            </a:pPr>
+            <a:endParaRPr lang="en-US" sz="2400" dirty="0"/>
+          </a:p>
+          <a:p>
+            <a:pPr marL="0" indent="0">
+              <a:buNone/>
+            </a:pPr>
+            <a:endParaRPr lang="en-US" sz="2400" dirty="0"/>
+          </a:p>
+        </p:txBody>
+      </p:sp>
+      <p:sp>
+        <p:nvSpPr>
+          <p:cNvPr id="4" name="Slide Number Placeholder 3">
+            <a:extLst>
+              <a:ext uri="{FF2B5EF4-FFF2-40B4-BE49-F238E27FC236}">
+                <a16:creationId xmlns:a16="http://schemas.microsoft.com/office/drawing/2014/main" id="{D86A482B-F7C0-CF99-A20E-51634A56B6EF}"/>
+              </a:ext>
+            </a:extLst>
+          </p:cNvPr>
+          <p:cNvSpPr>
+            <a:spLocks noGrp="1"/>
+          </p:cNvSpPr>
+          <p:nvPr>
+            <p:ph type="sldNum" sz="quarter" idx="12"/>
+          </p:nvPr>
+        </p:nvSpPr>
         <p:spPr/>
         <p:txBody>
-          <a:bodyPr>
-            <a:normAutofit fontScale="92500" lnSpcReduction="20000"/>
-          </a:bodyPr>
-          <a:lstStyle/>
-          <a:p>
-            <a:pPr marL="0" indent="0">
-              <a:buNone/>
-            </a:pPr>
-            <a:r>
-              <a:rPr lang="en-US" dirty="0"/>
-              <a:t>Write function that translates a text to Pig Latin and back. English is translated to Pig Latin by taking the first letter of every word, moving it to the end of the word and adding ‘ay’.</a:t>
-            </a:r>
-          </a:p>
-          <a:p>
-            <a:pPr marL="0" indent="0">
-              <a:buNone/>
-            </a:pPr>
-            <a:endParaRPr lang="en-US" dirty="0"/>
-          </a:p>
-          <a:p>
-            <a:pPr marL="0" indent="0">
-              <a:buNone/>
-            </a:pPr>
-            <a:r>
-              <a:rPr lang="en-US" dirty="0"/>
-              <a:t>Input</a:t>
-            </a:r>
-          </a:p>
-          <a:p>
-            <a:pPr marL="0" indent="0">
-              <a:buNone/>
-            </a:pPr>
-            <a:endParaRPr lang="en-US" dirty="0"/>
-          </a:p>
-          <a:p>
-            <a:pPr marL="0" indent="0">
-              <a:buNone/>
-            </a:pPr>
-            <a:r>
-              <a:rPr lang="en-US" dirty="0"/>
-              <a:t> “The quick brown fox” </a:t>
-            </a:r>
-          </a:p>
-          <a:p>
-            <a:pPr marL="0" indent="0">
-              <a:buNone/>
-            </a:pPr>
-            <a:endParaRPr lang="en-US" dirty="0"/>
-          </a:p>
-          <a:p>
-            <a:pPr marL="0" indent="0">
-              <a:buNone/>
-            </a:pPr>
-            <a:r>
-              <a:rPr lang="en-US" dirty="0"/>
-              <a:t>Desired output </a:t>
-            </a:r>
-          </a:p>
-          <a:p>
-            <a:pPr marL="0" indent="0">
-              <a:buNone/>
-            </a:pPr>
-            <a:endParaRPr lang="en-US" dirty="0"/>
-          </a:p>
-          <a:p>
-            <a:pPr marL="0" indent="0">
-              <a:buNone/>
-            </a:pPr>
-            <a:r>
-              <a:rPr lang="en-US" dirty="0"/>
-              <a:t>“</a:t>
-            </a:r>
-            <a:r>
-              <a:rPr lang="en-US" dirty="0" err="1"/>
-              <a:t>Hetay</a:t>
-            </a:r>
-            <a:r>
-              <a:rPr lang="en-US" dirty="0"/>
-              <a:t> </a:t>
-            </a:r>
-            <a:r>
-              <a:rPr lang="en-US" dirty="0" err="1"/>
-              <a:t>uickqay</a:t>
-            </a:r>
-            <a:r>
-              <a:rPr lang="en-US" dirty="0"/>
-              <a:t> </a:t>
-            </a:r>
-            <a:r>
-              <a:rPr lang="en-US" dirty="0" err="1"/>
-              <a:t>rownbay</a:t>
-            </a:r>
-            <a:r>
-              <a:rPr lang="en-US" dirty="0"/>
-              <a:t> </a:t>
-            </a:r>
-            <a:r>
-              <a:rPr lang="en-US" dirty="0" err="1"/>
-              <a:t>oxfay</a:t>
-            </a:r>
-            <a:r>
-              <a:rPr lang="en-US" dirty="0"/>
-              <a:t>”</a:t>
-            </a:r>
-          </a:p>
-          <a:p>
-            <a:pPr marL="0" indent="0">
-              <a:buNone/>
-            </a:pPr>
-            <a:endParaRPr lang="en-US" dirty="0"/>
-          </a:p>
-          <a:p>
-            <a:pPr marL="0" indent="0">
-              <a:buNone/>
-            </a:pPr>
-            <a:endParaRPr lang="en-US" dirty="0"/>
-          </a:p>
-        </p:txBody>
-      </p:sp>
-      <p:sp>
-        <p:nvSpPr>
-          <p:cNvPr id="4" name="Slide Number Placeholder 3">
-            <a:extLst>
-              <a:ext uri="{FF2B5EF4-FFF2-40B4-BE49-F238E27FC236}">
-                <a16:creationId xmlns:a16="http://schemas.microsoft.com/office/drawing/2014/main" id="{D86A482B-F7C0-CF99-A20E-51634A56B6EF}"/>
-              </a:ext>
-            </a:extLst>
-          </p:cNvPr>
-          <p:cNvSpPr>
-            <a:spLocks noGrp="1"/>
-          </p:cNvSpPr>
-          <p:nvPr>
-            <p:ph type="sldNum" sz="quarter" idx="12"/>
-          </p:nvPr>
-        </p:nvSpPr>
-        <p:spPr/>
-        <p:txBody>
           <a:bodyPr/>
           <a:lstStyle/>
           <a:p>
             <a:fld id="{491CF4B3-B97C-1B49-985A-93725184CD23}" type="slidenum">
-              <a:rPr lang="en-US" smtClean="0"/>
+              <a:rPr lang="en-US" sz="1800" smtClean="0"/>
               <a:t>15</a:t>
             </a:fld>
-            <a:endParaRPr lang="en-US"/>
-          </a:p>
-        </p:txBody>
-      </p:sp>
+            <a:endParaRPr lang="en-US" sz="1800"/>
+          </a:p>
+        </p:txBody>
+      </p:sp>
+      <p:cxnSp>
+        <p:nvCxnSpPr>
+          <p:cNvPr id="5" name="Straight Connector 4">
+            <a:extLst>
+              <a:ext uri="{FF2B5EF4-FFF2-40B4-BE49-F238E27FC236}">
+                <a16:creationId xmlns:a16="http://schemas.microsoft.com/office/drawing/2014/main" id="{02D46E1A-2D5F-F96A-A825-640B5DB1F661}"/>
+              </a:ext>
+            </a:extLst>
+          </p:cNvPr>
+          <p:cNvCxnSpPr/>
+          <p:nvPr/>
+        </p:nvCxnSpPr>
+        <p:spPr>
+          <a:xfrm>
+            <a:off x="0" y="6190735"/>
+            <a:ext cx="12192000" cy="0"/>
+          </a:xfrm>
+          <a:prstGeom prst="line">
+            <a:avLst/>
+          </a:prstGeom>
+          <a:ln w="76200">
+            <a:solidFill>
+              <a:srgbClr val="002060"/>
+            </a:solidFill>
+          </a:ln>
+        </p:spPr>
+        <p:style>
+          <a:lnRef idx="3">
+            <a:schemeClr val="accent1"/>
+          </a:lnRef>
+          <a:fillRef idx="0">
+            <a:schemeClr val="accent1"/>
+          </a:fillRef>
+          <a:effectRef idx="2">
+            <a:schemeClr val="accent1"/>
+          </a:effectRef>
+          <a:fontRef idx="minor">
+            <a:schemeClr val="tx1"/>
+          </a:fontRef>
+        </p:style>
+      </p:cxnSp>
     </p:spTree>
     <p:extLst>
       <p:ext uri="{BB962C8B-B14F-4D97-AF65-F5344CB8AC3E}">
@@ -5285,200 +5759,228 @@
       </p:sp>
       <p:sp>
         <p:nvSpPr>
-          <p:cNvPr id="3" name="Content Placeholder 2">
-            <a:extLst>
-              <a:ext uri="{FF2B5EF4-FFF2-40B4-BE49-F238E27FC236}">
-                <a16:creationId xmlns:a16="http://schemas.microsoft.com/office/drawing/2014/main" id="{C525A007-A8EE-CD6D-6800-C06E6CB49CB0}"/>
-              </a:ext>
-            </a:extLst>
-          </p:cNvPr>
-          <p:cNvSpPr>
-            <a:spLocks noGrp="1"/>
-          </p:cNvSpPr>
-          <p:nvPr>
-            <p:ph idx="1"/>
+          <p:cNvPr id="4" name="Slide Number Placeholder 3">
+            <a:extLst>
+              <a:ext uri="{FF2B5EF4-FFF2-40B4-BE49-F238E27FC236}">
+                <a16:creationId xmlns:a16="http://schemas.microsoft.com/office/drawing/2014/main" id="{536DC667-8273-C810-1058-FB32AFE64120}"/>
+              </a:ext>
+            </a:extLst>
+          </p:cNvPr>
+          <p:cNvSpPr>
+            <a:spLocks noGrp="1"/>
+          </p:cNvSpPr>
+          <p:nvPr>
+            <p:ph type="sldNum" sz="quarter" idx="12"/>
           </p:nvPr>
         </p:nvSpPr>
         <p:spPr/>
         <p:txBody>
-          <a:bodyPr>
-            <a:normAutofit/>
-          </a:bodyPr>
-          <a:lstStyle/>
-          <a:p>
-            <a:pPr marL="0" indent="0">
-              <a:buNone/>
-            </a:pPr>
-            <a:r>
-              <a:rPr lang="en-US" dirty="0"/>
-              <a:t>def </a:t>
-            </a:r>
-            <a:r>
-              <a:rPr lang="en-US" dirty="0" err="1"/>
-              <a:t>piglatin</a:t>
-            </a:r>
-            <a:r>
-              <a:rPr lang="en-US" dirty="0"/>
-              <a:t>(sentence):</a:t>
-            </a:r>
-          </a:p>
-          <a:p>
-            <a:pPr marL="0" indent="0">
-              <a:buNone/>
-            </a:pPr>
-            <a:r>
-              <a:rPr lang="en-US" dirty="0"/>
-              <a:t>    </a:t>
-            </a:r>
-            <a:r>
-              <a:rPr lang="en-US" dirty="0" err="1"/>
-              <a:t>list_words</a:t>
-            </a:r>
-            <a:r>
-              <a:rPr lang="en-US" dirty="0"/>
-              <a:t> = </a:t>
-            </a:r>
-            <a:r>
-              <a:rPr lang="en-US" dirty="0" err="1"/>
-              <a:t>sentence.split</a:t>
-            </a:r>
-            <a:r>
-              <a:rPr lang="en-US" dirty="0"/>
-              <a:t>(" ")</a:t>
-            </a:r>
-          </a:p>
-          <a:p>
-            <a:pPr marL="0" indent="0">
-              <a:buNone/>
-            </a:pPr>
-            <a:r>
-              <a:rPr lang="en-US" dirty="0"/>
-              <a:t>    </a:t>
-            </a:r>
-            <a:r>
-              <a:rPr lang="en-US" dirty="0" err="1"/>
-              <a:t>new_sent</a:t>
-            </a:r>
-            <a:r>
-              <a:rPr lang="en-US" dirty="0"/>
-              <a:t> = ""</a:t>
-            </a:r>
-          </a:p>
-          <a:p>
-            <a:pPr marL="0" indent="0">
-              <a:buNone/>
-            </a:pPr>
-            <a:r>
-              <a:rPr lang="en-US" dirty="0"/>
-              <a:t>    for word in </a:t>
-            </a:r>
-            <a:r>
-              <a:rPr lang="en-US" dirty="0" err="1"/>
-              <a:t>list_words</a:t>
-            </a:r>
-            <a:r>
-              <a:rPr lang="en-US" dirty="0"/>
-              <a:t>:</a:t>
-            </a:r>
-          </a:p>
-          <a:p>
-            <a:pPr marL="0" indent="0">
-              <a:buNone/>
-            </a:pPr>
-            <a:r>
-              <a:rPr lang="en-US" dirty="0"/>
-              <a:t>        </a:t>
-            </a:r>
-            <a:r>
-              <a:rPr lang="en-US" dirty="0" err="1"/>
-              <a:t>new_word</a:t>
-            </a:r>
-            <a:r>
-              <a:rPr lang="en-US" dirty="0"/>
-              <a:t> = word[1:]+word[0]+"ay"</a:t>
-            </a:r>
-          </a:p>
-          <a:p>
-            <a:pPr marL="0" indent="0">
-              <a:buNone/>
-            </a:pPr>
-            <a:r>
-              <a:rPr lang="en-US" dirty="0"/>
-              <a:t>        </a:t>
-            </a:r>
-            <a:r>
-              <a:rPr lang="en-US" dirty="0" err="1"/>
-              <a:t>new_sent</a:t>
-            </a:r>
-            <a:r>
-              <a:rPr lang="en-US" dirty="0"/>
-              <a:t> = </a:t>
-            </a:r>
-            <a:r>
-              <a:rPr lang="en-US" dirty="0" err="1"/>
-              <a:t>new_sent</a:t>
-            </a:r>
-            <a:r>
-              <a:rPr lang="en-US" dirty="0"/>
-              <a:t> + </a:t>
-            </a:r>
-            <a:r>
-              <a:rPr lang="en-US" dirty="0" err="1"/>
-              <a:t>new_word</a:t>
-            </a:r>
-            <a:r>
-              <a:rPr lang="en-US" dirty="0"/>
-              <a:t> + " "</a:t>
-            </a:r>
-          </a:p>
-          <a:p>
-            <a:pPr marL="0" indent="0">
-              <a:buNone/>
-            </a:pPr>
-            <a:r>
-              <a:rPr lang="en-US" dirty="0"/>
-              <a:t>    return </a:t>
-            </a:r>
-            <a:r>
-              <a:rPr lang="en-US" dirty="0" err="1"/>
-              <a:t>new_sent</a:t>
-            </a:r>
-            <a:endParaRPr lang="en-US" dirty="0"/>
-          </a:p>
-          <a:p>
-            <a:pPr marL="0" indent="0">
-              <a:buNone/>
-            </a:pPr>
-            <a:endParaRPr lang="en-US" dirty="0"/>
-          </a:p>
-        </p:txBody>
-      </p:sp>
-      <p:sp>
-        <p:nvSpPr>
-          <p:cNvPr id="4" name="Slide Number Placeholder 3">
-            <a:extLst>
-              <a:ext uri="{FF2B5EF4-FFF2-40B4-BE49-F238E27FC236}">
-                <a16:creationId xmlns:a16="http://schemas.microsoft.com/office/drawing/2014/main" id="{536DC667-8273-C810-1058-FB32AFE64120}"/>
-              </a:ext>
-            </a:extLst>
-          </p:cNvPr>
-          <p:cNvSpPr>
-            <a:spLocks noGrp="1"/>
-          </p:cNvSpPr>
-          <p:nvPr>
-            <p:ph type="sldNum" sz="quarter" idx="12"/>
-          </p:nvPr>
-        </p:nvSpPr>
-        <p:spPr/>
-        <p:txBody>
           <a:bodyPr/>
           <a:lstStyle/>
           <a:p>
             <a:fld id="{491CF4B3-B97C-1B49-985A-93725184CD23}" type="slidenum">
-              <a:rPr lang="en-US" smtClean="0"/>
+              <a:rPr lang="en-US" sz="1800" smtClean="0"/>
               <a:t>16</a:t>
             </a:fld>
-            <a:endParaRPr lang="en-US"/>
+            <a:endParaRPr lang="en-US" sz="1800"/>
+          </a:p>
+        </p:txBody>
+      </p:sp>
+      <p:cxnSp>
+        <p:nvCxnSpPr>
+          <p:cNvPr id="5" name="Straight Connector 4">
+            <a:extLst>
+              <a:ext uri="{FF2B5EF4-FFF2-40B4-BE49-F238E27FC236}">
+                <a16:creationId xmlns:a16="http://schemas.microsoft.com/office/drawing/2014/main" id="{5E8A202A-743F-3424-40BD-5CA0AA2A3E44}"/>
+              </a:ext>
+            </a:extLst>
+          </p:cNvPr>
+          <p:cNvCxnSpPr/>
+          <p:nvPr/>
+        </p:nvCxnSpPr>
+        <p:spPr>
+          <a:xfrm>
+            <a:off x="0" y="6190735"/>
+            <a:ext cx="12192000" cy="0"/>
+          </a:xfrm>
+          <a:prstGeom prst="line">
+            <a:avLst/>
+          </a:prstGeom>
+          <a:ln w="76200">
+            <a:solidFill>
+              <a:srgbClr val="002060"/>
+            </a:solidFill>
+          </a:ln>
+        </p:spPr>
+        <p:style>
+          <a:lnRef idx="3">
+            <a:schemeClr val="accent1"/>
+          </a:lnRef>
+          <a:fillRef idx="0">
+            <a:schemeClr val="accent1"/>
+          </a:fillRef>
+          <a:effectRef idx="2">
+            <a:schemeClr val="accent1"/>
+          </a:effectRef>
+          <a:fontRef idx="minor">
+            <a:schemeClr val="tx1"/>
+          </a:fontRef>
+        </p:style>
+      </p:cxnSp>
+      <p:sp>
+        <p:nvSpPr>
+          <p:cNvPr id="9" name="TextBox 8">
+            <a:extLst>
+              <a:ext uri="{FF2B5EF4-FFF2-40B4-BE49-F238E27FC236}">
+                <a16:creationId xmlns:a16="http://schemas.microsoft.com/office/drawing/2014/main" id="{0BBB9E8D-1DEB-3B95-B6E5-B4D47883BF35}"/>
+              </a:ext>
+            </a:extLst>
+          </p:cNvPr>
+          <p:cNvSpPr txBox="1"/>
+          <p:nvPr/>
+        </p:nvSpPr>
+        <p:spPr>
+          <a:xfrm>
+            <a:off x="968432" y="1859339"/>
+            <a:ext cx="8408324" cy="3139321"/>
+          </a:xfrm>
+          <a:prstGeom prst="rect">
+            <a:avLst/>
+          </a:prstGeom>
+          <a:noFill/>
+        </p:spPr>
+        <p:txBody>
+          <a:bodyPr wrap="square">
+            <a:spAutoFit/>
+          </a:bodyPr>
+          <a:lstStyle/>
+          <a:p>
+            <a:r>
+              <a:rPr lang="en-GB" b="0" i="1" dirty="0">
+                <a:effectLst/>
+                <a:latin typeface="Menlo" panose="020B0609030804020204" pitchFamily="49" charset="0"/>
+              </a:rPr>
+              <a:t>def</a:t>
+            </a:r>
+            <a:r>
+              <a:rPr lang="en-GB" b="0" dirty="0">
+                <a:effectLst/>
+                <a:latin typeface="Menlo" panose="020B0609030804020204" pitchFamily="49" charset="0"/>
+              </a:rPr>
+              <a:t> piglatin(</a:t>
+            </a:r>
+            <a:r>
+              <a:rPr lang="en-GB" b="0" i="1" dirty="0">
+                <a:effectLst/>
+                <a:latin typeface="Menlo" panose="020B0609030804020204" pitchFamily="49" charset="0"/>
+              </a:rPr>
+              <a:t>sentence</a:t>
+            </a:r>
+            <a:r>
+              <a:rPr lang="en-GB" b="0" dirty="0">
+                <a:effectLst/>
+                <a:latin typeface="Menlo" panose="020B0609030804020204" pitchFamily="49" charset="0"/>
+              </a:rPr>
+              <a:t>):</a:t>
+            </a:r>
+          </a:p>
+          <a:p>
+            <a:r>
+              <a:rPr lang="en-GB" b="0" dirty="0">
+                <a:effectLst/>
+                <a:latin typeface="Menlo" panose="020B0609030804020204" pitchFamily="49" charset="0"/>
+              </a:rPr>
+              <a:t>	list_words = </a:t>
+            </a:r>
+            <a:r>
+              <a:rPr lang="en-GB" b="0" i="1" dirty="0">
+                <a:effectLst/>
+                <a:latin typeface="Menlo" panose="020B0609030804020204" pitchFamily="49" charset="0"/>
+              </a:rPr>
+              <a:t>sentence</a:t>
+            </a:r>
+            <a:r>
+              <a:rPr lang="en-GB" b="0" dirty="0">
+                <a:effectLst/>
+                <a:latin typeface="Menlo" panose="020B0609030804020204" pitchFamily="49" charset="0"/>
+              </a:rPr>
+              <a:t>.split(" ")</a:t>
+            </a:r>
+          </a:p>
+          <a:p>
+            <a:r>
+              <a:rPr lang="en-GB" b="0" dirty="0">
+                <a:effectLst/>
+                <a:latin typeface="Menlo" panose="020B0609030804020204" pitchFamily="49" charset="0"/>
+              </a:rPr>
+              <a:t>	new_sent = ""</a:t>
+            </a:r>
+          </a:p>
+          <a:p>
+            <a:r>
+              <a:rPr lang="en-GB" b="0" dirty="0">
+                <a:effectLst/>
+                <a:latin typeface="Menlo" panose="020B0609030804020204" pitchFamily="49" charset="0"/>
+              </a:rPr>
+              <a:t>	for word in list_words:</a:t>
+            </a:r>
+          </a:p>
+          <a:p>
+            <a:r>
+              <a:rPr lang="en-GB" b="0" dirty="0">
+                <a:effectLst/>
+                <a:latin typeface="Menlo" panose="020B0609030804020204" pitchFamily="49" charset="0"/>
+              </a:rPr>
+              <a:t>		new_word = word[1:]+word[0].lower()+"ay"</a:t>
+            </a:r>
+          </a:p>
+          <a:p>
+            <a:r>
+              <a:rPr lang="en-GB" b="0" dirty="0">
+                <a:effectLst/>
+                <a:latin typeface="Menlo" panose="020B0609030804020204" pitchFamily="49" charset="0"/>
+              </a:rPr>
+              <a:t>		new_sent = new_sent + new_word + " "</a:t>
+            </a:r>
+          </a:p>
+          <a:p>
+            <a:r>
+              <a:rPr lang="en-GB" b="0" dirty="0">
+                <a:effectLst/>
+                <a:latin typeface="Menlo" panose="020B0609030804020204" pitchFamily="49" charset="0"/>
+              </a:rPr>
+              <a:t>	return new_sent</a:t>
+            </a:r>
+          </a:p>
+          <a:p>
+            <a:endParaRPr lang="en-GB" b="0" dirty="0">
+              <a:effectLst/>
+              <a:latin typeface="Menlo" panose="020B0609030804020204" pitchFamily="49" charset="0"/>
+            </a:endParaRPr>
+          </a:p>
+          <a:p>
+            <a:br>
+              <a:rPr lang="en-GB" b="0" dirty="0">
+                <a:effectLst/>
+                <a:latin typeface="Menlo" panose="020B0609030804020204" pitchFamily="49" charset="0"/>
+              </a:rPr>
+            </a:br>
+            <a:r>
+              <a:rPr lang="en-GB" b="0" dirty="0">
+                <a:effectLst/>
+                <a:latin typeface="Menlo" panose="020B0609030804020204" pitchFamily="49" charset="0"/>
+              </a:rPr>
+              <a:t>example = "The quick brown fox"</a:t>
+            </a:r>
+          </a:p>
+          <a:p>
+            <a:r>
+              <a:rPr lang="en-GB" b="0" dirty="0">
+                <a:effectLst/>
+                <a:latin typeface="Menlo" panose="020B0609030804020204" pitchFamily="49" charset="0"/>
+              </a:rPr>
+              <a:t>piglatin(example)</a:t>
+            </a:r>
           </a:p>
         </p:txBody>
       </p:sp>
@@ -5541,7 +6043,7 @@
                   </a:schemeClr>
                 </a:solidFill>
               </a:rPr>
-              <a:t>Exercise 6: Taylor Swift Songs</a:t>
+              <a:t>Exercise 6: top 10 songs </a:t>
             </a:r>
             <a:r>
               <a:rPr lang="en-US" dirty="0"/>
@@ -5566,53 +6068,164 @@
             <p:ph idx="1"/>
           </p:nvPr>
         </p:nvSpPr>
+        <p:spPr>
+          <a:xfrm>
+            <a:off x="1004455" y="1743308"/>
+            <a:ext cx="10515600" cy="4351338"/>
+          </a:xfrm>
+        </p:spPr>
+        <p:txBody>
+          <a:bodyPr>
+            <a:normAutofit/>
+          </a:bodyPr>
+          <a:lstStyle/>
+          <a:p>
+            <a:pPr marL="0" indent="0">
+              <a:buNone/>
+            </a:pPr>
+            <a:r>
+              <a:rPr lang="en-US" sz="2400" dirty="0"/>
+              <a:t>Write a function that finds the top 10 songs with the highest danceability and then prints the one with the highest popularity.</a:t>
+            </a:r>
+          </a:p>
+          <a:p>
+            <a:pPr marL="0" indent="0">
+              <a:buNone/>
+            </a:pPr>
+            <a:endParaRPr lang="en-US" sz="2400" dirty="0"/>
+          </a:p>
+          <a:p>
+            <a:pPr marL="0" indent="0">
+              <a:buNone/>
+            </a:pPr>
+            <a:r>
+              <a:rPr lang="en-US" sz="2400" b="1" dirty="0">
+                <a:solidFill>
+                  <a:srgbClr val="002060"/>
+                </a:solidFill>
+              </a:rPr>
+              <a:t>Input: </a:t>
+            </a:r>
+            <a:r>
+              <a:rPr lang="en-US" sz="2400" dirty="0"/>
+              <a:t>("Data/spotify_taylorswift.csv", </a:t>
+            </a:r>
+            <a:r>
+              <a:rPr lang="en-GB" sz="2400" dirty="0"/>
+              <a:t>"name", "danceability", "popularity")</a:t>
+            </a:r>
+          </a:p>
+          <a:p>
+            <a:pPr marL="0" indent="0">
+              <a:buNone/>
+            </a:pPr>
+            <a:endParaRPr lang="en-US" sz="2400" dirty="0"/>
+          </a:p>
+          <a:p>
+            <a:pPr marL="0" indent="0">
+              <a:buNone/>
+            </a:pPr>
+            <a:r>
+              <a:rPr lang="en-US" sz="2400" b="1" dirty="0">
+                <a:solidFill>
+                  <a:srgbClr val="002060"/>
+                </a:solidFill>
+              </a:rPr>
+              <a:t>Desired output </a:t>
+            </a:r>
+            <a:endParaRPr lang="en-US" sz="2400" dirty="0"/>
+          </a:p>
+          <a:p>
+            <a:pPr marL="0" indent="0">
+              <a:buNone/>
+            </a:pPr>
+            <a:r>
+              <a:rPr lang="en-GB" sz="2400" dirty="0"/>
+              <a:t>['I Think He Knows', 'Treacherous - Original Demo Recording’ …]</a:t>
+            </a:r>
+          </a:p>
+          <a:p>
+            <a:pPr marL="0" indent="0">
+              <a:buNone/>
+            </a:pPr>
+            <a:r>
+              <a:rPr lang="en-GB" sz="2400" dirty="0"/>
+              <a:t>Most popular song: Paper Rings</a:t>
+            </a:r>
+            <a:endParaRPr lang="en-US" sz="2400" dirty="0"/>
+          </a:p>
+        </p:txBody>
+      </p:sp>
+      <p:sp>
+        <p:nvSpPr>
+          <p:cNvPr id="4" name="Slide Number Placeholder 3">
+            <a:extLst>
+              <a:ext uri="{FF2B5EF4-FFF2-40B4-BE49-F238E27FC236}">
+                <a16:creationId xmlns:a16="http://schemas.microsoft.com/office/drawing/2014/main" id="{5069E6F0-D63E-3B8B-A559-19357FDC4823}"/>
+              </a:ext>
+            </a:extLst>
+          </p:cNvPr>
+          <p:cNvSpPr>
+            <a:spLocks noGrp="1"/>
+          </p:cNvSpPr>
+          <p:nvPr>
+            <p:ph type="sldNum" sz="quarter" idx="12"/>
+          </p:nvPr>
+        </p:nvSpPr>
         <p:spPr/>
         <p:txBody>
           <a:bodyPr/>
           <a:lstStyle/>
           <a:p>
-            <a:pPr marL="0" indent="0">
-              <a:buNone/>
-            </a:pPr>
-            <a:r>
-              <a:rPr lang="en-US" dirty="0"/>
-              <a:t>Write a function that finds the top 10 songs with the highest danceability and then prints the one with the highest popularity.</a:t>
-            </a:r>
-          </a:p>
-          <a:p>
-            <a:endParaRPr lang="en-US" dirty="0"/>
-          </a:p>
-        </p:txBody>
-      </p:sp>
-      <p:sp>
-        <p:nvSpPr>
-          <p:cNvPr id="4" name="Slide Number Placeholder 3">
-            <a:extLst>
-              <a:ext uri="{FF2B5EF4-FFF2-40B4-BE49-F238E27FC236}">
-                <a16:creationId xmlns:a16="http://schemas.microsoft.com/office/drawing/2014/main" id="{5069E6F0-D63E-3B8B-A559-19357FDC4823}"/>
-              </a:ext>
-            </a:extLst>
-          </p:cNvPr>
-          <p:cNvSpPr>
-            <a:spLocks noGrp="1"/>
-          </p:cNvSpPr>
-          <p:nvPr>
-            <p:ph type="sldNum" sz="quarter" idx="12"/>
-          </p:nvPr>
-        </p:nvSpPr>
-        <p:spPr/>
-        <p:txBody>
-          <a:bodyPr/>
-          <a:lstStyle/>
-          <a:p>
             <a:fld id="{491CF4B3-B97C-1B49-985A-93725184CD23}" type="slidenum">
-              <a:rPr lang="en-US" smtClean="0"/>
+              <a:rPr lang="en-US" sz="1800" smtClean="0"/>
               <a:t>17</a:t>
             </a:fld>
-            <a:endParaRPr lang="en-US"/>
-          </a:p>
-        </p:txBody>
-      </p:sp>
+            <a:endParaRPr lang="en-US" sz="1800"/>
+          </a:p>
+        </p:txBody>
+      </p:sp>
+      <p:cxnSp>
+        <p:nvCxnSpPr>
+          <p:cNvPr id="5" name="Straight Connector 4">
+            <a:extLst>
+              <a:ext uri="{FF2B5EF4-FFF2-40B4-BE49-F238E27FC236}">
+                <a16:creationId xmlns:a16="http://schemas.microsoft.com/office/drawing/2014/main" id="{4F3151C7-5C21-0D6D-6EA9-8665092DAD85}"/>
+              </a:ext>
+            </a:extLst>
+          </p:cNvPr>
+          <p:cNvCxnSpPr/>
+          <p:nvPr/>
+        </p:nvCxnSpPr>
+        <p:spPr>
+          <a:xfrm>
+            <a:off x="0" y="6190735"/>
+            <a:ext cx="12192000" cy="0"/>
+          </a:xfrm>
+          <a:prstGeom prst="line">
+            <a:avLst/>
+          </a:prstGeom>
+          <a:ln w="76200">
+            <a:solidFill>
+              <a:srgbClr val="002060"/>
+            </a:solidFill>
+          </a:ln>
+        </p:spPr>
+        <p:style>
+          <a:lnRef idx="3">
+            <a:schemeClr val="accent1"/>
+          </a:lnRef>
+          <a:fillRef idx="0">
+            <a:schemeClr val="accent1"/>
+          </a:fillRef>
+          <a:effectRef idx="2">
+            <a:schemeClr val="accent1"/>
+          </a:effectRef>
+          <a:fontRef idx="minor">
+            <a:schemeClr val="tx1"/>
+          </a:fontRef>
+        </p:style>
+      </p:cxnSp>
     </p:spTree>
     <p:extLst>
       <p:ext uri="{BB962C8B-B14F-4D97-AF65-F5344CB8AC3E}">
@@ -5680,60 +6293,410 @@
       </p:sp>
       <p:sp>
         <p:nvSpPr>
-          <p:cNvPr id="3" name="Content Placeholder 2">
-            <a:extLst>
-              <a:ext uri="{FF2B5EF4-FFF2-40B4-BE49-F238E27FC236}">
-                <a16:creationId xmlns:a16="http://schemas.microsoft.com/office/drawing/2014/main" id="{C525A007-A8EE-CD6D-6800-C06E6CB49CB0}"/>
-              </a:ext>
-            </a:extLst>
-          </p:cNvPr>
-          <p:cNvSpPr>
-            <a:spLocks noGrp="1"/>
-          </p:cNvSpPr>
-          <p:nvPr>
-            <p:ph idx="1"/>
+          <p:cNvPr id="4" name="Slide Number Placeholder 3">
+            <a:extLst>
+              <a:ext uri="{FF2B5EF4-FFF2-40B4-BE49-F238E27FC236}">
+                <a16:creationId xmlns:a16="http://schemas.microsoft.com/office/drawing/2014/main" id="{536DC667-8273-C810-1058-FB32AFE64120}"/>
+              </a:ext>
+            </a:extLst>
+          </p:cNvPr>
+          <p:cNvSpPr>
+            <a:spLocks noGrp="1"/>
+          </p:cNvSpPr>
+          <p:nvPr>
+            <p:ph type="sldNum" sz="quarter" idx="12"/>
           </p:nvPr>
         </p:nvSpPr>
         <p:spPr/>
         <p:txBody>
-          <a:bodyPr>
-            <a:normAutofit/>
-          </a:bodyPr>
-          <a:lstStyle/>
-          <a:p>
-            <a:pPr marL="0" indent="0">
-              <a:buNone/>
-            </a:pPr>
-            <a:endParaRPr lang="en-US" dirty="0"/>
-          </a:p>
-        </p:txBody>
-      </p:sp>
-      <p:sp>
-        <p:nvSpPr>
-          <p:cNvPr id="4" name="Slide Number Placeholder 3">
-            <a:extLst>
-              <a:ext uri="{FF2B5EF4-FFF2-40B4-BE49-F238E27FC236}">
-                <a16:creationId xmlns:a16="http://schemas.microsoft.com/office/drawing/2014/main" id="{536DC667-8273-C810-1058-FB32AFE64120}"/>
-              </a:ext>
-            </a:extLst>
-          </p:cNvPr>
-          <p:cNvSpPr>
-            <a:spLocks noGrp="1"/>
-          </p:cNvSpPr>
-          <p:nvPr>
-            <p:ph type="sldNum" sz="quarter" idx="12"/>
-          </p:nvPr>
-        </p:nvSpPr>
-        <p:spPr/>
-        <p:txBody>
           <a:bodyPr/>
           <a:lstStyle/>
           <a:p>
             <a:fld id="{491CF4B3-B97C-1B49-985A-93725184CD23}" type="slidenum">
-              <a:rPr lang="en-US" smtClean="0"/>
+              <a:rPr lang="en-US" sz="1800" smtClean="0"/>
               <a:t>18</a:t>
             </a:fld>
-            <a:endParaRPr lang="en-US"/>
+            <a:endParaRPr lang="en-US" sz="1800" dirty="0"/>
+          </a:p>
+        </p:txBody>
+      </p:sp>
+      <p:cxnSp>
+        <p:nvCxnSpPr>
+          <p:cNvPr id="5" name="Straight Connector 4">
+            <a:extLst>
+              <a:ext uri="{FF2B5EF4-FFF2-40B4-BE49-F238E27FC236}">
+                <a16:creationId xmlns:a16="http://schemas.microsoft.com/office/drawing/2014/main" id="{13C53204-2FB8-6054-42DD-20F366597EE3}"/>
+              </a:ext>
+            </a:extLst>
+          </p:cNvPr>
+          <p:cNvCxnSpPr/>
+          <p:nvPr/>
+        </p:nvCxnSpPr>
+        <p:spPr>
+          <a:xfrm>
+            <a:off x="0" y="6190735"/>
+            <a:ext cx="12192000" cy="0"/>
+          </a:xfrm>
+          <a:prstGeom prst="line">
+            <a:avLst/>
+          </a:prstGeom>
+          <a:ln w="76200">
+            <a:solidFill>
+              <a:srgbClr val="002060"/>
+            </a:solidFill>
+          </a:ln>
+        </p:spPr>
+        <p:style>
+          <a:lnRef idx="3">
+            <a:schemeClr val="accent1"/>
+          </a:lnRef>
+          <a:fillRef idx="0">
+            <a:schemeClr val="accent1"/>
+          </a:fillRef>
+          <a:effectRef idx="2">
+            <a:schemeClr val="accent1"/>
+          </a:effectRef>
+          <a:fontRef idx="minor">
+            <a:schemeClr val="tx1"/>
+          </a:fontRef>
+        </p:style>
+      </p:cxnSp>
+      <p:sp>
+        <p:nvSpPr>
+          <p:cNvPr id="7" name="TextBox 6">
+            <a:extLst>
+              <a:ext uri="{FF2B5EF4-FFF2-40B4-BE49-F238E27FC236}">
+                <a16:creationId xmlns:a16="http://schemas.microsoft.com/office/drawing/2014/main" id="{70CB712A-3083-AD9F-BF1B-C629F693835C}"/>
+              </a:ext>
+            </a:extLst>
+          </p:cNvPr>
+          <p:cNvSpPr txBox="1"/>
+          <p:nvPr/>
+        </p:nvSpPr>
+        <p:spPr>
+          <a:xfrm>
+            <a:off x="598516" y="1526968"/>
+            <a:ext cx="11743113" cy="4247317"/>
+          </a:xfrm>
+          <a:prstGeom prst="rect">
+            <a:avLst/>
+          </a:prstGeom>
+          <a:noFill/>
+        </p:spPr>
+        <p:txBody>
+          <a:bodyPr wrap="square">
+            <a:spAutoFit/>
+          </a:bodyPr>
+          <a:lstStyle/>
+          <a:p>
+            <a:r>
+              <a:rPr lang="en-GB" b="0" i="1" dirty="0">
+                <a:effectLst/>
+                <a:latin typeface="Menlo" panose="020B0609030804020204" pitchFamily="49" charset="0"/>
+              </a:rPr>
+              <a:t>Import numpy as np</a:t>
+            </a:r>
+          </a:p>
+          <a:p>
+            <a:r>
+              <a:rPr lang="en-GB" i="1" dirty="0">
+                <a:latin typeface="Menlo" panose="020B0609030804020204" pitchFamily="49" charset="0"/>
+              </a:rPr>
+              <a:t>Import pandas as pd</a:t>
+            </a:r>
+          </a:p>
+          <a:p>
+            <a:endParaRPr lang="en-GB" b="0" i="1" dirty="0">
+              <a:effectLst/>
+              <a:latin typeface="Menlo" panose="020B0609030804020204" pitchFamily="49" charset="0"/>
+            </a:endParaRPr>
+          </a:p>
+          <a:p>
+            <a:r>
+              <a:rPr lang="en-GB" b="0" i="1" dirty="0">
+                <a:effectLst/>
+                <a:latin typeface="Menlo" panose="020B0609030804020204" pitchFamily="49" charset="0"/>
+              </a:rPr>
+              <a:t>def</a:t>
+            </a:r>
+            <a:r>
+              <a:rPr lang="en-GB" b="0" dirty="0">
+                <a:effectLst/>
+                <a:latin typeface="Menlo" panose="020B0609030804020204" pitchFamily="49" charset="0"/>
+              </a:rPr>
+              <a:t> top10_songs(</a:t>
+            </a:r>
+            <a:r>
+              <a:rPr lang="en-GB" b="0" i="1" dirty="0">
+                <a:effectLst/>
+                <a:latin typeface="Menlo" panose="020B0609030804020204" pitchFamily="49" charset="0"/>
+              </a:rPr>
+              <a:t>path_to_file</a:t>
+            </a:r>
+            <a:r>
+              <a:rPr lang="en-GB" b="0" dirty="0">
+                <a:effectLst/>
+                <a:latin typeface="Menlo" panose="020B0609030804020204" pitchFamily="49" charset="0"/>
+              </a:rPr>
+              <a:t>, </a:t>
+            </a:r>
+            <a:r>
+              <a:rPr lang="en-GB" b="0" i="1" dirty="0">
+                <a:effectLst/>
+                <a:latin typeface="Menlo" panose="020B0609030804020204" pitchFamily="49" charset="0"/>
+              </a:rPr>
+              <a:t>col_name</a:t>
+            </a:r>
+            <a:r>
+              <a:rPr lang="en-GB" b="0" dirty="0">
+                <a:effectLst/>
+                <a:latin typeface="Menlo" panose="020B0609030804020204" pitchFamily="49" charset="0"/>
+              </a:rPr>
+              <a:t>, </a:t>
+            </a:r>
+            <a:r>
+              <a:rPr lang="en-GB" b="0" i="1" dirty="0">
+                <a:effectLst/>
+                <a:latin typeface="Menlo" panose="020B0609030804020204" pitchFamily="49" charset="0"/>
+              </a:rPr>
+              <a:t>col_beats</a:t>
+            </a:r>
+            <a:r>
+              <a:rPr lang="en-GB" b="0" dirty="0">
+                <a:effectLst/>
+                <a:latin typeface="Menlo" panose="020B0609030804020204" pitchFamily="49" charset="0"/>
+              </a:rPr>
+              <a:t>, </a:t>
+            </a:r>
+            <a:r>
+              <a:rPr lang="en-GB" b="0" i="1" dirty="0">
+                <a:effectLst/>
+                <a:latin typeface="Menlo" panose="020B0609030804020204" pitchFamily="49" charset="0"/>
+              </a:rPr>
+              <a:t>col_popular</a:t>
+            </a:r>
+            <a:r>
+              <a:rPr lang="en-GB" b="0" dirty="0">
+                <a:effectLst/>
+                <a:latin typeface="Menlo" panose="020B0609030804020204" pitchFamily="49" charset="0"/>
+              </a:rPr>
+              <a:t>):</a:t>
+            </a:r>
+          </a:p>
+          <a:p>
+            <a:r>
+              <a:rPr lang="en-GB" b="0" dirty="0">
+                <a:effectLst/>
+                <a:latin typeface="Menlo" panose="020B0609030804020204" pitchFamily="49" charset="0"/>
+              </a:rPr>
+              <a:t>	df = pd.read_csv(</a:t>
+            </a:r>
+            <a:r>
+              <a:rPr lang="en-GB" b="0" i="1" dirty="0">
+                <a:effectLst/>
+                <a:latin typeface="Menlo" panose="020B0609030804020204" pitchFamily="49" charset="0"/>
+              </a:rPr>
+              <a:t>path_to_file</a:t>
+            </a:r>
+            <a:r>
+              <a:rPr lang="en-GB" b="0" dirty="0">
+                <a:effectLst/>
+                <a:latin typeface="Menlo" panose="020B0609030804020204" pitchFamily="49" charset="0"/>
+              </a:rPr>
+              <a:t>)</a:t>
+            </a:r>
+          </a:p>
+          <a:p>
+            <a:r>
+              <a:rPr lang="en-GB" b="0" dirty="0">
+                <a:effectLst/>
+                <a:latin typeface="Menlo" panose="020B0609030804020204" pitchFamily="49" charset="0"/>
+              </a:rPr>
+              <a:t>	dfsort = df.sort_values(</a:t>
+            </a:r>
+            <a:r>
+              <a:rPr lang="en-GB" b="0" i="1" dirty="0">
+                <a:effectLst/>
+                <a:latin typeface="Menlo" panose="020B0609030804020204" pitchFamily="49" charset="0"/>
+              </a:rPr>
+              <a:t>by</a:t>
+            </a:r>
+            <a:r>
+              <a:rPr lang="en-GB" b="0" dirty="0">
+                <a:effectLst/>
+                <a:latin typeface="Menlo" panose="020B0609030804020204" pitchFamily="49" charset="0"/>
+              </a:rPr>
+              <a:t> = </a:t>
+            </a:r>
+            <a:r>
+              <a:rPr lang="en-GB" b="0" i="1" dirty="0">
+                <a:effectLst/>
+                <a:latin typeface="Menlo" panose="020B0609030804020204" pitchFamily="49" charset="0"/>
+              </a:rPr>
+              <a:t>col_beats</a:t>
+            </a:r>
+            <a:r>
+              <a:rPr lang="en-GB" b="0" dirty="0">
+                <a:effectLst/>
+                <a:latin typeface="Menlo" panose="020B0609030804020204" pitchFamily="49" charset="0"/>
+              </a:rPr>
+              <a:t>, </a:t>
+            </a:r>
+            <a:r>
+              <a:rPr lang="en-GB" b="0" i="1" dirty="0">
+                <a:effectLst/>
+                <a:latin typeface="Menlo" panose="020B0609030804020204" pitchFamily="49" charset="0"/>
+              </a:rPr>
+              <a:t>ascending</a:t>
+            </a:r>
+            <a:r>
+              <a:rPr lang="en-GB" b="0" dirty="0">
+                <a:effectLst/>
+                <a:latin typeface="Menlo" panose="020B0609030804020204" pitchFamily="49" charset="0"/>
+              </a:rPr>
+              <a:t> = False)</a:t>
+            </a:r>
+          </a:p>
+          <a:p>
+            <a:r>
+              <a:rPr lang="en-GB" b="0" dirty="0">
+                <a:effectLst/>
+                <a:latin typeface="Menlo" panose="020B0609030804020204" pitchFamily="49" charset="0"/>
+              </a:rPr>
+              <a:t>	top10 = dfsort[0:10]</a:t>
+            </a:r>
+          </a:p>
+          <a:p>
+            <a:r>
+              <a:rPr lang="en-GB" b="0" dirty="0">
+                <a:effectLst/>
+                <a:latin typeface="Menlo" panose="020B0609030804020204" pitchFamily="49" charset="0"/>
+              </a:rPr>
+              <a:t>	top10_names = top10[</a:t>
+            </a:r>
+            <a:r>
+              <a:rPr lang="en-GB" b="0" i="1" dirty="0">
+                <a:effectLst/>
+                <a:latin typeface="Menlo" panose="020B0609030804020204" pitchFamily="49" charset="0"/>
+              </a:rPr>
+              <a:t>col_name</a:t>
+            </a:r>
+            <a:r>
+              <a:rPr lang="en-GB" b="0" dirty="0">
+                <a:effectLst/>
+                <a:latin typeface="Menlo" panose="020B0609030804020204" pitchFamily="49" charset="0"/>
+              </a:rPr>
+              <a:t>].</a:t>
+            </a:r>
+            <a:r>
+              <a:rPr lang="en-GB" dirty="0">
+                <a:effectLst/>
+                <a:latin typeface="Menlo" panose="020B0609030804020204" pitchFamily="49" charset="0"/>
+              </a:rPr>
+              <a:t>tolist()</a:t>
+            </a:r>
+          </a:p>
+          <a:p>
+            <a:r>
+              <a:rPr lang="en-GB" dirty="0">
+                <a:effectLst/>
+                <a:latin typeface="Menlo" panose="020B0609030804020204" pitchFamily="49" charset="0"/>
+              </a:rPr>
+              <a:t>	print(top10_names)</a:t>
+            </a:r>
+          </a:p>
+          <a:p>
+            <a:r>
+              <a:rPr lang="en-GB" dirty="0">
+                <a:effectLst/>
+                <a:latin typeface="Menlo" panose="020B0609030804020204" pitchFamily="49" charset="0"/>
+              </a:rPr>
+              <a:t>	most_pop_song = top10[top10[</a:t>
+            </a:r>
+            <a:r>
+              <a:rPr lang="en-GB" i="1" dirty="0">
+                <a:effectLst/>
+                <a:latin typeface="Menlo" panose="020B0609030804020204" pitchFamily="49" charset="0"/>
+              </a:rPr>
+              <a:t>col_popular</a:t>
+            </a:r>
+            <a:r>
+              <a:rPr lang="en-GB" dirty="0">
+                <a:effectLst/>
+                <a:latin typeface="Menlo" panose="020B0609030804020204" pitchFamily="49" charset="0"/>
+              </a:rPr>
+              <a:t>] == np.max(top10[</a:t>
+            </a:r>
+            <a:r>
+              <a:rPr lang="en-GB" i="1" dirty="0">
+                <a:effectLst/>
+                <a:latin typeface="Menlo" panose="020B0609030804020204" pitchFamily="49" charset="0"/>
+              </a:rPr>
+              <a:t>col_popular</a:t>
+            </a:r>
+            <a:r>
+              <a:rPr lang="en-GB" dirty="0">
+                <a:effectLst/>
+                <a:latin typeface="Menlo" panose="020B0609030804020204" pitchFamily="49" charset="0"/>
+              </a:rPr>
+              <a:t>])]</a:t>
+            </a:r>
+          </a:p>
+          <a:p>
+            <a:r>
+              <a:rPr lang="en-GB" dirty="0">
+                <a:effectLst/>
+                <a:latin typeface="Menlo" panose="020B0609030804020204" pitchFamily="49" charset="0"/>
+              </a:rPr>
+              <a:t>	most_pop_song =[</a:t>
+            </a:r>
+            <a:r>
+              <a:rPr lang="en-GB" i="1" dirty="0">
+                <a:effectLst/>
+                <a:latin typeface="Menlo" panose="020B0609030804020204" pitchFamily="49" charset="0"/>
+              </a:rPr>
+              <a:t>col_name</a:t>
+            </a:r>
+            <a:r>
+              <a:rPr lang="en-GB" dirty="0">
+                <a:effectLst/>
+                <a:latin typeface="Menlo" panose="020B0609030804020204" pitchFamily="49" charset="0"/>
+              </a:rPr>
+              <a:t>]</a:t>
+            </a:r>
+          </a:p>
+          <a:p>
+            <a:r>
+              <a:rPr lang="en-GB" b="0" dirty="0">
+                <a:effectLst/>
+                <a:latin typeface="Menlo" panose="020B0609030804020204" pitchFamily="49" charset="0"/>
+              </a:rPr>
+              <a:t>	print("\n")</a:t>
+            </a:r>
+          </a:p>
+          <a:p>
+            <a:r>
+              <a:rPr lang="en-GB" b="0" dirty="0">
+                <a:effectLst/>
+                <a:latin typeface="Menlo" panose="020B0609030804020204" pitchFamily="49" charset="0"/>
+              </a:rPr>
+              <a:t>	print("Most popular song:", most_pop_song.item())</a:t>
+            </a:r>
+          </a:p>
+          <a:p>
+            <a:br>
+              <a:rPr lang="en-GB" b="0" dirty="0">
+                <a:effectLst/>
+                <a:latin typeface="Menlo" panose="020B0609030804020204" pitchFamily="49" charset="0"/>
+              </a:rPr>
+            </a:br>
+            <a:r>
+              <a:rPr lang="en-GB" b="0" dirty="0">
+                <a:effectLst/>
+                <a:latin typeface="Menlo" panose="020B0609030804020204" pitchFamily="49" charset="0"/>
+              </a:rPr>
+              <a:t>top10_songs("Data/spotify_taylorswift.csv", "name", "danceability", "popularity")</a:t>
+            </a:r>
           </a:p>
         </p:txBody>
       </p:sp>
@@ -5796,7 +6759,7 @@
                   </a:schemeClr>
                 </a:solidFill>
               </a:rPr>
-              <a:t>Exercise 7: Taylor Swift Songs</a:t>
+              <a:t>Exercise 7: what day is it? </a:t>
             </a:r>
             <a:r>
               <a:rPr lang="en-US" dirty="0"/>
@@ -5821,7 +6784,12 @@
             <p:ph idx="1"/>
           </p:nvPr>
         </p:nvSpPr>
-        <p:spPr/>
+        <p:spPr>
+          <a:xfrm>
+            <a:off x="838200" y="1553067"/>
+            <a:ext cx="10515600" cy="4351338"/>
+          </a:xfrm>
+        </p:spPr>
         <p:txBody>
           <a:bodyPr>
             <a:normAutofit/>
@@ -5832,43 +6800,85 @@
               <a:buNone/>
             </a:pPr>
             <a:r>
-              <a:rPr lang="en-US" dirty="0"/>
-              <a:t>Create a function that output the day of the week in which each of her songs were published.</a:t>
+              <a:rPr lang="en-US" sz="2400" dirty="0"/>
+              <a:t>Create a function that outputs the day of the week in which each of Taylor Swift’s songs were published.</a:t>
             </a:r>
           </a:p>
           <a:p>
             <a:pPr marL="0" indent="0">
               <a:buNone/>
             </a:pPr>
-            <a:endParaRPr lang="en-US" dirty="0"/>
+            <a:endParaRPr lang="en-US" sz="2400" b="1" dirty="0">
+              <a:solidFill>
+                <a:srgbClr val="002060"/>
+              </a:solidFill>
+            </a:endParaRPr>
           </a:p>
           <a:p>
             <a:pPr marL="0" indent="0">
               <a:buNone/>
             </a:pPr>
             <a:r>
-              <a:rPr lang="en-US" dirty="0"/>
-              <a:t>ser = </a:t>
-            </a:r>
-            <a:r>
-              <a:rPr lang="en-US" dirty="0" err="1"/>
-              <a:t>pd.Series</a:t>
-            </a:r>
-            <a:r>
-              <a:rPr lang="en-US" dirty="0"/>
-              <a:t>(['01 Jan 2010', '02-02-2011', '20120303', '2013/04/04', '2014-05-05'])</a:t>
+              <a:rPr lang="en-US" sz="2400" b="1" dirty="0">
+                <a:solidFill>
+                  <a:srgbClr val="002060"/>
+                </a:solidFill>
+              </a:rPr>
+              <a:t>Input: </a:t>
+            </a:r>
+            <a:r>
+              <a:rPr lang="en-US" sz="2400" dirty="0"/>
+              <a:t>("Data/spotify_taylorswift.csv", </a:t>
+            </a:r>
+            <a:r>
+              <a:rPr lang="en-GB" sz="2400" dirty="0"/>
+              <a:t>”</a:t>
+            </a:r>
+            <a:r>
+              <a:rPr lang="en-GB" sz="2400" dirty="0" err="1"/>
+              <a:t>release_date</a:t>
+            </a:r>
+            <a:r>
+              <a:rPr lang="en-GB" sz="2400" dirty="0"/>
+              <a:t>")</a:t>
+            </a:r>
+            <a:endParaRPr lang="en-US" sz="2400" b="1" dirty="0">
+              <a:solidFill>
+                <a:srgbClr val="002060"/>
+              </a:solidFill>
+            </a:endParaRPr>
+          </a:p>
+          <a:p>
+            <a:pPr marL="0" indent="0">
+              <a:buNone/>
+            </a:pPr>
+            <a:r>
+              <a:rPr lang="en-US" sz="2400" b="1" dirty="0">
+                <a:solidFill>
+                  <a:srgbClr val="002060"/>
+                </a:solidFill>
+              </a:rPr>
+              <a:t>Example dates </a:t>
+            </a:r>
+            <a:r>
+              <a:rPr lang="en-US" sz="2400" dirty="0"/>
+              <a:t>= pd.Series(['01 Jan 2010', '02-02-2011', '20120303', '2013/04/04', '2014-05-05'])</a:t>
             </a:r>
             <a:br>
-              <a:rPr lang="en-US" dirty="0"/>
+              <a:rPr lang="en-US" sz="2400" dirty="0"/>
             </a:br>
-            <a:endParaRPr lang="en-US" dirty="0"/>
+            <a:endParaRPr lang="en-US" sz="2400" dirty="0"/>
           </a:p>
           <a:p>
             <a:pPr marL="0" indent="0">
               <a:buNone/>
             </a:pPr>
             <a:r>
-              <a:rPr lang="en-US" dirty="0"/>
+              <a:rPr lang="en-US" sz="2400" b="1" dirty="0">
+                <a:solidFill>
+                  <a:srgbClr val="002060"/>
+                </a:solidFill>
+              </a:rPr>
               <a:t>Desired output</a:t>
             </a:r>
           </a:p>
@@ -5877,12 +6887,29 @@
               <a:buNone/>
             </a:pPr>
             <a:r>
-              <a:rPr lang="en-US" dirty="0"/>
-              <a:t>Day of week:  ['Friday', 'Wednesday', 'Saturday', 'Thursday', 'Monday']</a:t>
-            </a:r>
-          </a:p>
-          <a:p>
-            <a:endParaRPr lang="en-US" dirty="0"/>
+              <a:rPr lang="en-US" sz="2400" dirty="0"/>
+              <a:t>Date: [0, 1, 2, 3, 4, 5…]</a:t>
+            </a:r>
+          </a:p>
+          <a:p>
+            <a:pPr marL="0" indent="0">
+              <a:buNone/>
+            </a:pPr>
+            <a:r>
+              <a:rPr lang="en-US" sz="2400" dirty="0"/>
+              <a:t>Day of week:  [</a:t>
+            </a:r>
+            <a:r>
+              <a:rPr lang="en-GB" sz="2400" dirty="0"/>
+              <a:t>friday', 'friday', 'friday', 'friday', 'friday’, </a:t>
+            </a:r>
+            <a:r>
+              <a:rPr lang="en-US" sz="2400" dirty="0"/>
+              <a:t>…]</a:t>
+            </a:r>
+          </a:p>
+          <a:p>
+            <a:endParaRPr lang="en-US" sz="2400" dirty="0"/>
           </a:p>
         </p:txBody>
       </p:sp>
@@ -5908,13 +6935,54 @@
           <a:lstStyle/>
           <a:p>
             <a:fld id="{491CF4B3-B97C-1B49-985A-93725184CD23}" type="slidenum">
-              <a:rPr lang="en-US" smtClean="0"/>
+              <a:rPr lang="en-US" sz="1800" smtClean="0"/>
               <a:t>19</a:t>
             </a:fld>
-            <a:endParaRPr lang="en-US"/>
-          </a:p>
-        </p:txBody>
-      </p:sp>
+            <a:endParaRPr lang="en-US" sz="1800" dirty="0"/>
+          </a:p>
+        </p:txBody>
+      </p:sp>
+      <p:cxnSp>
+        <p:nvCxnSpPr>
+          <p:cNvPr id="5" name="Straight Connector 4">
+            <a:extLst>
+              <a:ext uri="{FF2B5EF4-FFF2-40B4-BE49-F238E27FC236}">
+                <a16:creationId xmlns:a16="http://schemas.microsoft.com/office/drawing/2014/main" id="{55986CF0-7DD5-09EE-9FA6-C0E5D6A94CA4}"/>
+              </a:ext>
+            </a:extLst>
+          </p:cNvPr>
+          <p:cNvCxnSpPr/>
+          <p:nvPr/>
+        </p:nvCxnSpPr>
+        <p:spPr>
+          <a:xfrm>
+            <a:off x="0" y="6190735"/>
+            <a:ext cx="12192000" cy="0"/>
+          </a:xfrm>
+          <a:prstGeom prst="line">
+            <a:avLst/>
+          </a:prstGeom>
+          <a:ln w="76200">
+            <a:solidFill>
+              <a:srgbClr val="002060"/>
+            </a:solidFill>
+          </a:ln>
+        </p:spPr>
+        <p:style>
+          <a:lnRef idx="3">
+            <a:schemeClr val="accent1"/>
+          </a:lnRef>
+          <a:fillRef idx="0">
+            <a:schemeClr val="accent1"/>
+          </a:fillRef>
+          <a:effectRef idx="2">
+            <a:schemeClr val="accent1"/>
+          </a:effectRef>
+          <a:fontRef idx="minor">
+            <a:schemeClr val="tx1"/>
+          </a:fontRef>
+        </p:style>
+      </p:cxnSp>
     </p:spTree>
     <p:extLst>
       <p:ext uri="{BB962C8B-B14F-4D97-AF65-F5344CB8AC3E}">
@@ -6267,7 +7335,12 @@
             <p:ph type="title"/>
           </p:nvPr>
         </p:nvSpPr>
-        <p:spPr/>
+        <p:spPr>
+          <a:xfrm>
+            <a:off x="7105358" y="437531"/>
+            <a:ext cx="10515600" cy="1325563"/>
+          </a:xfrm>
+        </p:spPr>
         <p:txBody>
           <a:bodyPr/>
           <a:lstStyle/>
@@ -6288,60 +7361,657 @@
       </p:sp>
       <p:sp>
         <p:nvSpPr>
-          <p:cNvPr id="3" name="Content Placeholder 2">
-            <a:extLst>
-              <a:ext uri="{FF2B5EF4-FFF2-40B4-BE49-F238E27FC236}">
-                <a16:creationId xmlns:a16="http://schemas.microsoft.com/office/drawing/2014/main" id="{C525A007-A8EE-CD6D-6800-C06E6CB49CB0}"/>
-              </a:ext>
-            </a:extLst>
-          </p:cNvPr>
-          <p:cNvSpPr>
-            <a:spLocks noGrp="1"/>
-          </p:cNvSpPr>
-          <p:nvPr>
-            <p:ph idx="1"/>
+          <p:cNvPr id="4" name="Slide Number Placeholder 3">
+            <a:extLst>
+              <a:ext uri="{FF2B5EF4-FFF2-40B4-BE49-F238E27FC236}">
+                <a16:creationId xmlns:a16="http://schemas.microsoft.com/office/drawing/2014/main" id="{536DC667-8273-C810-1058-FB32AFE64120}"/>
+              </a:ext>
+            </a:extLst>
+          </p:cNvPr>
+          <p:cNvSpPr>
+            <a:spLocks noGrp="1"/>
+          </p:cNvSpPr>
+          <p:nvPr>
+            <p:ph type="sldNum" sz="quarter" idx="12"/>
           </p:nvPr>
         </p:nvSpPr>
         <p:spPr/>
         <p:txBody>
-          <a:bodyPr>
-            <a:normAutofit/>
-          </a:bodyPr>
-          <a:lstStyle/>
-          <a:p>
-            <a:pPr marL="0" indent="0">
-              <a:buNone/>
-            </a:pPr>
-            <a:endParaRPr lang="en-US" dirty="0"/>
-          </a:p>
-        </p:txBody>
-      </p:sp>
-      <p:sp>
-        <p:nvSpPr>
-          <p:cNvPr id="4" name="Slide Number Placeholder 3">
-            <a:extLst>
-              <a:ext uri="{FF2B5EF4-FFF2-40B4-BE49-F238E27FC236}">
-                <a16:creationId xmlns:a16="http://schemas.microsoft.com/office/drawing/2014/main" id="{536DC667-8273-C810-1058-FB32AFE64120}"/>
-              </a:ext>
-            </a:extLst>
-          </p:cNvPr>
-          <p:cNvSpPr>
-            <a:spLocks noGrp="1"/>
-          </p:cNvSpPr>
-          <p:nvPr>
-            <p:ph type="sldNum" sz="quarter" idx="12"/>
-          </p:nvPr>
-        </p:nvSpPr>
-        <p:spPr/>
-        <p:txBody>
           <a:bodyPr/>
           <a:lstStyle/>
           <a:p>
             <a:fld id="{491CF4B3-B97C-1B49-985A-93725184CD23}" type="slidenum">
-              <a:rPr lang="en-US" smtClean="0"/>
+              <a:rPr lang="en-US" sz="1800" smtClean="0"/>
               <a:t>20</a:t>
             </a:fld>
-            <a:endParaRPr lang="en-US"/>
+            <a:endParaRPr lang="en-US" sz="1800"/>
+          </a:p>
+        </p:txBody>
+      </p:sp>
+      <p:cxnSp>
+        <p:nvCxnSpPr>
+          <p:cNvPr id="5" name="Straight Connector 4">
+            <a:extLst>
+              <a:ext uri="{FF2B5EF4-FFF2-40B4-BE49-F238E27FC236}">
+                <a16:creationId xmlns:a16="http://schemas.microsoft.com/office/drawing/2014/main" id="{0E61EEDA-BCB6-91EF-177E-74A756021D77}"/>
+              </a:ext>
+            </a:extLst>
+          </p:cNvPr>
+          <p:cNvCxnSpPr/>
+          <p:nvPr/>
+        </p:nvCxnSpPr>
+        <p:spPr>
+          <a:xfrm>
+            <a:off x="0" y="6190735"/>
+            <a:ext cx="12192000" cy="0"/>
+          </a:xfrm>
+          <a:prstGeom prst="line">
+            <a:avLst/>
+          </a:prstGeom>
+          <a:ln w="76200">
+            <a:solidFill>
+              <a:srgbClr val="002060"/>
+            </a:solidFill>
+          </a:ln>
+        </p:spPr>
+        <p:style>
+          <a:lnRef idx="3">
+            <a:schemeClr val="accent1"/>
+          </a:lnRef>
+          <a:fillRef idx="0">
+            <a:schemeClr val="accent1"/>
+          </a:fillRef>
+          <a:effectRef idx="2">
+            <a:schemeClr val="accent1"/>
+          </a:effectRef>
+          <a:fontRef idx="minor">
+            <a:schemeClr val="tx1"/>
+          </a:fontRef>
+        </p:style>
+      </p:cxnSp>
+      <p:pic>
+        <p:nvPicPr>
+          <p:cNvPr id="6" name="Picture 2" descr="Exclamation Point Blue Images – Browse 21,596 Stock Photos, Vectors, and  Video | Adobe Stock">
+            <a:extLst>
+              <a:ext uri="{FF2B5EF4-FFF2-40B4-BE49-F238E27FC236}">
+                <a16:creationId xmlns:a16="http://schemas.microsoft.com/office/drawing/2014/main" id="{BCB8966A-5A3F-E1CA-84C1-02C269B27515}"/>
+              </a:ext>
+            </a:extLst>
+          </p:cNvPr>
+          <p:cNvPicPr>
+            <a:picLocks noChangeAspect="1" noChangeArrowheads="1"/>
+          </p:cNvPicPr>
+          <p:nvPr/>
+        </p:nvPicPr>
+        <p:blipFill>
+          <a:blip r:embed="rId2">
+            <a:extLst>
+              <a:ext uri="{28A0092B-C50C-407E-A947-70E740481C1C}">
+                <a14:useLocalDpi xmlns:a14="http://schemas.microsoft.com/office/drawing/2010/main" val="0"/>
+              </a:ext>
+            </a:extLst>
+          </a:blip>
+          <a:srcRect/>
+          <a:stretch>
+            <a:fillRect/>
+          </a:stretch>
+        </p:blipFill>
+        <p:spPr bwMode="auto">
+          <a:xfrm>
+            <a:off x="6706347" y="4290000"/>
+            <a:ext cx="1322362" cy="1322362"/>
+          </a:xfrm>
+          <a:prstGeom prst="rect">
+            <a:avLst/>
+          </a:prstGeom>
+          <a:noFill/>
+          <a:extLst>
+            <a:ext uri="{909E8E84-426E-40DD-AFC4-6F175D3DCCD1}">
+              <a14:hiddenFill xmlns:a14="http://schemas.microsoft.com/office/drawing/2010/main">
+                <a:solidFill>
+                  <a:srgbClr val="FFFFFF"/>
+                </a:solidFill>
+              </a14:hiddenFill>
+            </a:ext>
+          </a:extLst>
+        </p:spPr>
+      </p:pic>
+      <p:sp>
+        <p:nvSpPr>
+          <p:cNvPr id="8" name="TextBox 7">
+            <a:extLst>
+              <a:ext uri="{FF2B5EF4-FFF2-40B4-BE49-F238E27FC236}">
+                <a16:creationId xmlns:a16="http://schemas.microsoft.com/office/drawing/2014/main" id="{B0CA3993-8C8D-DFF2-05A9-A4AB88F300F4}"/>
+              </a:ext>
+            </a:extLst>
+          </p:cNvPr>
+          <p:cNvSpPr txBox="1"/>
+          <p:nvPr/>
+        </p:nvSpPr>
+        <p:spPr>
+          <a:xfrm>
+            <a:off x="437804" y="797510"/>
+            <a:ext cx="7709307" cy="5262979"/>
+          </a:xfrm>
+          <a:prstGeom prst="rect">
+            <a:avLst/>
+          </a:prstGeom>
+          <a:noFill/>
+        </p:spPr>
+        <p:txBody>
+          <a:bodyPr wrap="square">
+            <a:spAutoFit/>
+          </a:bodyPr>
+          <a:lstStyle/>
+          <a:p>
+            <a:r>
+              <a:rPr lang="en-GB" sz="1200" b="0" i="1" dirty="0">
+                <a:effectLst/>
+                <a:latin typeface="Menlo" panose="020B0609030804020204" pitchFamily="49" charset="0"/>
+              </a:rPr>
+              <a:t>def</a:t>
+            </a:r>
+            <a:r>
+              <a:rPr lang="en-GB" sz="1200" b="0" dirty="0">
+                <a:effectLst/>
+                <a:latin typeface="Menlo" panose="020B0609030804020204" pitchFamily="49" charset="0"/>
+              </a:rPr>
+              <a:t> day_of_week(</a:t>
+            </a:r>
+            <a:r>
+              <a:rPr lang="en-GB" sz="1200" b="0" i="1" dirty="0">
+                <a:effectLst/>
+                <a:latin typeface="Menlo" panose="020B0609030804020204" pitchFamily="49" charset="0"/>
+              </a:rPr>
+              <a:t>path_to_file</a:t>
+            </a:r>
+            <a:r>
+              <a:rPr lang="en-GB" sz="1200" b="0" dirty="0">
+                <a:effectLst/>
+                <a:latin typeface="Menlo" panose="020B0609030804020204" pitchFamily="49" charset="0"/>
+              </a:rPr>
+              <a:t>, </a:t>
+            </a:r>
+            <a:r>
+              <a:rPr lang="en-GB" sz="1200" b="0" i="1" dirty="0">
+                <a:effectLst/>
+                <a:latin typeface="Menlo" panose="020B0609030804020204" pitchFamily="49" charset="0"/>
+              </a:rPr>
+              <a:t>col_date</a:t>
+            </a:r>
+            <a:r>
+              <a:rPr lang="en-GB" sz="1200" b="0" dirty="0">
+                <a:effectLst/>
+                <a:latin typeface="Menlo" panose="020B0609030804020204" pitchFamily="49" charset="0"/>
+              </a:rPr>
+              <a:t>):</a:t>
+            </a:r>
+          </a:p>
+          <a:p>
+            <a:r>
+              <a:rPr lang="en-GB" sz="1200" b="0" dirty="0">
+                <a:effectLst/>
+                <a:latin typeface="Menlo" panose="020B0609030804020204" pitchFamily="49" charset="0"/>
+              </a:rPr>
+              <a:t>	df = </a:t>
+            </a:r>
+            <a:r>
+              <a:rPr lang="en-GB" sz="1200" b="0" u="sng" dirty="0">
+                <a:effectLst/>
+                <a:latin typeface="Menlo" panose="020B0609030804020204" pitchFamily="49" charset="0"/>
+              </a:rPr>
+              <a:t>pd</a:t>
+            </a:r>
+            <a:r>
+              <a:rPr lang="en-GB" sz="1200" b="0" dirty="0">
+                <a:effectLst/>
+                <a:latin typeface="Menlo" panose="020B0609030804020204" pitchFamily="49" charset="0"/>
+              </a:rPr>
+              <a:t>.read_csv(</a:t>
+            </a:r>
+            <a:r>
+              <a:rPr lang="en-GB" sz="1200" b="0" i="1" dirty="0">
+                <a:effectLst/>
+                <a:latin typeface="Menlo" panose="020B0609030804020204" pitchFamily="49" charset="0"/>
+              </a:rPr>
+              <a:t>path_to_file</a:t>
+            </a:r>
+            <a:r>
+              <a:rPr lang="en-GB" sz="1200" b="0" dirty="0">
+                <a:effectLst/>
+                <a:latin typeface="Menlo" panose="020B0609030804020204" pitchFamily="49" charset="0"/>
+              </a:rPr>
+              <a:t>)</a:t>
+            </a:r>
+          </a:p>
+          <a:p>
+            <a:r>
+              <a:rPr lang="en-GB" sz="1200" b="0" dirty="0">
+                <a:effectLst/>
+                <a:latin typeface="Menlo" panose="020B0609030804020204" pitchFamily="49" charset="0"/>
+              </a:rPr>
+              <a:t>	dates = df[</a:t>
+            </a:r>
+            <a:r>
+              <a:rPr lang="en-GB" sz="1200" b="0" i="1" dirty="0">
+                <a:effectLst/>
+                <a:latin typeface="Menlo" panose="020B0609030804020204" pitchFamily="49" charset="0"/>
+              </a:rPr>
+              <a:t>col_date</a:t>
+            </a:r>
+            <a:r>
+              <a:rPr lang="en-GB" sz="1200" b="0" dirty="0">
+                <a:effectLst/>
+                <a:latin typeface="Menlo" panose="020B0609030804020204" pitchFamily="49" charset="0"/>
+              </a:rPr>
+              <a:t>]</a:t>
+            </a:r>
+          </a:p>
+          <a:p>
+            <a:r>
+              <a:rPr lang="en-GB" sz="1200" b="0" dirty="0">
+                <a:effectLst/>
+                <a:latin typeface="Menlo" panose="020B0609030804020204" pitchFamily="49" charset="0"/>
+              </a:rPr>
+              <a:t>	days_dict = {0: "Sunday", 1: "Monday", 2: "Tuesday",</a:t>
+            </a:r>
+          </a:p>
+          <a:p>
+            <a:r>
+              <a:rPr lang="en-GB" sz="1200" dirty="0">
+                <a:latin typeface="Menlo" panose="020B0609030804020204" pitchFamily="49" charset="0"/>
+              </a:rPr>
+              <a:t>		  </a:t>
+            </a:r>
+            <a:r>
+              <a:rPr lang="en-GB" sz="1200" b="0" dirty="0">
+                <a:effectLst/>
+                <a:latin typeface="Menlo" panose="020B0609030804020204" pitchFamily="49" charset="0"/>
+              </a:rPr>
+              <a:t> 3: "Wednesday", 4: "Thursday", 5: "friday", 6: "Saturday"}</a:t>
+            </a:r>
+          </a:p>
+          <a:p>
+            <a:r>
+              <a:rPr lang="en-GB" sz="1200" b="0" dirty="0">
+                <a:effectLst/>
+                <a:latin typeface="Menlo" panose="020B0609030804020204" pitchFamily="49" charset="0"/>
+              </a:rPr>
+              <a:t>	dates_num = [], days_week = []</a:t>
+            </a:r>
+          </a:p>
+          <a:p>
+            <a:r>
+              <a:rPr lang="en-GB" sz="1200" b="0" dirty="0">
+                <a:effectLst/>
+                <a:latin typeface="Menlo" panose="020B0609030804020204" pitchFamily="49" charset="0"/>
+              </a:rPr>
+              <a:t>	for n, d in </a:t>
+            </a:r>
+            <a:r>
+              <a:rPr lang="en-GB" sz="1200" b="0" u="sng" dirty="0">
+                <a:effectLst/>
+                <a:latin typeface="Menlo" panose="020B0609030804020204" pitchFamily="49" charset="0"/>
+              </a:rPr>
+              <a:t>enumerate</a:t>
+            </a:r>
+            <a:r>
+              <a:rPr lang="en-GB" sz="1200" b="0" dirty="0">
+                <a:effectLst/>
+                <a:latin typeface="Menlo" panose="020B0609030804020204" pitchFamily="49" charset="0"/>
+              </a:rPr>
+              <a:t>(dates):</a:t>
+            </a:r>
+          </a:p>
+          <a:p>
+            <a:r>
+              <a:rPr lang="en-GB" sz="1200" b="0" dirty="0">
+                <a:effectLst/>
+                <a:latin typeface="Menlo" panose="020B0609030804020204" pitchFamily="49" charset="0"/>
+              </a:rPr>
+              <a:t>		leap_year_this = False</a:t>
+            </a:r>
+          </a:p>
+          <a:p>
+            <a:r>
+              <a:rPr lang="en-GB" sz="1200" b="0" dirty="0">
+                <a:effectLst/>
+                <a:latin typeface="Menlo" panose="020B0609030804020204" pitchFamily="49" charset="0"/>
+              </a:rPr>
+              <a:t>		year =(</a:t>
+            </a:r>
+            <a:r>
+              <a:rPr lang="en-GB" sz="1200" b="0" u="sng" dirty="0">
+                <a:effectLst/>
+                <a:latin typeface="Menlo" panose="020B0609030804020204" pitchFamily="49" charset="0"/>
+              </a:rPr>
+              <a:t>int</a:t>
+            </a:r>
+            <a:r>
+              <a:rPr lang="en-GB" sz="1200" b="0" dirty="0">
+                <a:effectLst/>
+                <a:latin typeface="Menlo" panose="020B0609030804020204" pitchFamily="49" charset="0"/>
+              </a:rPr>
+              <a:t>(d[2:4]) + (</a:t>
+            </a:r>
+            <a:r>
+              <a:rPr lang="en-GB" sz="1200" b="0" u="sng" dirty="0">
+                <a:effectLst/>
+                <a:latin typeface="Menlo" panose="020B0609030804020204" pitchFamily="49" charset="0"/>
+              </a:rPr>
+              <a:t>int</a:t>
+            </a:r>
+            <a:r>
+              <a:rPr lang="en-GB" sz="1200" b="0" dirty="0">
+                <a:effectLst/>
+                <a:latin typeface="Menlo" panose="020B0609030804020204" pitchFamily="49" charset="0"/>
+              </a:rPr>
+              <a:t>(d[2:4])//4)) % 7</a:t>
+            </a:r>
+          </a:p>
+          <a:p>
+            <a:r>
+              <a:rPr lang="en-GB" sz="1200" b="0" dirty="0">
+                <a:effectLst/>
+                <a:latin typeface="Menlo" panose="020B0609030804020204" pitchFamily="49" charset="0"/>
+              </a:rPr>
+              <a:t>		monthcode = "033614625035"</a:t>
+            </a:r>
+          </a:p>
+          <a:p>
+            <a:r>
+              <a:rPr lang="en-GB" sz="1200" b="0" dirty="0">
+                <a:effectLst/>
+                <a:latin typeface="Menlo" panose="020B0609030804020204" pitchFamily="49" charset="0"/>
+              </a:rPr>
+              <a:t>		month = </a:t>
+            </a:r>
+            <a:r>
+              <a:rPr lang="en-GB" sz="1200" b="0" u="sng" dirty="0">
+                <a:effectLst/>
+                <a:latin typeface="Menlo" panose="020B0609030804020204" pitchFamily="49" charset="0"/>
+              </a:rPr>
+              <a:t>int</a:t>
+            </a:r>
+            <a:r>
+              <a:rPr lang="en-GB" sz="1200" b="0" dirty="0">
+                <a:effectLst/>
+                <a:latin typeface="Menlo" panose="020B0609030804020204" pitchFamily="49" charset="0"/>
+              </a:rPr>
+              <a:t>(monthcode[</a:t>
+            </a:r>
+            <a:r>
+              <a:rPr lang="en-GB" sz="1200" b="0" u="sng" dirty="0">
+                <a:effectLst/>
+                <a:latin typeface="Menlo" panose="020B0609030804020204" pitchFamily="49" charset="0"/>
+              </a:rPr>
+              <a:t>int</a:t>
+            </a:r>
+            <a:r>
+              <a:rPr lang="en-GB" sz="1200" b="0" dirty="0">
+                <a:effectLst/>
+                <a:latin typeface="Menlo" panose="020B0609030804020204" pitchFamily="49" charset="0"/>
+              </a:rPr>
+              <a:t>(d[5:7])])</a:t>
+            </a:r>
+          </a:p>
+          <a:p>
+            <a:br>
+              <a:rPr lang="en-GB" sz="1200" b="0" dirty="0">
+                <a:effectLst/>
+                <a:latin typeface="Menlo" panose="020B0609030804020204" pitchFamily="49" charset="0"/>
+              </a:rPr>
+            </a:br>
+            <a:r>
+              <a:rPr lang="en-GB" sz="1200" b="0" dirty="0">
+                <a:effectLst/>
+                <a:latin typeface="Menlo" panose="020B0609030804020204" pitchFamily="49" charset="0"/>
+              </a:rPr>
+              <a:t>	if </a:t>
+            </a:r>
+            <a:r>
+              <a:rPr lang="en-GB" sz="1200" b="0" u="sng" dirty="0">
+                <a:effectLst/>
+                <a:latin typeface="Menlo" panose="020B0609030804020204" pitchFamily="49" charset="0"/>
+              </a:rPr>
+              <a:t>int</a:t>
+            </a:r>
+            <a:r>
+              <a:rPr lang="en-GB" sz="1200" b="0" dirty="0">
+                <a:effectLst/>
+                <a:latin typeface="Menlo" panose="020B0609030804020204" pitchFamily="49" charset="0"/>
+              </a:rPr>
+              <a:t>(d[0:4]) &gt; 1900 and </a:t>
+            </a:r>
+            <a:r>
+              <a:rPr lang="en-GB" sz="1200" b="0" u="sng" dirty="0">
+                <a:effectLst/>
+                <a:latin typeface="Menlo" panose="020B0609030804020204" pitchFamily="49" charset="0"/>
+              </a:rPr>
+              <a:t>int</a:t>
+            </a:r>
+            <a:r>
+              <a:rPr lang="en-GB" sz="1200" b="0" dirty="0">
+                <a:effectLst/>
+                <a:latin typeface="Menlo" panose="020B0609030804020204" pitchFamily="49" charset="0"/>
+              </a:rPr>
+              <a:t>(d[0:4]) &lt; 2000:</a:t>
+            </a:r>
+          </a:p>
+          <a:p>
+            <a:r>
+              <a:rPr lang="en-GB" sz="1200" b="0" dirty="0">
+                <a:effectLst/>
+                <a:latin typeface="Menlo" panose="020B0609030804020204" pitchFamily="49" charset="0"/>
+              </a:rPr>
+              <a:t>		century = 0</a:t>
+            </a:r>
+          </a:p>
+          <a:p>
+            <a:r>
+              <a:rPr lang="en-GB" sz="1200" b="0" dirty="0">
+                <a:effectLst/>
+                <a:latin typeface="Menlo" panose="020B0609030804020204" pitchFamily="49" charset="0"/>
+              </a:rPr>
+              <a:t>	elif </a:t>
+            </a:r>
+            <a:r>
+              <a:rPr lang="en-GB" sz="1200" b="0" u="sng" dirty="0">
+                <a:effectLst/>
+                <a:latin typeface="Menlo" panose="020B0609030804020204" pitchFamily="49" charset="0"/>
+              </a:rPr>
+              <a:t>int</a:t>
+            </a:r>
+            <a:r>
+              <a:rPr lang="en-GB" sz="1200" b="0" dirty="0">
+                <a:effectLst/>
+                <a:latin typeface="Menlo" panose="020B0609030804020204" pitchFamily="49" charset="0"/>
+              </a:rPr>
+              <a:t>(d[0:4]) &gt; 2000:</a:t>
+            </a:r>
+          </a:p>
+          <a:p>
+            <a:r>
+              <a:rPr lang="en-GB" sz="1200" b="0" dirty="0">
+                <a:effectLst/>
+                <a:latin typeface="Menlo" panose="020B0609030804020204" pitchFamily="49" charset="0"/>
+              </a:rPr>
+              <a:t>		century = 6</a:t>
+            </a:r>
+          </a:p>
+          <a:p>
+            <a:r>
+              <a:rPr lang="en-GB" sz="1200" dirty="0">
+                <a:latin typeface="Menlo" panose="020B0609030804020204" pitchFamily="49" charset="0"/>
+              </a:rPr>
+              <a:t>	</a:t>
+            </a:r>
+            <a:r>
+              <a:rPr lang="en-GB" sz="1200" b="0" dirty="0">
+                <a:effectLst/>
+                <a:latin typeface="Menlo" panose="020B0609030804020204" pitchFamily="49" charset="0"/>
+              </a:rPr>
+              <a:t>if </a:t>
+            </a:r>
+            <a:r>
+              <a:rPr lang="en-GB" sz="1200" b="0" u="sng" dirty="0">
+                <a:effectLst/>
+                <a:latin typeface="Menlo" panose="020B0609030804020204" pitchFamily="49" charset="0"/>
+              </a:rPr>
+              <a:t>int</a:t>
+            </a:r>
+            <a:r>
+              <a:rPr lang="en-GB" sz="1200" b="0" dirty="0">
+                <a:effectLst/>
+                <a:latin typeface="Menlo" panose="020B0609030804020204" pitchFamily="49" charset="0"/>
+              </a:rPr>
+              <a:t>(d[0:4]) in leap_year(1990, 30):</a:t>
+            </a:r>
+          </a:p>
+          <a:p>
+            <a:r>
+              <a:rPr lang="en-GB" sz="1200" b="0" dirty="0">
+                <a:effectLst/>
+                <a:latin typeface="Menlo" panose="020B0609030804020204" pitchFamily="49" charset="0"/>
+              </a:rPr>
+              <a:t>		leap_year_this = True</a:t>
+            </a:r>
+          </a:p>
+          <a:p>
+            <a:r>
+              <a:rPr lang="en-GB" sz="1200" dirty="0">
+                <a:latin typeface="Menlo" panose="020B0609030804020204" pitchFamily="49" charset="0"/>
+              </a:rPr>
+              <a:t>	</a:t>
+            </a:r>
+            <a:r>
+              <a:rPr lang="en-GB" sz="1200" b="0" dirty="0">
+                <a:effectLst/>
+                <a:latin typeface="Menlo" panose="020B0609030804020204" pitchFamily="49" charset="0"/>
+              </a:rPr>
+              <a:t>total = year + month + century + </a:t>
+            </a:r>
+            <a:r>
+              <a:rPr lang="en-GB" sz="1200" b="0" u="sng" dirty="0">
+                <a:effectLst/>
+                <a:latin typeface="Menlo" panose="020B0609030804020204" pitchFamily="49" charset="0"/>
+              </a:rPr>
+              <a:t>int</a:t>
+            </a:r>
+            <a:r>
+              <a:rPr lang="en-GB" sz="1200" b="0" dirty="0">
+                <a:effectLst/>
+                <a:latin typeface="Menlo" panose="020B0609030804020204" pitchFamily="49" charset="0"/>
+              </a:rPr>
+              <a:t>(d[8:10])</a:t>
+            </a:r>
+          </a:p>
+          <a:p>
+            <a:r>
+              <a:rPr lang="en-GB" sz="1200" b="0" dirty="0">
+                <a:effectLst/>
+                <a:latin typeface="Menlo" panose="020B0609030804020204" pitchFamily="49" charset="0"/>
+              </a:rPr>
+              <a:t>	if leap_year_this:</a:t>
+            </a:r>
+          </a:p>
+          <a:p>
+            <a:r>
+              <a:rPr lang="en-GB" sz="1200" b="0" dirty="0">
+                <a:effectLst/>
+                <a:latin typeface="Menlo" panose="020B0609030804020204" pitchFamily="49" charset="0"/>
+              </a:rPr>
+              <a:t>		total = total - 1</a:t>
+            </a:r>
+          </a:p>
+          <a:p>
+            <a:r>
+              <a:rPr lang="en-GB" sz="1200" b="0" dirty="0">
+                <a:effectLst/>
+                <a:latin typeface="Menlo" panose="020B0609030804020204" pitchFamily="49" charset="0"/>
+              </a:rPr>
+              <a:t>	total = total % 7</a:t>
+            </a:r>
+          </a:p>
+          <a:p>
+            <a:r>
+              <a:rPr lang="en-GB" sz="1200" b="0" dirty="0">
+                <a:effectLst/>
+                <a:latin typeface="Menlo" panose="020B0609030804020204" pitchFamily="49" charset="0"/>
+              </a:rPr>
+              <a:t>	day_week = days_dict[total]</a:t>
+            </a:r>
+          </a:p>
+          <a:p>
+            <a:r>
+              <a:rPr lang="en-GB" sz="1200" b="0" dirty="0">
+                <a:effectLst/>
+                <a:latin typeface="Menlo" panose="020B0609030804020204" pitchFamily="49" charset="0"/>
+              </a:rPr>
+              <a:t>	dates_num.append(n)</a:t>
+            </a:r>
+          </a:p>
+          <a:p>
+            <a:r>
+              <a:rPr lang="en-GB" sz="1200" b="0" dirty="0">
+                <a:effectLst/>
+                <a:latin typeface="Menlo" panose="020B0609030804020204" pitchFamily="49" charset="0"/>
+              </a:rPr>
+              <a:t>	days_week.append(day_week)</a:t>
+            </a:r>
+          </a:p>
+          <a:p>
+            <a:r>
+              <a:rPr lang="en-GB" sz="1200" b="0" dirty="0">
+                <a:effectLst/>
+                <a:latin typeface="Menlo" panose="020B0609030804020204" pitchFamily="49" charset="0"/>
+              </a:rPr>
+              <a:t>	print("Dates:", dates_num)</a:t>
+            </a:r>
+          </a:p>
+          <a:p>
+            <a:r>
+              <a:rPr lang="en-GB" sz="1200" b="0" dirty="0">
+                <a:effectLst/>
+                <a:latin typeface="Menlo" panose="020B0609030804020204" pitchFamily="49" charset="0"/>
+              </a:rPr>
+              <a:t>	print("Day of week", days_week)</a:t>
+            </a:r>
+          </a:p>
+        </p:txBody>
+      </p:sp>
+      <p:sp>
+        <p:nvSpPr>
+          <p:cNvPr id="9" name="TextBox 8">
+            <a:extLst>
+              <a:ext uri="{FF2B5EF4-FFF2-40B4-BE49-F238E27FC236}">
+                <a16:creationId xmlns:a16="http://schemas.microsoft.com/office/drawing/2014/main" id="{48F9A8B7-AB9D-25CB-70C3-C3145B8DCD00}"/>
+              </a:ext>
+            </a:extLst>
+          </p:cNvPr>
+          <p:cNvSpPr txBox="1"/>
+          <p:nvPr/>
+        </p:nvSpPr>
+        <p:spPr>
+          <a:xfrm>
+            <a:off x="8028709" y="4412033"/>
+            <a:ext cx="4006734" cy="1200329"/>
+          </a:xfrm>
+          <a:prstGeom prst="rect">
+            <a:avLst/>
+          </a:prstGeom>
+          <a:noFill/>
+        </p:spPr>
+        <p:txBody>
+          <a:bodyPr wrap="square" rtlCol="0">
+            <a:spAutoFit/>
+          </a:bodyPr>
+          <a:lstStyle/>
+          <a:p>
+            <a:r>
+              <a:rPr lang="en-US" sz="2400" dirty="0"/>
+              <a:t>You need to use the leap_year function that you already defined</a:t>
+            </a:r>
           </a:p>
         </p:txBody>
       </p:sp>
@@ -6429,137 +8099,177 @@
             <p:ph idx="1"/>
           </p:nvPr>
         </p:nvSpPr>
+        <p:spPr>
+          <a:xfrm>
+            <a:off x="987829" y="1551656"/>
+            <a:ext cx="10515600" cy="4351338"/>
+          </a:xfrm>
+        </p:spPr>
+        <p:txBody>
+          <a:bodyPr>
+            <a:normAutofit/>
+          </a:bodyPr>
+          <a:lstStyle/>
+          <a:p>
+            <a:pPr marL="0" indent="0">
+              <a:buNone/>
+            </a:pPr>
+            <a:r>
+              <a:rPr lang="en-GB" sz="2400" dirty="0"/>
+              <a:t>Write a function that prints a pyramid-like pattern with numbers starting from 1 and increasing by one each time you go down the pyramid (up to 8)</a:t>
+            </a:r>
+          </a:p>
+          <a:p>
+            <a:pPr marL="0" indent="0">
+              <a:buNone/>
+            </a:pPr>
+            <a:endParaRPr lang="en-GB" sz="2400" dirty="0"/>
+          </a:p>
+          <a:p>
+            <a:pPr marL="0" indent="0">
+              <a:buNone/>
+            </a:pPr>
+            <a:r>
+              <a:rPr lang="en-GB" sz="2400" b="1" dirty="0">
+                <a:solidFill>
+                  <a:srgbClr val="002060"/>
+                </a:solidFill>
+              </a:rPr>
+              <a:t>Input: </a:t>
+            </a:r>
+            <a:r>
+              <a:rPr lang="en-GB" sz="2400" dirty="0"/>
+              <a:t>8</a:t>
+            </a:r>
+          </a:p>
+          <a:p>
+            <a:pPr marL="0" indent="0">
+              <a:buNone/>
+            </a:pPr>
+            <a:r>
+              <a:rPr lang="en-GB" sz="2400" b="1" dirty="0">
+                <a:solidFill>
+                  <a:srgbClr val="002060"/>
+                </a:solidFill>
+              </a:rPr>
+              <a:t>Desired output</a:t>
+            </a:r>
+            <a:br>
+              <a:rPr lang="en-GB" sz="2400" dirty="0"/>
+            </a:br>
+            <a:endParaRPr lang="en-GB" sz="2400" dirty="0"/>
+          </a:p>
+          <a:p>
+            <a:pPr marL="0" indent="0">
+              <a:buNone/>
+            </a:pPr>
+            <a:r>
+              <a:rPr lang="en-GB" sz="2400" dirty="0"/>
+              <a:t>   1</a:t>
+            </a:r>
+          </a:p>
+          <a:p>
+            <a:pPr marL="0" indent="0">
+              <a:buNone/>
+            </a:pPr>
+            <a:r>
+              <a:rPr lang="en-GB" sz="2400" dirty="0"/>
+              <a:t>  2 2</a:t>
+            </a:r>
+          </a:p>
+          <a:p>
+            <a:pPr marL="0" indent="0">
+              <a:buNone/>
+            </a:pPr>
+            <a:r>
+              <a:rPr lang="en-GB" sz="2400" dirty="0"/>
+              <a:t> 3 3 3</a:t>
+            </a:r>
+          </a:p>
+          <a:p>
+            <a:pPr marL="0" indent="0">
+              <a:buNone/>
+            </a:pPr>
+            <a:r>
+              <a:rPr lang="en-GB" sz="2400" dirty="0"/>
+              <a:t>4 4 4 4</a:t>
+            </a:r>
+          </a:p>
+          <a:p>
+            <a:endParaRPr lang="en-US" sz="2400" dirty="0"/>
+          </a:p>
+        </p:txBody>
+      </p:sp>
+      <p:sp>
+        <p:nvSpPr>
+          <p:cNvPr id="4" name="Slide Number Placeholder 3">
+            <a:extLst>
+              <a:ext uri="{FF2B5EF4-FFF2-40B4-BE49-F238E27FC236}">
+                <a16:creationId xmlns:a16="http://schemas.microsoft.com/office/drawing/2014/main" id="{5069E6F0-D63E-3B8B-A559-19357FDC4823}"/>
+              </a:ext>
+            </a:extLst>
+          </p:cNvPr>
+          <p:cNvSpPr>
+            <a:spLocks noGrp="1"/>
+          </p:cNvSpPr>
+          <p:nvPr>
+            <p:ph type="sldNum" sz="quarter" idx="12"/>
+          </p:nvPr>
+        </p:nvSpPr>
         <p:spPr/>
         <p:txBody>
-          <a:bodyPr>
-            <a:normAutofit fontScale="92500" lnSpcReduction="10000"/>
-          </a:bodyPr>
-          <a:lstStyle/>
-          <a:p>
-            <a:pPr marL="0" indent="0">
-              <a:buNone/>
-            </a:pPr>
-            <a:r>
-              <a:rPr lang="en-GB" dirty="0">
-                <a:effectLst/>
-                <a:latin typeface="Menlo" panose="020B0609030804020204" pitchFamily="49" charset="0"/>
-              </a:rPr>
-              <a:t>Write a function that prints a pyramid-like pattern with numbers starting from 1 and increasing by one each time you go down the pyramid.</a:t>
-            </a:r>
-          </a:p>
-          <a:p>
-            <a:pPr marL="0" indent="0">
-              <a:buNone/>
-            </a:pPr>
-            <a:endParaRPr lang="en-GB" dirty="0">
-              <a:effectLst/>
-              <a:latin typeface="Menlo" panose="020B0609030804020204" pitchFamily="49" charset="0"/>
-            </a:endParaRPr>
-          </a:p>
-          <a:p>
-            <a:pPr marL="0" indent="0">
-              <a:buNone/>
-            </a:pPr>
-            <a:r>
-              <a:rPr lang="en-GB" dirty="0">
-                <a:effectLst/>
-                <a:latin typeface="Menlo" panose="020B0609030804020204" pitchFamily="49" charset="0"/>
-              </a:rPr>
-              <a:t>Desired output</a:t>
-            </a:r>
-            <a:br>
-              <a:rPr lang="en-GB" dirty="0">
-                <a:effectLst/>
-                <a:latin typeface="Menlo" panose="020B0609030804020204" pitchFamily="49" charset="0"/>
-              </a:rPr>
-            </a:br>
-            <a:endParaRPr lang="en-GB" dirty="0">
-              <a:effectLst/>
-              <a:latin typeface="Menlo" panose="020B0609030804020204" pitchFamily="49" charset="0"/>
-            </a:endParaRPr>
-          </a:p>
-          <a:p>
-            <a:pPr marL="0" indent="0">
-              <a:buNone/>
-            </a:pPr>
-            <a:r>
-              <a:rPr lang="en-GB" dirty="0">
-                <a:effectLst/>
-                <a:latin typeface="Menlo" panose="020B0609030804020204" pitchFamily="49" charset="0"/>
-              </a:rPr>
-              <a:t>   1</a:t>
-            </a:r>
-          </a:p>
-          <a:p>
-            <a:pPr marL="0" indent="0">
-              <a:buNone/>
-            </a:pPr>
-            <a:r>
-              <a:rPr lang="en-GB" dirty="0">
-                <a:effectLst/>
-                <a:latin typeface="Menlo" panose="020B0609030804020204" pitchFamily="49" charset="0"/>
-              </a:rPr>
-              <a:t>  2 2</a:t>
-            </a:r>
-          </a:p>
-          <a:p>
-            <a:pPr marL="0" indent="0">
-              <a:buNone/>
-            </a:pPr>
-            <a:r>
-              <a:rPr lang="en-GB" dirty="0">
-                <a:effectLst/>
-                <a:latin typeface="Menlo" panose="020B0609030804020204" pitchFamily="49" charset="0"/>
-              </a:rPr>
-              <a:t> 3 3 3</a:t>
-            </a:r>
-          </a:p>
-          <a:p>
-            <a:pPr marL="0" indent="0">
-              <a:buNone/>
-            </a:pPr>
-            <a:r>
-              <a:rPr lang="en-GB" dirty="0">
-                <a:effectLst/>
-                <a:latin typeface="Menlo" panose="020B0609030804020204" pitchFamily="49" charset="0"/>
-              </a:rPr>
-              <a:t>4 4 4 4</a:t>
-            </a:r>
-          </a:p>
-          <a:p>
-            <a:endParaRPr lang="en-US" dirty="0"/>
-          </a:p>
-        </p:txBody>
-      </p:sp>
-      <p:sp>
-        <p:nvSpPr>
-          <p:cNvPr id="4" name="Slide Number Placeholder 3">
-            <a:extLst>
-              <a:ext uri="{FF2B5EF4-FFF2-40B4-BE49-F238E27FC236}">
-                <a16:creationId xmlns:a16="http://schemas.microsoft.com/office/drawing/2014/main" id="{5069E6F0-D63E-3B8B-A559-19357FDC4823}"/>
-              </a:ext>
-            </a:extLst>
-          </p:cNvPr>
-          <p:cNvSpPr>
-            <a:spLocks noGrp="1"/>
-          </p:cNvSpPr>
-          <p:nvPr>
-            <p:ph type="sldNum" sz="quarter" idx="12"/>
-          </p:nvPr>
-        </p:nvSpPr>
-        <p:spPr/>
-        <p:txBody>
           <a:bodyPr/>
           <a:lstStyle/>
           <a:p>
             <a:fld id="{491CF4B3-B97C-1B49-985A-93725184CD23}" type="slidenum">
-              <a:rPr lang="en-US" smtClean="0"/>
+              <a:rPr lang="en-US" sz="1800" smtClean="0"/>
               <a:t>21</a:t>
             </a:fld>
-            <a:endParaRPr lang="en-US"/>
-          </a:p>
-        </p:txBody>
-      </p:sp>
+            <a:endParaRPr lang="en-US" sz="1800"/>
+          </a:p>
+        </p:txBody>
+      </p:sp>
+      <p:cxnSp>
+        <p:nvCxnSpPr>
+          <p:cNvPr id="5" name="Straight Connector 4">
+            <a:extLst>
+              <a:ext uri="{FF2B5EF4-FFF2-40B4-BE49-F238E27FC236}">
+                <a16:creationId xmlns:a16="http://schemas.microsoft.com/office/drawing/2014/main" id="{B044901C-93C9-AA16-B2FE-D94BACDA7528}"/>
+              </a:ext>
+            </a:extLst>
+          </p:cNvPr>
+          <p:cNvCxnSpPr/>
+          <p:nvPr/>
+        </p:nvCxnSpPr>
+        <p:spPr>
+          <a:xfrm>
+            <a:off x="0" y="6190735"/>
+            <a:ext cx="12192000" cy="0"/>
+          </a:xfrm>
+          <a:prstGeom prst="line">
+            <a:avLst/>
+          </a:prstGeom>
+          <a:ln w="76200">
+            <a:solidFill>
+              <a:srgbClr val="002060"/>
+            </a:solidFill>
+          </a:ln>
+        </p:spPr>
+        <p:style>
+          <a:lnRef idx="3">
+            <a:schemeClr val="accent1"/>
+          </a:lnRef>
+          <a:fillRef idx="0">
+            <a:schemeClr val="accent1"/>
+          </a:fillRef>
+          <a:effectRef idx="2">
+            <a:schemeClr val="accent1"/>
+          </a:effectRef>
+          <a:fontRef idx="minor">
+            <a:schemeClr val="tx1"/>
+          </a:fontRef>
+        </p:style>
+      </p:cxnSp>
     </p:spTree>
     <p:extLst>
       <p:ext uri="{BB962C8B-B14F-4D97-AF65-F5344CB8AC3E}">
@@ -6627,181 +8337,279 @@
       </p:sp>
       <p:sp>
         <p:nvSpPr>
-          <p:cNvPr id="3" name="Content Placeholder 2">
-            <a:extLst>
-              <a:ext uri="{FF2B5EF4-FFF2-40B4-BE49-F238E27FC236}">
-                <a16:creationId xmlns:a16="http://schemas.microsoft.com/office/drawing/2014/main" id="{C525A007-A8EE-CD6D-6800-C06E6CB49CB0}"/>
-              </a:ext>
-            </a:extLst>
-          </p:cNvPr>
-          <p:cNvSpPr>
-            <a:spLocks noGrp="1"/>
-          </p:cNvSpPr>
-          <p:nvPr>
-            <p:ph idx="1"/>
+          <p:cNvPr id="4" name="Slide Number Placeholder 3">
+            <a:extLst>
+              <a:ext uri="{FF2B5EF4-FFF2-40B4-BE49-F238E27FC236}">
+                <a16:creationId xmlns:a16="http://schemas.microsoft.com/office/drawing/2014/main" id="{536DC667-8273-C810-1058-FB32AFE64120}"/>
+              </a:ext>
+            </a:extLst>
+          </p:cNvPr>
+          <p:cNvSpPr>
+            <a:spLocks noGrp="1"/>
+          </p:cNvSpPr>
+          <p:nvPr>
+            <p:ph type="sldNum" sz="quarter" idx="12"/>
           </p:nvPr>
         </p:nvSpPr>
         <p:spPr/>
         <p:txBody>
-          <a:bodyPr>
-            <a:normAutofit lnSpcReduction="10000"/>
-          </a:bodyPr>
-          <a:lstStyle/>
-          <a:p>
-            <a:pPr marL="0" indent="0">
-              <a:buNone/>
-            </a:pPr>
-            <a:r>
-              <a:rPr lang="en-US" dirty="0"/>
-              <a:t>def pyramid(</a:t>
-            </a:r>
-            <a:r>
-              <a:rPr lang="en-US" dirty="0" err="1"/>
-              <a:t>range_pyr</a:t>
-            </a:r>
-            <a:r>
-              <a:rPr lang="en-US" dirty="0"/>
-              <a:t>):</a:t>
-            </a:r>
-          </a:p>
-          <a:p>
-            <a:pPr marL="0" indent="0">
-              <a:buNone/>
-            </a:pPr>
-            <a:r>
-              <a:rPr lang="en-US" dirty="0"/>
-              <a:t>    k = </a:t>
-            </a:r>
-            <a:r>
-              <a:rPr lang="en-US" dirty="0" err="1"/>
-              <a:t>range_pyr</a:t>
-            </a:r>
-            <a:r>
-              <a:rPr lang="en-US" dirty="0"/>
-              <a:t> - 1</a:t>
-            </a:r>
-          </a:p>
-          <a:p>
-            <a:pPr marL="0" indent="0">
-              <a:buNone/>
-            </a:pPr>
-            <a:r>
-              <a:rPr lang="en-US" dirty="0"/>
-              <a:t>    for </a:t>
-            </a:r>
-            <a:r>
-              <a:rPr lang="en-US" dirty="0" err="1"/>
-              <a:t>i</a:t>
-            </a:r>
-            <a:r>
-              <a:rPr lang="en-US" dirty="0"/>
-              <a:t> in range(0, </a:t>
-            </a:r>
-            <a:r>
-              <a:rPr lang="en-US" dirty="0" err="1"/>
-              <a:t>range_pyr</a:t>
-            </a:r>
-            <a:r>
-              <a:rPr lang="en-US" dirty="0"/>
-              <a:t>):</a:t>
-            </a:r>
-          </a:p>
-          <a:p>
-            <a:pPr marL="0" indent="0">
-              <a:buNone/>
-            </a:pPr>
-            <a:r>
-              <a:rPr lang="en-US" dirty="0"/>
-              <a:t>        for j in range(0, k):</a:t>
-            </a:r>
-          </a:p>
-          <a:p>
-            <a:pPr marL="0" indent="0">
-              <a:buNone/>
-            </a:pPr>
-            <a:r>
-              <a:rPr lang="en-US" dirty="0"/>
-              <a:t>            print(end=" ")</a:t>
-            </a:r>
-          </a:p>
-          <a:p>
-            <a:pPr marL="0" indent="0">
-              <a:buNone/>
-            </a:pPr>
-            <a:r>
-              <a:rPr lang="en-US" dirty="0"/>
-              <a:t>        k = k - 1</a:t>
-            </a:r>
-          </a:p>
-          <a:p>
-            <a:pPr marL="0" indent="0">
-              <a:buNone/>
-            </a:pPr>
-            <a:r>
-              <a:rPr lang="en-US" dirty="0"/>
-              <a:t>        for j in range(0, i+1):</a:t>
-            </a:r>
-          </a:p>
-          <a:p>
-            <a:pPr marL="0" indent="0">
-              <a:buNone/>
-            </a:pPr>
-            <a:r>
-              <a:rPr lang="en-US" dirty="0"/>
-              <a:t>            print(</a:t>
-            </a:r>
-            <a:r>
-              <a:rPr lang="en-US" dirty="0" err="1"/>
-              <a:t>i</a:t>
-            </a:r>
-            <a:r>
-              <a:rPr lang="en-US" dirty="0"/>
-              <a:t>, end=" ")</a:t>
-            </a:r>
-          </a:p>
-          <a:p>
-            <a:pPr marL="0" indent="0">
-              <a:buNone/>
-            </a:pPr>
-            <a:r>
-              <a:rPr lang="en-US" dirty="0"/>
-              <a:t>        print("\r")</a:t>
-            </a:r>
-          </a:p>
-          <a:p>
-            <a:pPr marL="0" indent="0">
-              <a:buNone/>
-            </a:pPr>
-            <a:endParaRPr lang="en-US" dirty="0"/>
-          </a:p>
-        </p:txBody>
-      </p:sp>
-      <p:sp>
-        <p:nvSpPr>
-          <p:cNvPr id="4" name="Slide Number Placeholder 3">
-            <a:extLst>
-              <a:ext uri="{FF2B5EF4-FFF2-40B4-BE49-F238E27FC236}">
-                <a16:creationId xmlns:a16="http://schemas.microsoft.com/office/drawing/2014/main" id="{536DC667-8273-C810-1058-FB32AFE64120}"/>
-              </a:ext>
-            </a:extLst>
-          </p:cNvPr>
-          <p:cNvSpPr>
-            <a:spLocks noGrp="1"/>
-          </p:cNvSpPr>
-          <p:nvPr>
-            <p:ph type="sldNum" sz="quarter" idx="12"/>
-          </p:nvPr>
-        </p:nvSpPr>
-        <p:spPr/>
-        <p:txBody>
           <a:bodyPr/>
           <a:lstStyle/>
           <a:p>
             <a:fld id="{491CF4B3-B97C-1B49-985A-93725184CD23}" type="slidenum">
-              <a:rPr lang="en-US" smtClean="0"/>
+              <a:rPr lang="en-US" sz="1800" smtClean="0"/>
               <a:t>22</a:t>
             </a:fld>
-            <a:endParaRPr lang="en-US"/>
+            <a:endParaRPr lang="en-US" sz="1800" dirty="0"/>
+          </a:p>
+        </p:txBody>
+      </p:sp>
+      <p:cxnSp>
+        <p:nvCxnSpPr>
+          <p:cNvPr id="5" name="Straight Connector 4">
+            <a:extLst>
+              <a:ext uri="{FF2B5EF4-FFF2-40B4-BE49-F238E27FC236}">
+                <a16:creationId xmlns:a16="http://schemas.microsoft.com/office/drawing/2014/main" id="{7BDAAA8F-77DB-150C-0DFA-A598482ABD30}"/>
+              </a:ext>
+            </a:extLst>
+          </p:cNvPr>
+          <p:cNvCxnSpPr/>
+          <p:nvPr/>
+        </p:nvCxnSpPr>
+        <p:spPr>
+          <a:xfrm>
+            <a:off x="0" y="6190735"/>
+            <a:ext cx="12192000" cy="0"/>
+          </a:xfrm>
+          <a:prstGeom prst="line">
+            <a:avLst/>
+          </a:prstGeom>
+          <a:ln w="76200">
+            <a:solidFill>
+              <a:srgbClr val="002060"/>
+            </a:solidFill>
+          </a:ln>
+        </p:spPr>
+        <p:style>
+          <a:lnRef idx="3">
+            <a:schemeClr val="accent1"/>
+          </a:lnRef>
+          <a:fillRef idx="0">
+            <a:schemeClr val="accent1"/>
+          </a:fillRef>
+          <a:effectRef idx="2">
+            <a:schemeClr val="accent1"/>
+          </a:effectRef>
+          <a:fontRef idx="minor">
+            <a:schemeClr val="tx1"/>
+          </a:fontRef>
+        </p:style>
+      </p:cxnSp>
+      <p:sp>
+        <p:nvSpPr>
+          <p:cNvPr id="7" name="TextBox 6">
+            <a:extLst>
+              <a:ext uri="{FF2B5EF4-FFF2-40B4-BE49-F238E27FC236}">
+                <a16:creationId xmlns:a16="http://schemas.microsoft.com/office/drawing/2014/main" id="{232BC45F-F91F-CC03-1C1C-8C38C78DF772}"/>
+              </a:ext>
+            </a:extLst>
+          </p:cNvPr>
+          <p:cNvSpPr txBox="1"/>
+          <p:nvPr/>
+        </p:nvSpPr>
+        <p:spPr>
+          <a:xfrm>
+            <a:off x="1051560" y="1975718"/>
+            <a:ext cx="6126480" cy="3139321"/>
+          </a:xfrm>
+          <a:prstGeom prst="rect">
+            <a:avLst/>
+          </a:prstGeom>
+          <a:noFill/>
+        </p:spPr>
+        <p:txBody>
+          <a:bodyPr wrap="square">
+            <a:spAutoFit/>
+          </a:bodyPr>
+          <a:lstStyle/>
+          <a:p>
+            <a:r>
+              <a:rPr lang="en-GB" b="0" i="1" dirty="0">
+                <a:effectLst/>
+                <a:latin typeface="Menlo" panose="020B0609030804020204" pitchFamily="49" charset="0"/>
+              </a:rPr>
+              <a:t>def</a:t>
+            </a:r>
+            <a:r>
+              <a:rPr lang="en-GB" b="0" dirty="0">
+                <a:effectLst/>
+                <a:latin typeface="Menlo" panose="020B0609030804020204" pitchFamily="49" charset="0"/>
+              </a:rPr>
+              <a:t> pyramid(</a:t>
+            </a:r>
+            <a:r>
+              <a:rPr lang="en-GB" b="0" i="1" dirty="0">
+                <a:effectLst/>
+                <a:latin typeface="Menlo" panose="020B0609030804020204" pitchFamily="49" charset="0"/>
+              </a:rPr>
+              <a:t>range_pyr</a:t>
+            </a:r>
+            <a:r>
+              <a:rPr lang="en-GB" b="0" dirty="0">
+                <a:effectLst/>
+                <a:latin typeface="Menlo" panose="020B0609030804020204" pitchFamily="49" charset="0"/>
+              </a:rPr>
+              <a:t>):</a:t>
+            </a:r>
+          </a:p>
+          <a:p>
+            <a:r>
+              <a:rPr lang="en-GB" b="0" dirty="0">
+                <a:effectLst/>
+                <a:latin typeface="Menlo" panose="020B0609030804020204" pitchFamily="49" charset="0"/>
+              </a:rPr>
+              <a:t>	k = </a:t>
+            </a:r>
+            <a:r>
+              <a:rPr lang="en-GB" b="0" i="1" dirty="0">
+                <a:effectLst/>
+                <a:latin typeface="Menlo" panose="020B0609030804020204" pitchFamily="49" charset="0"/>
+              </a:rPr>
+              <a:t>range_pyr</a:t>
+            </a:r>
+            <a:r>
+              <a:rPr lang="en-GB" b="0" dirty="0">
+                <a:effectLst/>
+                <a:latin typeface="Menlo" panose="020B0609030804020204" pitchFamily="49" charset="0"/>
+              </a:rPr>
+              <a:t> - 1</a:t>
+            </a:r>
+          </a:p>
+          <a:p>
+            <a:r>
+              <a:rPr lang="en-GB" dirty="0">
+                <a:latin typeface="Menlo" panose="020B0609030804020204" pitchFamily="49" charset="0"/>
+              </a:rPr>
+              <a:t>	f</a:t>
+            </a:r>
+            <a:r>
+              <a:rPr lang="en-GB" b="0" dirty="0">
+                <a:effectLst/>
+                <a:latin typeface="Menlo" panose="020B0609030804020204" pitchFamily="49" charset="0"/>
+              </a:rPr>
+              <a:t>or i in range(0, </a:t>
+            </a:r>
+            <a:r>
+              <a:rPr lang="en-GB" b="0" i="1" dirty="0">
+                <a:effectLst/>
+                <a:latin typeface="Menlo" panose="020B0609030804020204" pitchFamily="49" charset="0"/>
+              </a:rPr>
+              <a:t>range_pyr</a:t>
+            </a:r>
+            <a:r>
+              <a:rPr lang="en-GB" b="0" dirty="0">
+                <a:effectLst/>
+                <a:latin typeface="Menlo" panose="020B0609030804020204" pitchFamily="49" charset="0"/>
+              </a:rPr>
+              <a:t>):</a:t>
+            </a:r>
+          </a:p>
+          <a:p>
+            <a:r>
+              <a:rPr lang="en-GB" b="0" dirty="0">
+                <a:effectLst/>
+                <a:latin typeface="Menlo" panose="020B0609030804020204" pitchFamily="49" charset="0"/>
+              </a:rPr>
+              <a:t>		for j in range(0, k):</a:t>
+            </a:r>
+          </a:p>
+          <a:p>
+            <a:r>
+              <a:rPr lang="en-GB" b="0" dirty="0">
+                <a:effectLst/>
+                <a:latin typeface="Menlo" panose="020B0609030804020204" pitchFamily="49" charset="0"/>
+              </a:rPr>
+              <a:t>			print(</a:t>
+            </a:r>
+            <a:r>
+              <a:rPr lang="en-GB" b="0" i="1" dirty="0">
+                <a:effectLst/>
+                <a:latin typeface="Menlo" panose="020B0609030804020204" pitchFamily="49" charset="0"/>
+              </a:rPr>
+              <a:t>end</a:t>
+            </a:r>
+            <a:r>
+              <a:rPr lang="en-GB" b="0" dirty="0">
+                <a:effectLst/>
+                <a:latin typeface="Menlo" panose="020B0609030804020204" pitchFamily="49" charset="0"/>
+              </a:rPr>
+              <a:t>=" ")</a:t>
+            </a:r>
+          </a:p>
+          <a:p>
+            <a:r>
+              <a:rPr lang="en-GB" b="0" dirty="0">
+                <a:effectLst/>
+                <a:latin typeface="Menlo" panose="020B0609030804020204" pitchFamily="49" charset="0"/>
+              </a:rPr>
+              <a:t>		k = k - 1</a:t>
+            </a:r>
+          </a:p>
+          <a:p>
+            <a:r>
+              <a:rPr lang="en-GB" b="0" dirty="0">
+                <a:effectLst/>
+                <a:latin typeface="Menlo" panose="020B0609030804020204" pitchFamily="49" charset="0"/>
+              </a:rPr>
+              <a:t>		for j in range(0, i+1):</a:t>
+            </a:r>
+          </a:p>
+          <a:p>
+            <a:r>
+              <a:rPr lang="en-GB" b="0" dirty="0">
+                <a:effectLst/>
+                <a:latin typeface="Menlo" panose="020B0609030804020204" pitchFamily="49" charset="0"/>
+              </a:rPr>
+              <a:t>			print(i, </a:t>
+            </a:r>
+            <a:r>
+              <a:rPr lang="en-GB" b="0" i="1" dirty="0">
+                <a:effectLst/>
+                <a:latin typeface="Menlo" panose="020B0609030804020204" pitchFamily="49" charset="0"/>
+              </a:rPr>
+              <a:t>end</a:t>
+            </a:r>
+            <a:r>
+              <a:rPr lang="en-GB" b="0" dirty="0">
+                <a:effectLst/>
+                <a:latin typeface="Menlo" panose="020B0609030804020204" pitchFamily="49" charset="0"/>
+              </a:rPr>
+              <a:t>=" ")</a:t>
+            </a:r>
+          </a:p>
+          <a:p>
+            <a:r>
+              <a:rPr lang="en-GB" b="0" dirty="0">
+                <a:effectLst/>
+                <a:latin typeface="Menlo" panose="020B0609030804020204" pitchFamily="49" charset="0"/>
+              </a:rPr>
+              <a:t>		print("\r")</a:t>
+            </a:r>
+          </a:p>
+          <a:p>
+            <a:br>
+              <a:rPr lang="en-GB" b="0" dirty="0">
+                <a:effectLst/>
+                <a:latin typeface="Menlo" panose="020B0609030804020204" pitchFamily="49" charset="0"/>
+              </a:rPr>
+            </a:br>
+            <a:r>
+              <a:rPr lang="en-GB" b="0" dirty="0">
+                <a:effectLst/>
+                <a:latin typeface="Menlo" panose="020B0609030804020204" pitchFamily="49" charset="0"/>
+              </a:rPr>
+              <a:t>pyramid(8)</a:t>
+            </a:r>
           </a:p>
         </p:txBody>
       </p:sp>
@@ -8392,10 +10200,10 @@
           <a:lstStyle/>
           <a:p>
             <a:fld id="{491CF4B3-B97C-1B49-985A-93725184CD23}" type="slidenum">
-              <a:rPr lang="en-US" smtClean="0"/>
+              <a:rPr lang="en-US" sz="1800" smtClean="0"/>
               <a:t>6</a:t>
             </a:fld>
-            <a:endParaRPr lang="en-US"/>
+            <a:endParaRPr lang="en-US" sz="1800"/>
           </a:p>
         </p:txBody>
       </p:sp>
@@ -8440,6 +10248,47 @@
           </a:p>
         </p:txBody>
       </p:sp>
+      <p:cxnSp>
+        <p:nvCxnSpPr>
+          <p:cNvPr id="6" name="Straight Connector 5">
+            <a:extLst>
+              <a:ext uri="{FF2B5EF4-FFF2-40B4-BE49-F238E27FC236}">
+                <a16:creationId xmlns:a16="http://schemas.microsoft.com/office/drawing/2014/main" id="{0666A145-E5DA-2855-B100-06AD93C03B64}"/>
+              </a:ext>
+            </a:extLst>
+          </p:cNvPr>
+          <p:cNvCxnSpPr/>
+          <p:nvPr/>
+        </p:nvCxnSpPr>
+        <p:spPr>
+          <a:xfrm>
+            <a:off x="0" y="6190735"/>
+            <a:ext cx="12192000" cy="0"/>
+          </a:xfrm>
+          <a:prstGeom prst="line">
+            <a:avLst/>
+          </a:prstGeom>
+          <a:ln w="76200">
+            <a:solidFill>
+              <a:srgbClr val="002060"/>
+            </a:solidFill>
+          </a:ln>
+        </p:spPr>
+        <p:style>
+          <a:lnRef idx="3">
+            <a:schemeClr val="accent1"/>
+          </a:lnRef>
+          <a:fillRef idx="0">
+            <a:schemeClr val="accent1"/>
+          </a:fillRef>
+          <a:effectRef idx="2">
+            <a:schemeClr val="accent1"/>
+          </a:effectRef>
+          <a:fontRef idx="minor">
+            <a:schemeClr val="tx1"/>
+          </a:fontRef>
+        </p:style>
+      </p:cxnSp>
     </p:spTree>
     <p:extLst>
       <p:ext uri="{BB962C8B-B14F-4D97-AF65-F5344CB8AC3E}">
@@ -8524,7 +10373,12 @@
             <p:ph idx="1"/>
           </p:nvPr>
         </p:nvSpPr>
-        <p:spPr/>
+        <p:spPr>
+          <a:xfrm>
+            <a:off x="838200" y="1767786"/>
+            <a:ext cx="10515600" cy="4351338"/>
+          </a:xfrm>
+        </p:spPr>
         <p:txBody>
           <a:bodyPr>
             <a:normAutofit/>
@@ -8535,7 +10389,7 @@
               <a:buNone/>
             </a:pPr>
             <a:r>
-              <a:rPr lang="en-US" dirty="0"/>
+              <a:rPr lang="en-US" sz="2400" dirty="0"/>
               <a:t>Write a function that prints the next 20 leap years starting from 2022.</a:t>
             </a:r>
           </a:p>
@@ -8543,42 +10397,54 @@
             <a:pPr marL="0" indent="0">
               <a:buNone/>
             </a:pPr>
-            <a:endParaRPr lang="en-US" dirty="0"/>
+            <a:endParaRPr lang="en-US" sz="2400" dirty="0"/>
           </a:p>
           <a:p>
             <a:pPr marL="0" indent="0">
               <a:buNone/>
             </a:pPr>
             <a:r>
-              <a:rPr lang="en-US" dirty="0"/>
-              <a:t>Function Input: 2022</a:t>
+              <a:rPr lang="en-US" sz="2400" b="1" dirty="0">
+                <a:solidFill>
+                  <a:srgbClr val="002060"/>
+                </a:solidFill>
+              </a:rPr>
+              <a:t>Input: </a:t>
+            </a:r>
+            <a:r>
+              <a:rPr lang="en-US" sz="2400" dirty="0"/>
+              <a:t>(2022, 20)</a:t>
             </a:r>
           </a:p>
           <a:p>
             <a:pPr marL="0" indent="0">
               <a:buNone/>
             </a:pPr>
-            <a:endParaRPr lang="en-US" dirty="0"/>
+            <a:endParaRPr lang="en-US" sz="2400" dirty="0"/>
           </a:p>
           <a:p>
             <a:pPr marL="0" indent="0">
               <a:buNone/>
             </a:pPr>
             <a:r>
-              <a:rPr lang="en-US" dirty="0"/>
+              <a:rPr lang="en-US" sz="2400" b="1" dirty="0">
+                <a:solidFill>
+                  <a:srgbClr val="002060"/>
+                </a:solidFill>
+              </a:rPr>
               <a:t>Desired output</a:t>
             </a:r>
             <a:br>
-              <a:rPr lang="en-US" dirty="0"/>
+              <a:rPr lang="en-US" sz="2400" dirty="0"/>
             </a:br>
-            <a:endParaRPr lang="en-US" dirty="0"/>
+            <a:endParaRPr lang="en-US" sz="2400" dirty="0"/>
           </a:p>
           <a:p>
             <a:pPr marL="0" indent="0">
               <a:buNone/>
             </a:pPr>
             <a:r>
-              <a:rPr lang="en-US" dirty="0"/>
+              <a:rPr lang="en-US" sz="2400" dirty="0"/>
               <a:t>2024, 2028, 2032, 2036, 2040, 2044, 2048 ….</a:t>
             </a:r>
           </a:p>
@@ -8586,7 +10452,7 @@
             <a:pPr marL="0" indent="0">
               <a:buNone/>
             </a:pPr>
-            <a:endParaRPr lang="en-US" dirty="0"/>
+            <a:endParaRPr lang="en-US" sz="2400" dirty="0"/>
           </a:p>
         </p:txBody>
       </p:sp>
@@ -8612,13 +10478,54 @@
           <a:lstStyle/>
           <a:p>
             <a:fld id="{491CF4B3-B97C-1B49-985A-93725184CD23}" type="slidenum">
-              <a:rPr lang="en-US" smtClean="0"/>
+              <a:rPr lang="en-US" sz="1800" smtClean="0"/>
               <a:t>7</a:t>
             </a:fld>
-            <a:endParaRPr lang="en-US"/>
-          </a:p>
-        </p:txBody>
-      </p:sp>
+            <a:endParaRPr lang="en-US" sz="1800"/>
+          </a:p>
+        </p:txBody>
+      </p:sp>
+      <p:cxnSp>
+        <p:nvCxnSpPr>
+          <p:cNvPr id="5" name="Straight Connector 4">
+            <a:extLst>
+              <a:ext uri="{FF2B5EF4-FFF2-40B4-BE49-F238E27FC236}">
+                <a16:creationId xmlns:a16="http://schemas.microsoft.com/office/drawing/2014/main" id="{DFA42691-2293-3E40-3FD3-A9637915A64F}"/>
+              </a:ext>
+            </a:extLst>
+          </p:cNvPr>
+          <p:cNvCxnSpPr/>
+          <p:nvPr/>
+        </p:nvCxnSpPr>
+        <p:spPr>
+          <a:xfrm>
+            <a:off x="0" y="6190735"/>
+            <a:ext cx="12192000" cy="0"/>
+          </a:xfrm>
+          <a:prstGeom prst="line">
+            <a:avLst/>
+          </a:prstGeom>
+          <a:ln w="76200">
+            <a:solidFill>
+              <a:srgbClr val="002060"/>
+            </a:solidFill>
+          </a:ln>
+        </p:spPr>
+        <p:style>
+          <a:lnRef idx="3">
+            <a:schemeClr val="accent1"/>
+          </a:lnRef>
+          <a:fillRef idx="0">
+            <a:schemeClr val="accent1"/>
+          </a:fillRef>
+          <a:effectRef idx="2">
+            <a:schemeClr val="accent1"/>
+          </a:effectRef>
+          <a:fontRef idx="minor">
+            <a:schemeClr val="tx1"/>
+          </a:fontRef>
+        </p:style>
+      </p:cxnSp>
     </p:spTree>
     <p:extLst>
       <p:ext uri="{BB962C8B-B14F-4D97-AF65-F5344CB8AC3E}">
@@ -8686,124 +10593,277 @@
       </p:sp>
       <p:sp>
         <p:nvSpPr>
-          <p:cNvPr id="3" name="Content Placeholder 2">
-            <a:extLst>
-              <a:ext uri="{FF2B5EF4-FFF2-40B4-BE49-F238E27FC236}">
-                <a16:creationId xmlns:a16="http://schemas.microsoft.com/office/drawing/2014/main" id="{C525A007-A8EE-CD6D-6800-C06E6CB49CB0}"/>
-              </a:ext>
-            </a:extLst>
-          </p:cNvPr>
-          <p:cNvSpPr>
-            <a:spLocks noGrp="1"/>
-          </p:cNvSpPr>
-          <p:nvPr>
-            <p:ph idx="1"/>
+          <p:cNvPr id="4" name="Slide Number Placeholder 3">
+            <a:extLst>
+              <a:ext uri="{FF2B5EF4-FFF2-40B4-BE49-F238E27FC236}">
+                <a16:creationId xmlns:a16="http://schemas.microsoft.com/office/drawing/2014/main" id="{536DC667-8273-C810-1058-FB32AFE64120}"/>
+              </a:ext>
+            </a:extLst>
+          </p:cNvPr>
+          <p:cNvSpPr>
+            <a:spLocks noGrp="1"/>
+          </p:cNvSpPr>
+          <p:nvPr>
+            <p:ph type="sldNum" sz="quarter" idx="12"/>
           </p:nvPr>
         </p:nvSpPr>
         <p:spPr/>
         <p:txBody>
-          <a:bodyPr>
-            <a:normAutofit/>
-          </a:bodyPr>
-          <a:lstStyle/>
-          <a:p>
-            <a:pPr marL="0" indent="0">
-              <a:buNone/>
-            </a:pPr>
-            <a:endParaRPr lang="en-US" dirty="0"/>
-          </a:p>
-          <a:p>
-            <a:pPr marL="0" indent="0">
-              <a:buNone/>
-            </a:pPr>
-            <a:endParaRPr lang="en-US" dirty="0"/>
-          </a:p>
-          <a:p>
-            <a:pPr marL="0" indent="0">
-              <a:buNone/>
-            </a:pPr>
-            <a:r>
-              <a:rPr lang="en-US" dirty="0"/>
-              <a:t>def main(</a:t>
-            </a:r>
-            <a:r>
-              <a:rPr lang="en-US" dirty="0" err="1"/>
-              <a:t>year_start</a:t>
-            </a:r>
-            <a:r>
-              <a:rPr lang="en-US" dirty="0"/>
-              <a:t>, tot):</a:t>
-            </a:r>
-          </a:p>
-          <a:p>
-            <a:pPr marL="0" indent="0">
-              <a:buNone/>
-            </a:pPr>
-            <a:r>
-              <a:rPr lang="en-US" dirty="0"/>
-              <a:t>    for year in range(</a:t>
-            </a:r>
-            <a:r>
-              <a:rPr lang="en-US" dirty="0" err="1"/>
-              <a:t>year_start</a:t>
-            </a:r>
-            <a:r>
-              <a:rPr lang="en-US" dirty="0"/>
-              <a:t>, tot):</a:t>
-            </a:r>
-          </a:p>
-          <a:p>
-            <a:pPr marL="0" indent="0">
-              <a:buNone/>
-            </a:pPr>
-            <a:r>
-              <a:rPr lang="en-US" dirty="0"/>
-              <a:t>        if year % 4 == 0 and (year % 100 != 0 or year % 400 == 0):</a:t>
-            </a:r>
-          </a:p>
-          <a:p>
-            <a:pPr marL="0" indent="0">
-              <a:buNone/>
-            </a:pPr>
-            <a:r>
-              <a:rPr lang="en-US" dirty="0"/>
-              <a:t>            print(year)</a:t>
-            </a:r>
-          </a:p>
-          <a:p>
-            <a:pPr marL="0" indent="0">
-              <a:buNone/>
-            </a:pPr>
-            <a:endParaRPr lang="en-US" dirty="0"/>
-          </a:p>
-        </p:txBody>
-      </p:sp>
-      <p:sp>
-        <p:nvSpPr>
-          <p:cNvPr id="4" name="Slide Number Placeholder 3">
-            <a:extLst>
-              <a:ext uri="{FF2B5EF4-FFF2-40B4-BE49-F238E27FC236}">
-                <a16:creationId xmlns:a16="http://schemas.microsoft.com/office/drawing/2014/main" id="{536DC667-8273-C810-1058-FB32AFE64120}"/>
-              </a:ext>
-            </a:extLst>
-          </p:cNvPr>
-          <p:cNvSpPr>
-            <a:spLocks noGrp="1"/>
-          </p:cNvSpPr>
-          <p:nvPr>
-            <p:ph type="sldNum" sz="quarter" idx="12"/>
-          </p:nvPr>
-        </p:nvSpPr>
-        <p:spPr/>
-        <p:txBody>
           <a:bodyPr/>
           <a:lstStyle/>
           <a:p>
             <a:fld id="{491CF4B3-B97C-1B49-985A-93725184CD23}" type="slidenum">
-              <a:rPr lang="en-US" smtClean="0"/>
+              <a:rPr lang="en-US" sz="1800" smtClean="0"/>
               <a:t>8</a:t>
             </a:fld>
-            <a:endParaRPr lang="en-US"/>
+            <a:endParaRPr lang="en-US" sz="1800"/>
+          </a:p>
+        </p:txBody>
+      </p:sp>
+      <p:cxnSp>
+        <p:nvCxnSpPr>
+          <p:cNvPr id="5" name="Straight Connector 4">
+            <a:extLst>
+              <a:ext uri="{FF2B5EF4-FFF2-40B4-BE49-F238E27FC236}">
+                <a16:creationId xmlns:a16="http://schemas.microsoft.com/office/drawing/2014/main" id="{ED0D6B94-97F6-BA7D-1600-E80C9C477658}"/>
+              </a:ext>
+            </a:extLst>
+          </p:cNvPr>
+          <p:cNvCxnSpPr/>
+          <p:nvPr/>
+        </p:nvCxnSpPr>
+        <p:spPr>
+          <a:xfrm>
+            <a:off x="0" y="6190735"/>
+            <a:ext cx="12192000" cy="0"/>
+          </a:xfrm>
+          <a:prstGeom prst="line">
+            <a:avLst/>
+          </a:prstGeom>
+          <a:ln w="76200">
+            <a:solidFill>
+              <a:srgbClr val="002060"/>
+            </a:solidFill>
+          </a:ln>
+        </p:spPr>
+        <p:style>
+          <a:lnRef idx="3">
+            <a:schemeClr val="accent1"/>
+          </a:lnRef>
+          <a:fillRef idx="0">
+            <a:schemeClr val="accent1"/>
+          </a:fillRef>
+          <a:effectRef idx="2">
+            <a:schemeClr val="accent1"/>
+          </a:effectRef>
+          <a:fontRef idx="minor">
+            <a:schemeClr val="tx1"/>
+          </a:fontRef>
+        </p:style>
+      </p:cxnSp>
+      <p:sp>
+        <p:nvSpPr>
+          <p:cNvPr id="11" name="TextBox 10">
+            <a:extLst>
+              <a:ext uri="{FF2B5EF4-FFF2-40B4-BE49-F238E27FC236}">
+                <a16:creationId xmlns:a16="http://schemas.microsoft.com/office/drawing/2014/main" id="{89582FFA-7409-50B9-1881-F86787ABD012}"/>
+              </a:ext>
+            </a:extLst>
+          </p:cNvPr>
+          <p:cNvSpPr txBox="1"/>
+          <p:nvPr/>
+        </p:nvSpPr>
+        <p:spPr>
+          <a:xfrm>
+            <a:off x="987830" y="1944255"/>
+            <a:ext cx="10755284" cy="3385542"/>
+          </a:xfrm>
+          <a:prstGeom prst="rect">
+            <a:avLst/>
+          </a:prstGeom>
+          <a:noFill/>
+        </p:spPr>
+        <p:txBody>
+          <a:bodyPr wrap="square">
+            <a:spAutoFit/>
+          </a:bodyPr>
+          <a:lstStyle/>
+          <a:p>
+            <a:r>
+              <a:rPr lang="en-GB" sz="1600" b="0" i="1" dirty="0">
+                <a:effectLst/>
+                <a:latin typeface="Menlo" panose="020B0609030804020204" pitchFamily="49" charset="0"/>
+              </a:rPr>
+              <a:t>def</a:t>
+            </a:r>
+            <a:r>
+              <a:rPr lang="en-GB" sz="1600" b="0" dirty="0">
+                <a:effectLst/>
+                <a:latin typeface="Menlo" panose="020B0609030804020204" pitchFamily="49" charset="0"/>
+              </a:rPr>
+              <a:t> leap_year(</a:t>
+            </a:r>
+            <a:r>
+              <a:rPr lang="en-GB" sz="1600" b="0" i="1" dirty="0">
+                <a:effectLst/>
+                <a:latin typeface="Menlo" panose="020B0609030804020204" pitchFamily="49" charset="0"/>
+              </a:rPr>
+              <a:t>year_start</a:t>
+            </a:r>
+            <a:r>
+              <a:rPr lang="en-GB" sz="1600" b="0" dirty="0">
+                <a:effectLst/>
+                <a:latin typeface="Menlo" panose="020B0609030804020204" pitchFamily="49" charset="0"/>
+              </a:rPr>
+              <a:t>, </a:t>
+            </a:r>
+            <a:r>
+              <a:rPr lang="en-GB" sz="1600" b="0" i="1" dirty="0">
+                <a:effectLst/>
+                <a:latin typeface="Menlo" panose="020B0609030804020204" pitchFamily="49" charset="0"/>
+              </a:rPr>
+              <a:t>nyears</a:t>
+            </a:r>
+            <a:r>
+              <a:rPr lang="en-GB" sz="1600" b="0" dirty="0">
+                <a:effectLst/>
+                <a:latin typeface="Menlo" panose="020B0609030804020204" pitchFamily="49" charset="0"/>
+              </a:rPr>
+              <a:t>):</a:t>
+            </a:r>
+          </a:p>
+          <a:p>
+            <a:r>
+              <a:rPr lang="en-GB" sz="1600" b="0" dirty="0">
+                <a:effectLst/>
+                <a:latin typeface="Menlo" panose="020B0609030804020204" pitchFamily="49" charset="0"/>
+              </a:rPr>
+              <a:t>	years = []</a:t>
+            </a:r>
+          </a:p>
+          <a:p>
+            <a:r>
+              <a:rPr lang="en-GB" sz="1600" b="0" dirty="0">
+                <a:effectLst/>
+                <a:latin typeface="Menlo" panose="020B0609030804020204" pitchFamily="49" charset="0"/>
+              </a:rPr>
+              <a:t>	count_year = 0</a:t>
+            </a:r>
+          </a:p>
+          <a:p>
+            <a:r>
+              <a:rPr lang="en-GB" sz="1600" b="0" dirty="0">
+                <a:effectLst/>
+                <a:latin typeface="Menlo" panose="020B0609030804020204" pitchFamily="49" charset="0"/>
+              </a:rPr>
+              <a:t>	count_leap_year = 0</a:t>
+            </a:r>
+          </a:p>
+          <a:p>
+            <a:r>
+              <a:rPr lang="en-GB" sz="1600" b="0" dirty="0">
+                <a:effectLst/>
+                <a:latin typeface="Menlo" panose="020B0609030804020204" pitchFamily="49" charset="0"/>
+              </a:rPr>
+              <a:t>	while count_leap_year &lt; </a:t>
+            </a:r>
+            <a:r>
+              <a:rPr lang="en-GB" sz="1600" b="0" i="1" dirty="0">
+                <a:effectLst/>
+                <a:latin typeface="Menlo" panose="020B0609030804020204" pitchFamily="49" charset="0"/>
+              </a:rPr>
+              <a:t>nyears</a:t>
+            </a:r>
+            <a:r>
+              <a:rPr lang="en-GB" sz="1600" b="0" dirty="0">
+                <a:effectLst/>
+                <a:latin typeface="Menlo" panose="020B0609030804020204" pitchFamily="49" charset="0"/>
+              </a:rPr>
+              <a:t>:</a:t>
+            </a:r>
+          </a:p>
+          <a:p>
+            <a:r>
+              <a:rPr lang="en-GB" sz="1600" b="0" dirty="0">
+                <a:effectLst/>
+                <a:latin typeface="Menlo" panose="020B0609030804020204" pitchFamily="49" charset="0"/>
+              </a:rPr>
+              <a:t>		year = </a:t>
+            </a:r>
+            <a:r>
+              <a:rPr lang="en-GB" sz="1600" b="0" i="1" dirty="0">
+                <a:effectLst/>
+                <a:latin typeface="Menlo" panose="020B0609030804020204" pitchFamily="49" charset="0"/>
+              </a:rPr>
+              <a:t>year_start</a:t>
+            </a:r>
+            <a:r>
+              <a:rPr lang="en-GB" sz="1600" b="0" dirty="0">
+                <a:effectLst/>
+                <a:latin typeface="Menlo" panose="020B0609030804020204" pitchFamily="49" charset="0"/>
+              </a:rPr>
+              <a:t> + count_year</a:t>
+            </a:r>
+          </a:p>
+          <a:p>
+            <a:r>
+              <a:rPr lang="en-GB" sz="1600" b="0" dirty="0">
+                <a:effectLst/>
+                <a:latin typeface="Menlo" panose="020B0609030804020204" pitchFamily="49" charset="0"/>
+              </a:rPr>
+              <a:t>		if year % 4 == 0 and (year % 100 != 0 or year % 400 == 0):</a:t>
+            </a:r>
+          </a:p>
+          <a:p>
+            <a:r>
+              <a:rPr lang="en-GB" sz="1600" b="0" dirty="0">
+                <a:effectLst/>
+                <a:latin typeface="Menlo" panose="020B0609030804020204" pitchFamily="49" charset="0"/>
+              </a:rPr>
+              <a:t>			years.append(year)</a:t>
+            </a:r>
+          </a:p>
+          <a:p>
+            <a:r>
+              <a:rPr lang="en-GB" sz="1600" b="0" dirty="0">
+                <a:effectLst/>
+                <a:latin typeface="Menlo" panose="020B0609030804020204" pitchFamily="49" charset="0"/>
+              </a:rPr>
+              <a:t>			count_leap_year = count_leap_year+1</a:t>
+            </a:r>
+          </a:p>
+          <a:p>
+            <a:r>
+              <a:rPr lang="en-GB" sz="1600" b="0" dirty="0">
+                <a:effectLst/>
+                <a:latin typeface="Menlo" panose="020B0609030804020204" pitchFamily="49" charset="0"/>
+              </a:rPr>
+              <a:t>	count_year = count_year+1</a:t>
+            </a:r>
+          </a:p>
+          <a:p>
+            <a:r>
+              <a:rPr lang="en-GB" sz="1600" b="0" dirty="0">
+                <a:effectLst/>
+                <a:latin typeface="Menlo" panose="020B0609030804020204" pitchFamily="49" charset="0"/>
+              </a:rPr>
+              <a:t>	return years</a:t>
+            </a:r>
+          </a:p>
+          <a:p>
+            <a:br>
+              <a:rPr lang="en-GB" sz="1600" b="0" dirty="0">
+                <a:effectLst/>
+                <a:latin typeface="Menlo" panose="020B0609030804020204" pitchFamily="49" charset="0"/>
+              </a:rPr>
+            </a:br>
+            <a:r>
+              <a:rPr lang="en-GB" sz="1600" b="0" dirty="0">
+                <a:effectLst/>
+                <a:latin typeface="Menlo" panose="020B0609030804020204" pitchFamily="49" charset="0"/>
+              </a:rPr>
+              <a:t>leap_year(2022, 20)</a:t>
+            </a:r>
           </a:p>
         </p:txBody>
       </p:sp>
@@ -8866,7 +10926,7 @@
                   </a:schemeClr>
                 </a:solidFill>
               </a:rPr>
-              <a:t>Exercise 2: Taylor Swift Songs</a:t>
+              <a:t>Exercise 2: characters numbers </a:t>
             </a:r>
             <a:r>
               <a:rPr lang="en-US" dirty="0"/>
@@ -8891,129 +10951,184 @@
             <p:ph idx="1"/>
           </p:nvPr>
         </p:nvSpPr>
+        <p:spPr>
+          <a:xfrm>
+            <a:off x="838200" y="1476491"/>
+            <a:ext cx="11353800" cy="4351338"/>
+          </a:xfrm>
+        </p:spPr>
+        <p:txBody>
+          <a:bodyPr>
+            <a:normAutofit/>
+          </a:bodyPr>
+          <a:lstStyle/>
+          <a:p>
+            <a:pPr marL="0" indent="0">
+              <a:buNone/>
+            </a:pPr>
+            <a:r>
+              <a:rPr lang="en-US" sz="2400" dirty="0"/>
+              <a:t>Write a function that calculates the number of characters in each song written by Taylor Swift. Save these in a different series and print them. Also print the highest number of characters that a song had.</a:t>
+            </a:r>
+          </a:p>
+          <a:p>
+            <a:pPr marL="0" indent="0">
+              <a:buNone/>
+            </a:pPr>
+            <a:endParaRPr lang="en-US" sz="2400" dirty="0"/>
+          </a:p>
+          <a:p>
+            <a:pPr marL="0" indent="0">
+              <a:buNone/>
+            </a:pPr>
+            <a:r>
+              <a:rPr lang="en-US" sz="2400" b="1" dirty="0">
+                <a:solidFill>
+                  <a:srgbClr val="002060"/>
+                </a:solidFill>
+              </a:rPr>
+              <a:t>Input: </a:t>
+            </a:r>
+            <a:r>
+              <a:rPr lang="en-US" sz="2400" dirty="0"/>
+              <a:t>("Data/</a:t>
+            </a:r>
+            <a:r>
+              <a:rPr lang="en-US" sz="2400" dirty="0" err="1"/>
+              <a:t>spotify_taylorswift.csv</a:t>
+            </a:r>
+            <a:r>
+              <a:rPr lang="en-US" sz="2400" dirty="0"/>
+              <a:t>", "popularity", "name”)</a:t>
+            </a:r>
+          </a:p>
+          <a:p>
+            <a:pPr marL="0" indent="0">
+              <a:buNone/>
+            </a:pPr>
+            <a:r>
+              <a:rPr lang="en-US" sz="2400" dirty="0"/>
+              <a:t>Example songs = pd.Series(['Clean', 'All Too Well', 'Lover', 'Ivy'])</a:t>
+            </a:r>
+          </a:p>
+          <a:p>
+            <a:pPr marL="0" indent="0">
+              <a:buNone/>
+            </a:pPr>
+            <a:endParaRPr lang="en-US" sz="2400" dirty="0"/>
+          </a:p>
+          <a:p>
+            <a:pPr marL="0" indent="0">
+              <a:buNone/>
+            </a:pPr>
+            <a:r>
+              <a:rPr lang="en-US" sz="2400" b="1" dirty="0">
+                <a:solidFill>
+                  <a:srgbClr val="002060"/>
+                </a:solidFill>
+              </a:rPr>
+              <a:t>Desired output</a:t>
+            </a:r>
+          </a:p>
+          <a:p>
+            <a:pPr marL="0" indent="0">
+              <a:buNone/>
+            </a:pPr>
+            <a:r>
+              <a:rPr lang="en-US" sz="2400" dirty="0"/>
+              <a:t>5, 12, 5, 3</a:t>
+            </a:r>
+          </a:p>
+          <a:p>
+            <a:pPr marL="0" indent="0">
+              <a:buNone/>
+            </a:pPr>
+            <a:r>
+              <a:rPr lang="en-US" sz="2400" dirty="0"/>
+              <a:t>12</a:t>
+            </a:r>
+          </a:p>
+          <a:p>
+            <a:pPr marL="0" indent="0">
+              <a:buNone/>
+            </a:pPr>
+            <a:endParaRPr lang="en-US" sz="2400" dirty="0"/>
+          </a:p>
+          <a:p>
+            <a:endParaRPr lang="en-US" sz="2400" dirty="0"/>
+          </a:p>
+        </p:txBody>
+      </p:sp>
+      <p:sp>
+        <p:nvSpPr>
+          <p:cNvPr id="4" name="Slide Number Placeholder 3">
+            <a:extLst>
+              <a:ext uri="{FF2B5EF4-FFF2-40B4-BE49-F238E27FC236}">
+                <a16:creationId xmlns:a16="http://schemas.microsoft.com/office/drawing/2014/main" id="{AE79DCC1-E911-24A4-1197-782092FF1E2E}"/>
+              </a:ext>
+            </a:extLst>
+          </p:cNvPr>
+          <p:cNvSpPr>
+            <a:spLocks noGrp="1"/>
+          </p:cNvSpPr>
+          <p:nvPr>
+            <p:ph type="sldNum" sz="quarter" idx="12"/>
+          </p:nvPr>
+        </p:nvSpPr>
         <p:spPr/>
         <p:txBody>
-          <a:bodyPr>
-            <a:normAutofit fontScale="92500" lnSpcReduction="20000"/>
-          </a:bodyPr>
-          <a:lstStyle/>
-          <a:p>
-            <a:pPr marL="0" indent="0">
-              <a:buNone/>
-            </a:pPr>
-            <a:r>
-              <a:rPr lang="en-US" dirty="0"/>
-              <a:t>Write a function that calculates the number of characters in each song written by Taylor Swift. Save these in a different series and print them. Also print the highest number of characters that a song had.</a:t>
-            </a:r>
-          </a:p>
-          <a:p>
-            <a:pPr marL="0" indent="0">
-              <a:buNone/>
-            </a:pPr>
-            <a:endParaRPr lang="en-US" dirty="0"/>
-          </a:p>
-          <a:p>
-            <a:pPr marL="0" indent="0">
-              <a:buNone/>
-            </a:pPr>
-            <a:r>
-              <a:rPr lang="en-US" dirty="0"/>
-              <a:t>Input</a:t>
-            </a:r>
-          </a:p>
-          <a:p>
-            <a:pPr marL="0" indent="0">
-              <a:buNone/>
-            </a:pPr>
-            <a:r>
-              <a:rPr lang="en-US" dirty="0"/>
-              <a:t>ser = </a:t>
-            </a:r>
-            <a:r>
-              <a:rPr lang="en-US" dirty="0" err="1"/>
-              <a:t>pd.Series</a:t>
-            </a:r>
-            <a:r>
-              <a:rPr lang="en-US" dirty="0"/>
-              <a:t>(['Clean', 'All Too Well', 'Lover', 'Ivy'])</a:t>
-            </a:r>
-          </a:p>
-          <a:p>
-            <a:pPr marL="0" indent="0">
-              <a:buNone/>
-            </a:pPr>
-            <a:br>
-              <a:rPr lang="en-US" dirty="0"/>
-            </a:br>
-            <a:endParaRPr lang="en-US" dirty="0"/>
-          </a:p>
-          <a:p>
-            <a:pPr marL="0" indent="0">
-              <a:buNone/>
-            </a:pPr>
-            <a:r>
-              <a:rPr lang="en-US" dirty="0"/>
-              <a:t>Desired output</a:t>
-            </a:r>
-          </a:p>
-          <a:p>
-            <a:pPr marL="0" indent="0">
-              <a:buNone/>
-            </a:pPr>
-            <a:r>
-              <a:rPr lang="en-US" dirty="0"/>
-              <a:t>5, 12, 5, 3</a:t>
-            </a:r>
-          </a:p>
-          <a:p>
-            <a:pPr marL="0" indent="0">
-              <a:buNone/>
-            </a:pPr>
-            <a:r>
-              <a:rPr lang="en-US" dirty="0"/>
-              <a:t>12</a:t>
-            </a:r>
-          </a:p>
-          <a:p>
-            <a:pPr marL="0" indent="0">
-              <a:buNone/>
-            </a:pPr>
-            <a:endParaRPr lang="en-US" dirty="0"/>
-          </a:p>
-          <a:p>
-            <a:endParaRPr lang="en-US" dirty="0"/>
-          </a:p>
-        </p:txBody>
-      </p:sp>
-      <p:sp>
-        <p:nvSpPr>
-          <p:cNvPr id="4" name="Slide Number Placeholder 3">
-            <a:extLst>
-              <a:ext uri="{FF2B5EF4-FFF2-40B4-BE49-F238E27FC236}">
-                <a16:creationId xmlns:a16="http://schemas.microsoft.com/office/drawing/2014/main" id="{AE79DCC1-E911-24A4-1197-782092FF1E2E}"/>
-              </a:ext>
-            </a:extLst>
-          </p:cNvPr>
-          <p:cNvSpPr>
-            <a:spLocks noGrp="1"/>
-          </p:cNvSpPr>
-          <p:nvPr>
-            <p:ph type="sldNum" sz="quarter" idx="12"/>
-          </p:nvPr>
-        </p:nvSpPr>
-        <p:spPr/>
-        <p:txBody>
           <a:bodyPr/>
           <a:lstStyle/>
           <a:p>
             <a:fld id="{491CF4B3-B97C-1B49-985A-93725184CD23}" type="slidenum">
-              <a:rPr lang="en-US" smtClean="0"/>
+              <a:rPr lang="en-US" sz="1800" smtClean="0"/>
               <a:t>9</a:t>
             </a:fld>
-            <a:endParaRPr lang="en-US"/>
-          </a:p>
-        </p:txBody>
-      </p:sp>
+            <a:endParaRPr lang="en-US" sz="1800"/>
+          </a:p>
+        </p:txBody>
+      </p:sp>
+      <p:cxnSp>
+        <p:nvCxnSpPr>
+          <p:cNvPr id="5" name="Straight Connector 4">
+            <a:extLst>
+              <a:ext uri="{FF2B5EF4-FFF2-40B4-BE49-F238E27FC236}">
+                <a16:creationId xmlns:a16="http://schemas.microsoft.com/office/drawing/2014/main" id="{8B549692-5BED-6087-C7B6-D67E23DFD885}"/>
+              </a:ext>
+            </a:extLst>
+          </p:cNvPr>
+          <p:cNvCxnSpPr/>
+          <p:nvPr/>
+        </p:nvCxnSpPr>
+        <p:spPr>
+          <a:xfrm>
+            <a:off x="0" y="6190735"/>
+            <a:ext cx="12192000" cy="0"/>
+          </a:xfrm>
+          <a:prstGeom prst="line">
+            <a:avLst/>
+          </a:prstGeom>
+          <a:ln w="76200">
+            <a:solidFill>
+              <a:srgbClr val="002060"/>
+            </a:solidFill>
+          </a:ln>
+        </p:spPr>
+        <p:style>
+          <a:lnRef idx="3">
+            <a:schemeClr val="accent1"/>
+          </a:lnRef>
+          <a:fillRef idx="0">
+            <a:schemeClr val="accent1"/>
+          </a:fillRef>
+          <a:effectRef idx="2">
+            <a:schemeClr val="accent1"/>
+          </a:effectRef>
+          <a:fontRef idx="minor">
+            <a:schemeClr val="tx1"/>
+          </a:fontRef>
+        </p:style>
+      </p:cxnSp>
     </p:spTree>
     <p:extLst>
       <p:ext uri="{BB962C8B-B14F-4D97-AF65-F5344CB8AC3E}">
